--- a/Spring-Springboot/스프링 프레임워크 학습자료.pptx
+++ b/Spring-Springboot/스프링 프레임워크 학습자료.pptx
@@ -6,6 +6,8 @@
   </p:sldMasterIdLst>
   <p:sldIdLst>
     <p:sldId id="256" r:id="rId2"/>
+    <p:sldId id="257" r:id="rId3"/>
+    <p:sldId id="258" r:id="rId4"/>
   </p:sldIdLst>
   <p:sldSz cx="12192000" cy="6858000"/>
   <p:notesSz cx="6858000" cy="9144000"/>
@@ -104,6 +106,11 @@
       </a:defRPr>
     </a:lvl9pPr>
   </p:defaultTextStyle>
+  <p:extLst>
+    <p:ext uri="{EFAFB233-063F-42B5-8137-9DF3F51BA10A}">
+      <p15:sldGuideLst xmlns:p15="http://schemas.microsoft.com/office/powerpoint/2012/main"/>
+    </p:ext>
+  </p:extLst>
 </p:presentation>
 </file>
 
@@ -2964,10 +2971,1041 @@
           <a:chExt cx="0" cy="0"/>
         </a:xfrm>
       </p:grpSpPr>
+      <p:pic>
+        <p:nvPicPr>
+          <p:cNvPr id="2" name="그림 1"/>
+          <p:cNvPicPr>
+            <a:picLocks noChangeAspect="1"/>
+          </p:cNvPicPr>
+          <p:nvPr/>
+        </p:nvPicPr>
+        <p:blipFill>
+          <a:blip r:embed="rId2">
+            <a:extLst>
+              <a:ext uri="{28A0092B-C50C-407E-A947-70E740481C1C}">
+                <a14:useLocalDpi xmlns:a14="http://schemas.microsoft.com/office/drawing/2010/main" val="0"/>
+              </a:ext>
+            </a:extLst>
+          </a:blip>
+          <a:stretch>
+            <a:fillRect/>
+          </a:stretch>
+        </p:blipFill>
+        <p:spPr>
+          <a:xfrm>
+            <a:off x="1867869" y="2253252"/>
+            <a:ext cx="6562725" cy="1914525"/>
+          </a:xfrm>
+          <a:prstGeom prst="rect">
+            <a:avLst/>
+          </a:prstGeom>
+        </p:spPr>
+      </p:pic>
+      <p:sp>
+        <p:nvSpPr>
+          <p:cNvPr id="3" name="TextBox 2"/>
+          <p:cNvSpPr txBox="1"/>
+          <p:nvPr/>
+        </p:nvSpPr>
+        <p:spPr>
+          <a:xfrm>
+            <a:off x="4515354" y="1650775"/>
+            <a:ext cx="2124299" cy="400110"/>
+          </a:xfrm>
+          <a:prstGeom prst="rect">
+            <a:avLst/>
+          </a:prstGeom>
+          <a:noFill/>
+        </p:spPr>
+        <p:txBody>
+          <a:bodyPr wrap="none" rtlCol="0">
+            <a:spAutoFit/>
+          </a:bodyPr>
+          <a:lstStyle/>
+          <a:p>
+            <a:r>
+              <a:rPr lang="ko-KR" altLang="en-US" sz="2000" b="1" dirty="0" smtClean="0">
+                <a:solidFill>
+                  <a:srgbClr val="00B0F0"/>
+                </a:solidFill>
+                <a:latin typeface="Yu Gothic Light" panose="020B0300000000000000" pitchFamily="34" charset="-128"/>
+              </a:rPr>
+              <a:t>호텔 예약 서비스</a:t>
+            </a:r>
+            <a:endParaRPr lang="ko-KR" altLang="en-US" sz="2000" b="1" dirty="0">
+              <a:solidFill>
+                <a:srgbClr val="00B0F0"/>
+              </a:solidFill>
+              <a:latin typeface="Yu Gothic Light" panose="020B0300000000000000" pitchFamily="34" charset="-128"/>
+            </a:endParaRPr>
+          </a:p>
+        </p:txBody>
+      </p:sp>
     </p:spTree>
     <p:extLst>
       <p:ext uri="{BB962C8B-B14F-4D97-AF65-F5344CB8AC3E}">
         <p14:creationId xmlns:p14="http://schemas.microsoft.com/office/powerpoint/2010/main" val="3204391453"/>
+      </p:ext>
+    </p:extLst>
+  </p:cSld>
+  <p:clrMapOvr>
+    <a:masterClrMapping/>
+  </p:clrMapOvr>
+</p:sld>
+</file>
+
+<file path=ppt/slides/slide2.xml><?xml version="1.0" encoding="utf-8"?>
+<p:sld xmlns:a="http://schemas.openxmlformats.org/drawingml/2006/main" xmlns:r="http://schemas.openxmlformats.org/officeDocument/2006/relationships" xmlns:p="http://schemas.openxmlformats.org/presentationml/2006/main">
+  <p:cSld>
+    <p:spTree>
+      <p:nvGrpSpPr>
+        <p:cNvPr id="1" name=""/>
+        <p:cNvGrpSpPr/>
+        <p:nvPr/>
+      </p:nvGrpSpPr>
+      <p:grpSpPr>
+        <a:xfrm>
+          <a:off x="0" y="0"/>
+          <a:ext cx="0" cy="0"/>
+          <a:chOff x="0" y="0"/>
+          <a:chExt cx="0" cy="0"/>
+        </a:xfrm>
+      </p:grpSpPr>
+      <p:pic>
+        <p:nvPicPr>
+          <p:cNvPr id="4" name="그림 3"/>
+          <p:cNvPicPr>
+            <a:picLocks noChangeAspect="1"/>
+          </p:cNvPicPr>
+          <p:nvPr/>
+        </p:nvPicPr>
+        <p:blipFill>
+          <a:blip r:embed="rId2">
+            <a:extLst>
+              <a:ext uri="{28A0092B-C50C-407E-A947-70E740481C1C}">
+                <a14:useLocalDpi xmlns:a14="http://schemas.microsoft.com/office/drawing/2010/main" val="0"/>
+              </a:ext>
+            </a:extLst>
+          </a:blip>
+          <a:stretch>
+            <a:fillRect/>
+          </a:stretch>
+        </p:blipFill>
+        <p:spPr>
+          <a:xfrm>
+            <a:off x="8242413" y="1189530"/>
+            <a:ext cx="2468072" cy="2468072"/>
+          </a:xfrm>
+          <a:prstGeom prst="rect">
+            <a:avLst/>
+          </a:prstGeom>
+        </p:spPr>
+      </p:pic>
+      <p:pic>
+        <p:nvPicPr>
+          <p:cNvPr id="5" name="그림 4"/>
+          <p:cNvPicPr>
+            <a:picLocks noChangeAspect="1"/>
+          </p:cNvPicPr>
+          <p:nvPr/>
+        </p:nvPicPr>
+        <p:blipFill>
+          <a:blip r:embed="rId3" cstate="print">
+            <a:extLst>
+              <a:ext uri="{28A0092B-C50C-407E-A947-70E740481C1C}">
+                <a14:useLocalDpi xmlns:a14="http://schemas.microsoft.com/office/drawing/2010/main" val="0"/>
+              </a:ext>
+            </a:extLst>
+          </a:blip>
+          <a:stretch>
+            <a:fillRect/>
+          </a:stretch>
+        </p:blipFill>
+        <p:spPr>
+          <a:xfrm>
+            <a:off x="8689461" y="897332"/>
+            <a:ext cx="1573975" cy="292198"/>
+          </a:xfrm>
+          <a:prstGeom prst="rect">
+            <a:avLst/>
+          </a:prstGeom>
+        </p:spPr>
+      </p:pic>
+      <p:pic>
+        <p:nvPicPr>
+          <p:cNvPr id="6" name="그림 5"/>
+          <p:cNvPicPr>
+            <a:picLocks noChangeAspect="1"/>
+          </p:cNvPicPr>
+          <p:nvPr/>
+        </p:nvPicPr>
+        <p:blipFill>
+          <a:blip r:embed="rId4" cstate="print">
+            <a:extLst>
+              <a:ext uri="{28A0092B-C50C-407E-A947-70E740481C1C}">
+                <a14:useLocalDpi xmlns:a14="http://schemas.microsoft.com/office/drawing/2010/main" val="0"/>
+              </a:ext>
+            </a:extLst>
+          </a:blip>
+          <a:stretch>
+            <a:fillRect/>
+          </a:stretch>
+        </p:blipFill>
+        <p:spPr>
+          <a:xfrm>
+            <a:off x="671460" y="1375646"/>
+            <a:ext cx="1300480" cy="1698160"/>
+          </a:xfrm>
+          <a:prstGeom prst="rect">
+            <a:avLst/>
+          </a:prstGeom>
+        </p:spPr>
+      </p:pic>
+      <p:cxnSp>
+        <p:nvCxnSpPr>
+          <p:cNvPr id="8" name="직선 화살표 연결선 7"/>
+          <p:cNvCxnSpPr/>
+          <p:nvPr/>
+        </p:nvCxnSpPr>
+        <p:spPr>
+          <a:xfrm flipV="1">
+            <a:off x="2581360" y="1375646"/>
+            <a:ext cx="5365020" cy="24276"/>
+          </a:xfrm>
+          <a:prstGeom prst="straightConnector1">
+            <a:avLst/>
+          </a:prstGeom>
+          <a:ln w="19050">
+            <a:solidFill>
+              <a:srgbClr val="00B0F0"/>
+            </a:solidFill>
+            <a:tailEnd type="triangle"/>
+          </a:ln>
+        </p:spPr>
+        <p:style>
+          <a:lnRef idx="1">
+            <a:schemeClr val="accent1"/>
+          </a:lnRef>
+          <a:fillRef idx="0">
+            <a:schemeClr val="accent1"/>
+          </a:fillRef>
+          <a:effectRef idx="0">
+            <a:schemeClr val="accent1"/>
+          </a:effectRef>
+          <a:fontRef idx="minor">
+            <a:schemeClr val="tx1"/>
+          </a:fontRef>
+        </p:style>
+      </p:cxnSp>
+      <p:cxnSp>
+        <p:nvCxnSpPr>
+          <p:cNvPr id="10" name="직선 화살표 연결선 9"/>
+          <p:cNvCxnSpPr/>
+          <p:nvPr/>
+        </p:nvCxnSpPr>
+        <p:spPr>
+          <a:xfrm flipH="1">
+            <a:off x="2581360" y="1877353"/>
+            <a:ext cx="5365020" cy="24276"/>
+          </a:xfrm>
+          <a:prstGeom prst="straightConnector1">
+            <a:avLst/>
+          </a:prstGeom>
+          <a:ln w="19050">
+            <a:solidFill>
+              <a:srgbClr val="00B050"/>
+            </a:solidFill>
+            <a:tailEnd type="triangle"/>
+          </a:ln>
+        </p:spPr>
+        <p:style>
+          <a:lnRef idx="1">
+            <a:schemeClr val="accent1"/>
+          </a:lnRef>
+          <a:fillRef idx="0">
+            <a:schemeClr val="accent1"/>
+          </a:fillRef>
+          <a:effectRef idx="0">
+            <a:schemeClr val="accent1"/>
+          </a:effectRef>
+          <a:fontRef idx="minor">
+            <a:schemeClr val="tx1"/>
+          </a:fontRef>
+        </p:style>
+      </p:cxnSp>
+      <p:sp>
+        <p:nvSpPr>
+          <p:cNvPr id="14" name="TextBox 13"/>
+          <p:cNvSpPr txBox="1"/>
+          <p:nvPr/>
+        </p:nvSpPr>
+        <p:spPr>
+          <a:xfrm>
+            <a:off x="2581360" y="1043431"/>
+            <a:ext cx="2448365" cy="276999"/>
+          </a:xfrm>
+          <a:prstGeom prst="rect">
+            <a:avLst/>
+          </a:prstGeom>
+          <a:noFill/>
+        </p:spPr>
+        <p:txBody>
+          <a:bodyPr wrap="square" rtlCol="0">
+            <a:spAutoFit/>
+          </a:bodyPr>
+          <a:lstStyle/>
+          <a:p>
+            <a:r>
+              <a:rPr lang="en-US" altLang="ko-KR" sz="1200" dirty="0" smtClean="0">
+                <a:hlinkClick r:id="rId5"/>
+              </a:rPr>
+              <a:t>www.naver.com</a:t>
+            </a:r>
+            <a:r>
+              <a:rPr lang="en-US" altLang="ko-KR" sz="1200" dirty="0" smtClean="0"/>
+              <a:t> </a:t>
+            </a:r>
+            <a:r>
+              <a:rPr lang="ko-KR" altLang="en-US" sz="1200" dirty="0" smtClean="0"/>
+              <a:t>접속</a:t>
+            </a:r>
+            <a:endParaRPr lang="ko-KR" altLang="en-US" sz="1200" dirty="0"/>
+          </a:p>
+        </p:txBody>
+      </p:sp>
+      <p:sp>
+        <p:nvSpPr>
+          <p:cNvPr id="16" name="TextBox 15"/>
+          <p:cNvSpPr txBox="1"/>
+          <p:nvPr/>
+        </p:nvSpPr>
+        <p:spPr>
+          <a:xfrm>
+            <a:off x="6093304" y="1520368"/>
+            <a:ext cx="1788340" cy="276999"/>
+          </a:xfrm>
+          <a:prstGeom prst="rect">
+            <a:avLst/>
+          </a:prstGeom>
+          <a:noFill/>
+        </p:spPr>
+        <p:txBody>
+          <a:bodyPr wrap="square" rtlCol="0">
+            <a:spAutoFit/>
+          </a:bodyPr>
+          <a:lstStyle/>
+          <a:p>
+            <a:r>
+              <a:rPr lang="en-US" altLang="ko-KR" sz="1200" dirty="0" smtClean="0"/>
+              <a:t>Naver_index.html </a:t>
+            </a:r>
+            <a:r>
+              <a:rPr lang="ko-KR" altLang="en-US" sz="1200" dirty="0" smtClean="0"/>
+              <a:t>제공</a:t>
+            </a:r>
+            <a:endParaRPr lang="ko-KR" altLang="en-US" sz="1200" dirty="0"/>
+          </a:p>
+        </p:txBody>
+      </p:sp>
+      <p:cxnSp>
+        <p:nvCxnSpPr>
+          <p:cNvPr id="17" name="직선 화살표 연결선 16"/>
+          <p:cNvCxnSpPr/>
+          <p:nvPr/>
+        </p:nvCxnSpPr>
+        <p:spPr>
+          <a:xfrm flipV="1">
+            <a:off x="2620472" y="2385798"/>
+            <a:ext cx="5365020" cy="24276"/>
+          </a:xfrm>
+          <a:prstGeom prst="straightConnector1">
+            <a:avLst/>
+          </a:prstGeom>
+          <a:ln w="19050">
+            <a:solidFill>
+              <a:srgbClr val="00B0F0"/>
+            </a:solidFill>
+            <a:tailEnd type="triangle"/>
+          </a:ln>
+        </p:spPr>
+        <p:style>
+          <a:lnRef idx="1">
+            <a:schemeClr val="accent1"/>
+          </a:lnRef>
+          <a:fillRef idx="0">
+            <a:schemeClr val="accent1"/>
+          </a:fillRef>
+          <a:effectRef idx="0">
+            <a:schemeClr val="accent1"/>
+          </a:effectRef>
+          <a:fontRef idx="minor">
+            <a:schemeClr val="tx1"/>
+          </a:fontRef>
+        </p:style>
+      </p:cxnSp>
+      <p:sp>
+        <p:nvSpPr>
+          <p:cNvPr id="18" name="TextBox 17"/>
+          <p:cNvSpPr txBox="1"/>
+          <p:nvPr/>
+        </p:nvSpPr>
+        <p:spPr>
+          <a:xfrm>
+            <a:off x="2636655" y="2094043"/>
+            <a:ext cx="3400003" cy="276999"/>
+          </a:xfrm>
+          <a:prstGeom prst="rect">
+            <a:avLst/>
+          </a:prstGeom>
+          <a:noFill/>
+        </p:spPr>
+        <p:txBody>
+          <a:bodyPr wrap="square" rtlCol="0">
+            <a:spAutoFit/>
+          </a:bodyPr>
+          <a:lstStyle/>
+          <a:p>
+            <a:r>
+              <a:rPr lang="ko-KR" altLang="en-US" sz="1200" dirty="0" smtClean="0"/>
+              <a:t>아이디 비밀번호 입력 후 로그인 버튼 클릭</a:t>
+            </a:r>
+            <a:endParaRPr lang="ko-KR" altLang="en-US" sz="1200" dirty="0"/>
+          </a:p>
+        </p:txBody>
+      </p:sp>
+      <p:cxnSp>
+        <p:nvCxnSpPr>
+          <p:cNvPr id="19" name="직선 화살표 연결선 18"/>
+          <p:cNvCxnSpPr/>
+          <p:nvPr/>
+        </p:nvCxnSpPr>
+        <p:spPr>
+          <a:xfrm flipH="1">
+            <a:off x="2620472" y="2936057"/>
+            <a:ext cx="5365020" cy="24276"/>
+          </a:xfrm>
+          <a:prstGeom prst="straightConnector1">
+            <a:avLst/>
+          </a:prstGeom>
+          <a:ln w="19050">
+            <a:solidFill>
+              <a:srgbClr val="00B050"/>
+            </a:solidFill>
+            <a:tailEnd type="triangle"/>
+          </a:ln>
+        </p:spPr>
+        <p:style>
+          <a:lnRef idx="1">
+            <a:schemeClr val="accent1"/>
+          </a:lnRef>
+          <a:fillRef idx="0">
+            <a:schemeClr val="accent1"/>
+          </a:fillRef>
+          <a:effectRef idx="0">
+            <a:schemeClr val="accent1"/>
+          </a:effectRef>
+          <a:fontRef idx="minor">
+            <a:schemeClr val="tx1"/>
+          </a:fontRef>
+        </p:style>
+      </p:cxnSp>
+      <p:sp>
+        <p:nvSpPr>
+          <p:cNvPr id="20" name="TextBox 19"/>
+          <p:cNvSpPr txBox="1"/>
+          <p:nvPr/>
+        </p:nvSpPr>
+        <p:spPr>
+          <a:xfrm>
+            <a:off x="6273012" y="2610506"/>
+            <a:ext cx="1733048" cy="276999"/>
+          </a:xfrm>
+          <a:prstGeom prst="rect">
+            <a:avLst/>
+          </a:prstGeom>
+          <a:noFill/>
+        </p:spPr>
+        <p:txBody>
+          <a:bodyPr wrap="square" rtlCol="0">
+            <a:spAutoFit/>
+          </a:bodyPr>
+          <a:lstStyle/>
+          <a:p>
+            <a:r>
+              <a:rPr lang="ko-KR" altLang="en-US" sz="1200" dirty="0" smtClean="0"/>
+              <a:t>로그인 완료</a:t>
+            </a:r>
+            <a:r>
+              <a:rPr lang="en-US" altLang="ko-KR" sz="1200" dirty="0" smtClean="0"/>
+              <a:t>.html </a:t>
+            </a:r>
+            <a:r>
+              <a:rPr lang="ko-KR" altLang="en-US" sz="1200" dirty="0" smtClean="0"/>
+              <a:t>제공</a:t>
+            </a:r>
+            <a:endParaRPr lang="ko-KR" altLang="en-US" sz="1200" dirty="0"/>
+          </a:p>
+        </p:txBody>
+      </p:sp>
+      <p:pic>
+        <p:nvPicPr>
+          <p:cNvPr id="21" name="그림 20"/>
+          <p:cNvPicPr>
+            <a:picLocks noChangeAspect="1"/>
+          </p:cNvPicPr>
+          <p:nvPr/>
+        </p:nvPicPr>
+        <p:blipFill>
+          <a:blip r:embed="rId6" cstate="print">
+            <a:extLst>
+              <a:ext uri="{28A0092B-C50C-407E-A947-70E740481C1C}">
+                <a14:useLocalDpi xmlns:a14="http://schemas.microsoft.com/office/drawing/2010/main" val="0"/>
+              </a:ext>
+            </a:extLst>
+          </a:blip>
+          <a:stretch>
+            <a:fillRect/>
+          </a:stretch>
+        </p:blipFill>
+        <p:spPr>
+          <a:xfrm>
+            <a:off x="8481345" y="5134185"/>
+            <a:ext cx="1990206" cy="1347535"/>
+          </a:xfrm>
+          <a:prstGeom prst="rect">
+            <a:avLst/>
+          </a:prstGeom>
+        </p:spPr>
+      </p:pic>
+      <p:cxnSp>
+        <p:nvCxnSpPr>
+          <p:cNvPr id="22" name="직선 화살표 연결선 21"/>
+          <p:cNvCxnSpPr/>
+          <p:nvPr/>
+        </p:nvCxnSpPr>
+        <p:spPr>
+          <a:xfrm flipH="1">
+            <a:off x="9476448" y="3774935"/>
+            <a:ext cx="8092" cy="1241916"/>
+          </a:xfrm>
+          <a:prstGeom prst="straightConnector1">
+            <a:avLst/>
+          </a:prstGeom>
+          <a:ln w="19050">
+            <a:solidFill>
+              <a:srgbClr val="00B050"/>
+            </a:solidFill>
+            <a:tailEnd type="triangle"/>
+          </a:ln>
+        </p:spPr>
+        <p:style>
+          <a:lnRef idx="1">
+            <a:schemeClr val="accent1"/>
+          </a:lnRef>
+          <a:fillRef idx="0">
+            <a:schemeClr val="accent1"/>
+          </a:fillRef>
+          <a:effectRef idx="0">
+            <a:schemeClr val="accent1"/>
+          </a:effectRef>
+          <a:fontRef idx="minor">
+            <a:schemeClr val="tx1"/>
+          </a:fontRef>
+        </p:style>
+      </p:cxnSp>
+      <p:sp>
+        <p:nvSpPr>
+          <p:cNvPr id="25" name="TextBox 24"/>
+          <p:cNvSpPr txBox="1"/>
+          <p:nvPr/>
+        </p:nvSpPr>
+        <p:spPr>
+          <a:xfrm>
+            <a:off x="6326620" y="4238962"/>
+            <a:ext cx="3110048" cy="276999"/>
+          </a:xfrm>
+          <a:prstGeom prst="rect">
+            <a:avLst/>
+          </a:prstGeom>
+          <a:noFill/>
+        </p:spPr>
+        <p:txBody>
+          <a:bodyPr wrap="square" rtlCol="0">
+            <a:spAutoFit/>
+          </a:bodyPr>
+          <a:lstStyle/>
+          <a:p>
+            <a:r>
+              <a:rPr lang="ko-KR" altLang="en-US" sz="1200" dirty="0" smtClean="0"/>
+              <a:t>입력된 아이디 비밀번호를 토대로 </a:t>
+            </a:r>
+            <a:r>
+              <a:rPr lang="en-US" altLang="ko-KR" sz="1200" dirty="0" smtClean="0"/>
+              <a:t>DB </a:t>
+            </a:r>
+            <a:r>
+              <a:rPr lang="ko-KR" altLang="en-US" sz="1200" dirty="0" smtClean="0"/>
+              <a:t>검색</a:t>
+            </a:r>
+            <a:endParaRPr lang="ko-KR" altLang="en-US" sz="1200" dirty="0"/>
+          </a:p>
+        </p:txBody>
+      </p:sp>
+      <p:cxnSp>
+        <p:nvCxnSpPr>
+          <p:cNvPr id="27" name="직선 화살표 연결선 26"/>
+          <p:cNvCxnSpPr/>
+          <p:nvPr/>
+        </p:nvCxnSpPr>
+        <p:spPr>
+          <a:xfrm flipH="1" flipV="1">
+            <a:off x="9791363" y="3774935"/>
+            <a:ext cx="8092" cy="1241916"/>
+          </a:xfrm>
+          <a:prstGeom prst="straightConnector1">
+            <a:avLst/>
+          </a:prstGeom>
+          <a:ln w="19050">
+            <a:tailEnd type="triangle"/>
+          </a:ln>
+        </p:spPr>
+        <p:style>
+          <a:lnRef idx="1">
+            <a:schemeClr val="accent1"/>
+          </a:lnRef>
+          <a:fillRef idx="0">
+            <a:schemeClr val="accent1"/>
+          </a:fillRef>
+          <a:effectRef idx="0">
+            <a:schemeClr val="accent1"/>
+          </a:effectRef>
+          <a:fontRef idx="minor">
+            <a:schemeClr val="tx1"/>
+          </a:fontRef>
+        </p:style>
+      </p:cxnSp>
+      <p:sp>
+        <p:nvSpPr>
+          <p:cNvPr id="28" name="TextBox 27"/>
+          <p:cNvSpPr txBox="1"/>
+          <p:nvPr/>
+        </p:nvSpPr>
+        <p:spPr>
+          <a:xfrm>
+            <a:off x="9908770" y="4266984"/>
+            <a:ext cx="1579419" cy="276999"/>
+          </a:xfrm>
+          <a:prstGeom prst="rect">
+            <a:avLst/>
+          </a:prstGeom>
+          <a:noFill/>
+        </p:spPr>
+        <p:txBody>
+          <a:bodyPr wrap="square" rtlCol="0">
+            <a:spAutoFit/>
+          </a:bodyPr>
+          <a:lstStyle/>
+          <a:p>
+            <a:r>
+              <a:rPr lang="en-US" altLang="ko-KR" sz="1200" smtClean="0"/>
+              <a:t>DB</a:t>
+            </a:r>
+            <a:r>
+              <a:rPr lang="ko-KR" altLang="en-US" sz="1200" dirty="0" smtClean="0"/>
+              <a:t>로부터 정보 확인</a:t>
+            </a:r>
+            <a:endParaRPr lang="ko-KR" altLang="en-US" sz="1200" dirty="0"/>
+          </a:p>
+        </p:txBody>
+      </p:sp>
+    </p:spTree>
+    <p:extLst>
+      <p:ext uri="{BB962C8B-B14F-4D97-AF65-F5344CB8AC3E}">
+        <p14:creationId xmlns:p14="http://schemas.microsoft.com/office/powerpoint/2010/main" val="629942173"/>
+      </p:ext>
+    </p:extLst>
+  </p:cSld>
+  <p:clrMapOvr>
+    <a:masterClrMapping/>
+  </p:clrMapOvr>
+</p:sld>
+</file>
+
+<file path=ppt/slides/slide3.xml><?xml version="1.0" encoding="utf-8"?>
+<p:sld xmlns:a="http://schemas.openxmlformats.org/drawingml/2006/main" xmlns:r="http://schemas.openxmlformats.org/officeDocument/2006/relationships" xmlns:p="http://schemas.openxmlformats.org/presentationml/2006/main">
+  <p:cSld>
+    <p:spTree>
+      <p:nvGrpSpPr>
+        <p:cNvPr id="1" name=""/>
+        <p:cNvGrpSpPr/>
+        <p:nvPr/>
+      </p:nvGrpSpPr>
+      <p:grpSpPr>
+        <a:xfrm>
+          <a:off x="0" y="0"/>
+          <a:ext cx="0" cy="0"/>
+          <a:chOff x="0" y="0"/>
+          <a:chExt cx="0" cy="0"/>
+        </a:xfrm>
+      </p:grpSpPr>
+      <p:pic>
+        <p:nvPicPr>
+          <p:cNvPr id="4" name="그림 3"/>
+          <p:cNvPicPr>
+            <a:picLocks noChangeAspect="1"/>
+          </p:cNvPicPr>
+          <p:nvPr/>
+        </p:nvPicPr>
+        <p:blipFill>
+          <a:blip r:embed="rId2">
+            <a:extLst>
+              <a:ext uri="{28A0092B-C50C-407E-A947-70E740481C1C}">
+                <a14:useLocalDpi xmlns:a14="http://schemas.microsoft.com/office/drawing/2010/main" val="0"/>
+              </a:ext>
+            </a:extLst>
+          </a:blip>
+          <a:stretch>
+            <a:fillRect/>
+          </a:stretch>
+        </p:blipFill>
+        <p:spPr>
+          <a:xfrm>
+            <a:off x="8242413" y="1189530"/>
+            <a:ext cx="2468072" cy="2468072"/>
+          </a:xfrm>
+          <a:prstGeom prst="rect">
+            <a:avLst/>
+          </a:prstGeom>
+        </p:spPr>
+      </p:pic>
+      <p:pic>
+        <p:nvPicPr>
+          <p:cNvPr id="5" name="그림 4"/>
+          <p:cNvPicPr>
+            <a:picLocks noChangeAspect="1"/>
+          </p:cNvPicPr>
+          <p:nvPr/>
+        </p:nvPicPr>
+        <p:blipFill>
+          <a:blip r:embed="rId3" cstate="print">
+            <a:extLst>
+              <a:ext uri="{28A0092B-C50C-407E-A947-70E740481C1C}">
+                <a14:useLocalDpi xmlns:a14="http://schemas.microsoft.com/office/drawing/2010/main" val="0"/>
+              </a:ext>
+            </a:extLst>
+          </a:blip>
+          <a:stretch>
+            <a:fillRect/>
+          </a:stretch>
+        </p:blipFill>
+        <p:spPr>
+          <a:xfrm>
+            <a:off x="8689461" y="897332"/>
+            <a:ext cx="1573975" cy="292198"/>
+          </a:xfrm>
+          <a:prstGeom prst="rect">
+            <a:avLst/>
+          </a:prstGeom>
+        </p:spPr>
+      </p:pic>
+      <p:pic>
+        <p:nvPicPr>
+          <p:cNvPr id="6" name="그림 5"/>
+          <p:cNvPicPr>
+            <a:picLocks noChangeAspect="1"/>
+          </p:cNvPicPr>
+          <p:nvPr/>
+        </p:nvPicPr>
+        <p:blipFill>
+          <a:blip r:embed="rId4" cstate="print">
+            <a:extLst>
+              <a:ext uri="{28A0092B-C50C-407E-A947-70E740481C1C}">
+                <a14:useLocalDpi xmlns:a14="http://schemas.microsoft.com/office/drawing/2010/main" val="0"/>
+              </a:ext>
+            </a:extLst>
+          </a:blip>
+          <a:stretch>
+            <a:fillRect/>
+          </a:stretch>
+        </p:blipFill>
+        <p:spPr>
+          <a:xfrm>
+            <a:off x="671460" y="1375646"/>
+            <a:ext cx="1300480" cy="1698160"/>
+          </a:xfrm>
+          <a:prstGeom prst="rect">
+            <a:avLst/>
+          </a:prstGeom>
+        </p:spPr>
+      </p:pic>
+      <p:cxnSp>
+        <p:nvCxnSpPr>
+          <p:cNvPr id="8" name="직선 화살표 연결선 7"/>
+          <p:cNvCxnSpPr/>
+          <p:nvPr/>
+        </p:nvCxnSpPr>
+        <p:spPr>
+          <a:xfrm flipV="1">
+            <a:off x="2581360" y="1375646"/>
+            <a:ext cx="5365020" cy="24276"/>
+          </a:xfrm>
+          <a:prstGeom prst="straightConnector1">
+            <a:avLst/>
+          </a:prstGeom>
+          <a:ln w="19050">
+            <a:solidFill>
+              <a:srgbClr val="00B0F0"/>
+            </a:solidFill>
+            <a:tailEnd type="triangle"/>
+          </a:ln>
+        </p:spPr>
+        <p:style>
+          <a:lnRef idx="1">
+            <a:schemeClr val="accent1"/>
+          </a:lnRef>
+          <a:fillRef idx="0">
+            <a:schemeClr val="accent1"/>
+          </a:fillRef>
+          <a:effectRef idx="0">
+            <a:schemeClr val="accent1"/>
+          </a:effectRef>
+          <a:fontRef idx="minor">
+            <a:schemeClr val="tx1"/>
+          </a:fontRef>
+        </p:style>
+      </p:cxnSp>
+      <p:cxnSp>
+        <p:nvCxnSpPr>
+          <p:cNvPr id="10" name="직선 화살표 연결선 9"/>
+          <p:cNvCxnSpPr/>
+          <p:nvPr/>
+        </p:nvCxnSpPr>
+        <p:spPr>
+          <a:xfrm flipH="1">
+            <a:off x="2581360" y="1877353"/>
+            <a:ext cx="5365020" cy="24276"/>
+          </a:xfrm>
+          <a:prstGeom prst="straightConnector1">
+            <a:avLst/>
+          </a:prstGeom>
+          <a:ln w="19050">
+            <a:solidFill>
+              <a:srgbClr val="00B050"/>
+            </a:solidFill>
+            <a:tailEnd type="triangle"/>
+          </a:ln>
+        </p:spPr>
+        <p:style>
+          <a:lnRef idx="1">
+            <a:schemeClr val="accent1"/>
+          </a:lnRef>
+          <a:fillRef idx="0">
+            <a:schemeClr val="accent1"/>
+          </a:fillRef>
+          <a:effectRef idx="0">
+            <a:schemeClr val="accent1"/>
+          </a:effectRef>
+          <a:fontRef idx="minor">
+            <a:schemeClr val="tx1"/>
+          </a:fontRef>
+        </p:style>
+      </p:cxnSp>
+      <p:sp>
+        <p:nvSpPr>
+          <p:cNvPr id="14" name="TextBox 13"/>
+          <p:cNvSpPr txBox="1"/>
+          <p:nvPr/>
+        </p:nvSpPr>
+        <p:spPr>
+          <a:xfrm>
+            <a:off x="2581361" y="1043431"/>
+            <a:ext cx="735418" cy="276999"/>
+          </a:xfrm>
+          <a:prstGeom prst="rect">
+            <a:avLst/>
+          </a:prstGeom>
+          <a:noFill/>
+        </p:spPr>
+        <p:txBody>
+          <a:bodyPr wrap="square" rtlCol="0">
+            <a:spAutoFit/>
+          </a:bodyPr>
+          <a:lstStyle/>
+          <a:p>
+            <a:r>
+              <a:rPr lang="en-US" altLang="ko-KR" sz="1200" dirty="0" smtClean="0"/>
+              <a:t>Request</a:t>
+            </a:r>
+            <a:endParaRPr lang="ko-KR" altLang="en-US" sz="1200" dirty="0"/>
+          </a:p>
+        </p:txBody>
+      </p:sp>
+      <p:sp>
+        <p:nvSpPr>
+          <p:cNvPr id="16" name="TextBox 15"/>
+          <p:cNvSpPr txBox="1"/>
+          <p:nvPr/>
+        </p:nvSpPr>
+        <p:spPr>
+          <a:xfrm>
+            <a:off x="7008883" y="1496769"/>
+            <a:ext cx="872761" cy="276999"/>
+          </a:xfrm>
+          <a:prstGeom prst="rect">
+            <a:avLst/>
+          </a:prstGeom>
+          <a:noFill/>
+        </p:spPr>
+        <p:txBody>
+          <a:bodyPr wrap="square" rtlCol="0">
+            <a:spAutoFit/>
+          </a:bodyPr>
+          <a:lstStyle/>
+          <a:p>
+            <a:r>
+              <a:rPr lang="en-US" altLang="ko-KR" sz="1200" dirty="0" smtClean="0"/>
+              <a:t>Response</a:t>
+            </a:r>
+            <a:endParaRPr lang="ko-KR" altLang="en-US" sz="1200" dirty="0"/>
+          </a:p>
+        </p:txBody>
+      </p:sp>
+      <p:cxnSp>
+        <p:nvCxnSpPr>
+          <p:cNvPr id="17" name="직선 화살표 연결선 16"/>
+          <p:cNvCxnSpPr/>
+          <p:nvPr/>
+        </p:nvCxnSpPr>
+        <p:spPr>
+          <a:xfrm flipV="1">
+            <a:off x="2620472" y="2385798"/>
+            <a:ext cx="5365020" cy="24276"/>
+          </a:xfrm>
+          <a:prstGeom prst="straightConnector1">
+            <a:avLst/>
+          </a:prstGeom>
+          <a:ln w="19050">
+            <a:solidFill>
+              <a:srgbClr val="00B0F0"/>
+            </a:solidFill>
+            <a:tailEnd type="triangle"/>
+          </a:ln>
+        </p:spPr>
+        <p:style>
+          <a:lnRef idx="1">
+            <a:schemeClr val="accent1"/>
+          </a:lnRef>
+          <a:fillRef idx="0">
+            <a:schemeClr val="accent1"/>
+          </a:fillRef>
+          <a:effectRef idx="0">
+            <a:schemeClr val="accent1"/>
+          </a:effectRef>
+          <a:fontRef idx="minor">
+            <a:schemeClr val="tx1"/>
+          </a:fontRef>
+        </p:style>
+      </p:cxnSp>
+      <p:cxnSp>
+        <p:nvCxnSpPr>
+          <p:cNvPr id="19" name="직선 화살표 연결선 18"/>
+          <p:cNvCxnSpPr/>
+          <p:nvPr/>
+        </p:nvCxnSpPr>
+        <p:spPr>
+          <a:xfrm flipH="1">
+            <a:off x="2620472" y="2936057"/>
+            <a:ext cx="5365020" cy="24276"/>
+          </a:xfrm>
+          <a:prstGeom prst="straightConnector1">
+            <a:avLst/>
+          </a:prstGeom>
+          <a:ln w="19050">
+            <a:solidFill>
+              <a:srgbClr val="00B050"/>
+            </a:solidFill>
+            <a:tailEnd type="triangle"/>
+          </a:ln>
+        </p:spPr>
+        <p:style>
+          <a:lnRef idx="1">
+            <a:schemeClr val="accent1"/>
+          </a:lnRef>
+          <a:fillRef idx="0">
+            <a:schemeClr val="accent1"/>
+          </a:fillRef>
+          <a:effectRef idx="0">
+            <a:schemeClr val="accent1"/>
+          </a:effectRef>
+          <a:fontRef idx="minor">
+            <a:schemeClr val="tx1"/>
+          </a:fontRef>
+        </p:style>
+      </p:cxnSp>
+      <p:sp>
+        <p:nvSpPr>
+          <p:cNvPr id="23" name="TextBox 22"/>
+          <p:cNvSpPr txBox="1"/>
+          <p:nvPr/>
+        </p:nvSpPr>
+        <p:spPr>
+          <a:xfrm>
+            <a:off x="2620472" y="2086226"/>
+            <a:ext cx="735418" cy="276999"/>
+          </a:xfrm>
+          <a:prstGeom prst="rect">
+            <a:avLst/>
+          </a:prstGeom>
+          <a:noFill/>
+        </p:spPr>
+        <p:txBody>
+          <a:bodyPr wrap="square" rtlCol="0">
+            <a:spAutoFit/>
+          </a:bodyPr>
+          <a:lstStyle/>
+          <a:p>
+            <a:r>
+              <a:rPr lang="en-US" altLang="ko-KR" sz="1200" dirty="0" smtClean="0"/>
+              <a:t>Request</a:t>
+            </a:r>
+            <a:endParaRPr lang="ko-KR" altLang="en-US" sz="1200" dirty="0"/>
+          </a:p>
+        </p:txBody>
+      </p:sp>
+      <p:sp>
+        <p:nvSpPr>
+          <p:cNvPr id="24" name="TextBox 23"/>
+          <p:cNvSpPr txBox="1"/>
+          <p:nvPr/>
+        </p:nvSpPr>
+        <p:spPr>
+          <a:xfrm>
+            <a:off x="7112731" y="2534566"/>
+            <a:ext cx="872761" cy="276999"/>
+          </a:xfrm>
+          <a:prstGeom prst="rect">
+            <a:avLst/>
+          </a:prstGeom>
+          <a:noFill/>
+        </p:spPr>
+        <p:txBody>
+          <a:bodyPr wrap="square" rtlCol="0">
+            <a:spAutoFit/>
+          </a:bodyPr>
+          <a:lstStyle/>
+          <a:p>
+            <a:r>
+              <a:rPr lang="en-US" altLang="ko-KR" sz="1200" dirty="0" smtClean="0"/>
+              <a:t>Response</a:t>
+            </a:r>
+            <a:endParaRPr lang="ko-KR" altLang="en-US" sz="1200" dirty="0"/>
+          </a:p>
+        </p:txBody>
+      </p:sp>
+    </p:spTree>
+    <p:extLst>
+      <p:ext uri="{BB962C8B-B14F-4D97-AF65-F5344CB8AC3E}">
+        <p14:creationId xmlns:p14="http://schemas.microsoft.com/office/powerpoint/2010/main" val="3858551094"/>
       </p:ext>
     </p:extLst>
   </p:cSld>

--- a/Spring-Springboot/스프링 프레임워크 학습자료.pptx
+++ b/Spring-Springboot/스프링 프레임워크 학습자료.pptx
@@ -8,6 +8,7 @@
     <p:sldId id="256" r:id="rId2"/>
     <p:sldId id="257" r:id="rId3"/>
     <p:sldId id="258" r:id="rId4"/>
+    <p:sldId id="259" r:id="rId5"/>
   </p:sldIdLst>
   <p:sldSz cx="12192000" cy="6858000"/>
   <p:notesSz cx="6858000" cy="9144000"/>
@@ -245,7 +246,7 @@
           <a:p>
             <a:fld id="{939B0B54-38C2-4878-9BDB-D65EE6D99877}" type="datetimeFigureOut">
               <a:rPr lang="ko-KR" altLang="en-US" smtClean="0"/>
-              <a:t>2020-01-24</a:t>
+              <a:t>2020-01-27</a:t>
             </a:fld>
             <a:endParaRPr lang="ko-KR" altLang="en-US"/>
           </a:p>
@@ -415,7 +416,7 @@
           <a:p>
             <a:fld id="{939B0B54-38C2-4878-9BDB-D65EE6D99877}" type="datetimeFigureOut">
               <a:rPr lang="ko-KR" altLang="en-US" smtClean="0"/>
-              <a:t>2020-01-24</a:t>
+              <a:t>2020-01-27</a:t>
             </a:fld>
             <a:endParaRPr lang="ko-KR" altLang="en-US"/>
           </a:p>
@@ -595,7 +596,7 @@
           <a:p>
             <a:fld id="{939B0B54-38C2-4878-9BDB-D65EE6D99877}" type="datetimeFigureOut">
               <a:rPr lang="ko-KR" altLang="en-US" smtClean="0"/>
-              <a:t>2020-01-24</a:t>
+              <a:t>2020-01-27</a:t>
             </a:fld>
             <a:endParaRPr lang="ko-KR" altLang="en-US"/>
           </a:p>
@@ -765,7 +766,7 @@
           <a:p>
             <a:fld id="{939B0B54-38C2-4878-9BDB-D65EE6D99877}" type="datetimeFigureOut">
               <a:rPr lang="ko-KR" altLang="en-US" smtClean="0"/>
-              <a:t>2020-01-24</a:t>
+              <a:t>2020-01-27</a:t>
             </a:fld>
             <a:endParaRPr lang="ko-KR" altLang="en-US"/>
           </a:p>
@@ -1011,7 +1012,7 @@
           <a:p>
             <a:fld id="{939B0B54-38C2-4878-9BDB-D65EE6D99877}" type="datetimeFigureOut">
               <a:rPr lang="ko-KR" altLang="en-US" smtClean="0"/>
-              <a:t>2020-01-24</a:t>
+              <a:t>2020-01-27</a:t>
             </a:fld>
             <a:endParaRPr lang="ko-KR" altLang="en-US"/>
           </a:p>
@@ -1243,7 +1244,7 @@
           <a:p>
             <a:fld id="{939B0B54-38C2-4878-9BDB-D65EE6D99877}" type="datetimeFigureOut">
               <a:rPr lang="ko-KR" altLang="en-US" smtClean="0"/>
-              <a:t>2020-01-24</a:t>
+              <a:t>2020-01-27</a:t>
             </a:fld>
             <a:endParaRPr lang="ko-KR" altLang="en-US"/>
           </a:p>
@@ -1610,7 +1611,7 @@
           <a:p>
             <a:fld id="{939B0B54-38C2-4878-9BDB-D65EE6D99877}" type="datetimeFigureOut">
               <a:rPr lang="ko-KR" altLang="en-US" smtClean="0"/>
-              <a:t>2020-01-24</a:t>
+              <a:t>2020-01-27</a:t>
             </a:fld>
             <a:endParaRPr lang="ko-KR" altLang="en-US"/>
           </a:p>
@@ -1728,7 +1729,7 @@
           <a:p>
             <a:fld id="{939B0B54-38C2-4878-9BDB-D65EE6D99877}" type="datetimeFigureOut">
               <a:rPr lang="ko-KR" altLang="en-US" smtClean="0"/>
-              <a:t>2020-01-24</a:t>
+              <a:t>2020-01-27</a:t>
             </a:fld>
             <a:endParaRPr lang="ko-KR" altLang="en-US"/>
           </a:p>
@@ -1823,7 +1824,7 @@
           <a:p>
             <a:fld id="{939B0B54-38C2-4878-9BDB-D65EE6D99877}" type="datetimeFigureOut">
               <a:rPr lang="ko-KR" altLang="en-US" smtClean="0"/>
-              <a:t>2020-01-24</a:t>
+              <a:t>2020-01-27</a:t>
             </a:fld>
             <a:endParaRPr lang="ko-KR" altLang="en-US"/>
           </a:p>
@@ -2100,7 +2101,7 @@
           <a:p>
             <a:fld id="{939B0B54-38C2-4878-9BDB-D65EE6D99877}" type="datetimeFigureOut">
               <a:rPr lang="ko-KR" altLang="en-US" smtClean="0"/>
-              <a:t>2020-01-24</a:t>
+              <a:t>2020-01-27</a:t>
             </a:fld>
             <a:endParaRPr lang="ko-KR" altLang="en-US"/>
           </a:p>
@@ -2353,7 +2354,7 @@
           <a:p>
             <a:fld id="{939B0B54-38C2-4878-9BDB-D65EE6D99877}" type="datetimeFigureOut">
               <a:rPr lang="ko-KR" altLang="en-US" smtClean="0"/>
-              <a:t>2020-01-24</a:t>
+              <a:t>2020-01-27</a:t>
             </a:fld>
             <a:endParaRPr lang="ko-KR" altLang="en-US"/>
           </a:p>
@@ -2566,7 +2567,7 @@
           <a:p>
             <a:fld id="{939B0B54-38C2-4878-9BDB-D65EE6D99877}" type="datetimeFigureOut">
               <a:rPr lang="ko-KR" altLang="en-US" smtClean="0"/>
-              <a:t>2020-01-24</a:t>
+              <a:t>2020-01-27</a:t>
             </a:fld>
             <a:endParaRPr lang="ko-KR" altLang="en-US"/>
           </a:p>
@@ -4015,6 +4016,36 @@
 </p:sld>
 </file>
 
+<file path=ppt/slides/slide4.xml><?xml version="1.0" encoding="utf-8"?>
+<p:sld xmlns:a="http://schemas.openxmlformats.org/drawingml/2006/main" xmlns:r="http://schemas.openxmlformats.org/officeDocument/2006/relationships" xmlns:p="http://schemas.openxmlformats.org/presentationml/2006/main">
+  <p:cSld>
+    <p:spTree>
+      <p:nvGrpSpPr>
+        <p:cNvPr id="1" name=""/>
+        <p:cNvGrpSpPr/>
+        <p:nvPr/>
+      </p:nvGrpSpPr>
+      <p:grpSpPr>
+        <a:xfrm>
+          <a:off x="0" y="0"/>
+          <a:ext cx="0" cy="0"/>
+          <a:chOff x="0" y="0"/>
+          <a:chExt cx="0" cy="0"/>
+        </a:xfrm>
+      </p:grpSpPr>
+    </p:spTree>
+    <p:extLst>
+      <p:ext uri="{BB962C8B-B14F-4D97-AF65-F5344CB8AC3E}">
+        <p14:creationId xmlns:p14="http://schemas.microsoft.com/office/powerpoint/2010/main" val="2207320745"/>
+      </p:ext>
+    </p:extLst>
+  </p:cSld>
+  <p:clrMapOvr>
+    <a:masterClrMapping/>
+  </p:clrMapOvr>
+</p:sld>
+</file>
+
 <file path=ppt/theme/theme1.xml><?xml version="1.0" encoding="utf-8"?>
 <a:theme xmlns:a="http://schemas.openxmlformats.org/drawingml/2006/main" name="Office 테마">
   <a:themeElements>

--- a/Spring-Springboot/스프링 프레임워크 학습자료.pptx
+++ b/Spring-Springboot/스프링 프레임워크 학습자료.pptx
@@ -4033,6 +4033,30 @@
           <a:chExt cx="0" cy="0"/>
         </a:xfrm>
       </p:grpSpPr>
+      <p:pic>
+        <p:nvPicPr>
+          <p:cNvPr id="2" name="그림 1"/>
+          <p:cNvPicPr>
+            <a:picLocks noChangeAspect="1"/>
+          </p:cNvPicPr>
+          <p:nvPr/>
+        </p:nvPicPr>
+        <p:blipFill>
+          <a:blip r:embed="rId2"/>
+          <a:stretch>
+            <a:fillRect/>
+          </a:stretch>
+        </p:blipFill>
+        <p:spPr>
+          <a:xfrm>
+            <a:off x="1250280" y="922492"/>
+            <a:ext cx="6744131" cy="3258583"/>
+          </a:xfrm>
+          <a:prstGeom prst="rect">
+            <a:avLst/>
+          </a:prstGeom>
+        </p:spPr>
+      </p:pic>
     </p:spTree>
     <p:extLst>
       <p:ext uri="{BB962C8B-B14F-4D97-AF65-F5344CB8AC3E}">

--- a/Spring-Springboot/스프링 프레임워크 학습자료.pptx
+++ b/Spring-Springboot/스프링 프레임워크 학습자료.pptx
@@ -9,6 +9,11 @@
     <p:sldId id="257" r:id="rId3"/>
     <p:sldId id="258" r:id="rId4"/>
     <p:sldId id="259" r:id="rId5"/>
+    <p:sldId id="260" r:id="rId6"/>
+    <p:sldId id="261" r:id="rId7"/>
+    <p:sldId id="262" r:id="rId8"/>
+    <p:sldId id="264" r:id="rId9"/>
+    <p:sldId id="263" r:id="rId10"/>
   </p:sldIdLst>
   <p:sldSz cx="12192000" cy="6858000"/>
   <p:notesSz cx="6858000" cy="9144000"/>
@@ -4049,7 +4054,7 @@
         </p:blipFill>
         <p:spPr>
           <a:xfrm>
-            <a:off x="1250280" y="922492"/>
+            <a:off x="0" y="0"/>
             <a:ext cx="6744131" cy="3258583"/>
           </a:xfrm>
           <a:prstGeom prst="rect">
@@ -4061,6 +4066,816 @@
     <p:extLst>
       <p:ext uri="{BB962C8B-B14F-4D97-AF65-F5344CB8AC3E}">
         <p14:creationId xmlns:p14="http://schemas.microsoft.com/office/powerpoint/2010/main" val="2207320745"/>
+      </p:ext>
+    </p:extLst>
+  </p:cSld>
+  <p:clrMapOvr>
+    <a:masterClrMapping/>
+  </p:clrMapOvr>
+</p:sld>
+</file>
+
+<file path=ppt/slides/slide5.xml><?xml version="1.0" encoding="utf-8"?>
+<p:sld xmlns:a="http://schemas.openxmlformats.org/drawingml/2006/main" xmlns:r="http://schemas.openxmlformats.org/officeDocument/2006/relationships" xmlns:p="http://schemas.openxmlformats.org/presentationml/2006/main">
+  <p:cSld>
+    <p:spTree>
+      <p:nvGrpSpPr>
+        <p:cNvPr id="1" name=""/>
+        <p:cNvGrpSpPr/>
+        <p:nvPr/>
+      </p:nvGrpSpPr>
+      <p:grpSpPr>
+        <a:xfrm>
+          <a:off x="0" y="0"/>
+          <a:ext cx="0" cy="0"/>
+          <a:chOff x="0" y="0"/>
+          <a:chExt cx="0" cy="0"/>
+        </a:xfrm>
+      </p:grpSpPr>
+      <p:pic>
+        <p:nvPicPr>
+          <p:cNvPr id="4" name="그림 3"/>
+          <p:cNvPicPr>
+            <a:picLocks noChangeAspect="1"/>
+          </p:cNvPicPr>
+          <p:nvPr/>
+        </p:nvPicPr>
+        <p:blipFill>
+          <a:blip r:embed="rId2"/>
+          <a:stretch>
+            <a:fillRect/>
+          </a:stretch>
+        </p:blipFill>
+        <p:spPr>
+          <a:xfrm>
+            <a:off x="1291057" y="825387"/>
+            <a:ext cx="8516024" cy="4779745"/>
+          </a:xfrm>
+          <a:prstGeom prst="rect">
+            <a:avLst/>
+          </a:prstGeom>
+        </p:spPr>
+      </p:pic>
+      <p:sp>
+        <p:nvSpPr>
+          <p:cNvPr id="5" name="직사각형 4"/>
+          <p:cNvSpPr/>
+          <p:nvPr/>
+        </p:nvSpPr>
+        <p:spPr>
+          <a:xfrm>
+            <a:off x="1488935" y="2039193"/>
+            <a:ext cx="663546" cy="218485"/>
+          </a:xfrm>
+          <a:prstGeom prst="rect">
+            <a:avLst/>
+          </a:prstGeom>
+          <a:noFill/>
+          <a:ln w="28575">
+            <a:solidFill>
+              <a:srgbClr val="FF0000"/>
+            </a:solidFill>
+          </a:ln>
+        </p:spPr>
+        <p:style>
+          <a:lnRef idx="2">
+            <a:schemeClr val="accent1">
+              <a:shade val="50000"/>
+            </a:schemeClr>
+          </a:lnRef>
+          <a:fillRef idx="1">
+            <a:schemeClr val="accent1"/>
+          </a:fillRef>
+          <a:effectRef idx="0">
+            <a:schemeClr val="accent1"/>
+          </a:effectRef>
+          <a:fontRef idx="minor">
+            <a:schemeClr val="lt1"/>
+          </a:fontRef>
+        </p:style>
+        <p:txBody>
+          <a:bodyPr rtlCol="0" anchor="ctr"/>
+          <a:lstStyle/>
+          <a:p>
+            <a:pPr algn="ctr"/>
+            <a:endParaRPr lang="ko-KR" altLang="en-US"/>
+          </a:p>
+        </p:txBody>
+      </p:sp>
+      <p:sp>
+        <p:nvSpPr>
+          <p:cNvPr id="6" name="직사각형 5"/>
+          <p:cNvSpPr/>
+          <p:nvPr/>
+        </p:nvSpPr>
+        <p:spPr>
+          <a:xfrm>
+            <a:off x="5007622" y="4303614"/>
+            <a:ext cx="4128286" cy="672988"/>
+          </a:xfrm>
+          <a:prstGeom prst="rect">
+            <a:avLst/>
+          </a:prstGeom>
+          <a:noFill/>
+          <a:ln w="28575">
+            <a:solidFill>
+              <a:srgbClr val="FF0000"/>
+            </a:solidFill>
+          </a:ln>
+        </p:spPr>
+        <p:style>
+          <a:lnRef idx="2">
+            <a:schemeClr val="accent1">
+              <a:shade val="50000"/>
+            </a:schemeClr>
+          </a:lnRef>
+          <a:fillRef idx="1">
+            <a:schemeClr val="accent1"/>
+          </a:fillRef>
+          <a:effectRef idx="0">
+            <a:schemeClr val="accent1"/>
+          </a:effectRef>
+          <a:fontRef idx="minor">
+            <a:schemeClr val="lt1"/>
+          </a:fontRef>
+        </p:style>
+        <p:txBody>
+          <a:bodyPr rtlCol="0" anchor="ctr"/>
+          <a:lstStyle/>
+          <a:p>
+            <a:pPr algn="ctr"/>
+            <a:endParaRPr lang="ko-KR" altLang="en-US"/>
+          </a:p>
+        </p:txBody>
+      </p:sp>
+    </p:spTree>
+    <p:extLst>
+      <p:ext uri="{BB962C8B-B14F-4D97-AF65-F5344CB8AC3E}">
+        <p14:creationId xmlns:p14="http://schemas.microsoft.com/office/powerpoint/2010/main" val="1899838003"/>
+      </p:ext>
+    </p:extLst>
+  </p:cSld>
+  <p:clrMapOvr>
+    <a:masterClrMapping/>
+  </p:clrMapOvr>
+</p:sld>
+</file>
+
+<file path=ppt/slides/slide6.xml><?xml version="1.0" encoding="utf-8"?>
+<p:sld xmlns:a="http://schemas.openxmlformats.org/drawingml/2006/main" xmlns:r="http://schemas.openxmlformats.org/officeDocument/2006/relationships" xmlns:p="http://schemas.openxmlformats.org/presentationml/2006/main">
+  <p:cSld>
+    <p:spTree>
+      <p:nvGrpSpPr>
+        <p:cNvPr id="1" name=""/>
+        <p:cNvGrpSpPr/>
+        <p:nvPr/>
+      </p:nvGrpSpPr>
+      <p:grpSpPr>
+        <a:xfrm>
+          <a:off x="0" y="0"/>
+          <a:ext cx="0" cy="0"/>
+          <a:chOff x="0" y="0"/>
+          <a:chExt cx="0" cy="0"/>
+        </a:xfrm>
+      </p:grpSpPr>
+      <p:pic>
+        <p:nvPicPr>
+          <p:cNvPr id="4" name="그림 3"/>
+          <p:cNvPicPr>
+            <a:picLocks noChangeAspect="1"/>
+          </p:cNvPicPr>
+          <p:nvPr/>
+        </p:nvPicPr>
+        <p:blipFill>
+          <a:blip r:embed="rId2"/>
+          <a:stretch>
+            <a:fillRect/>
+          </a:stretch>
+        </p:blipFill>
+        <p:spPr>
+          <a:xfrm>
+            <a:off x="331772" y="1063168"/>
+            <a:ext cx="2582216" cy="2582216"/>
+          </a:xfrm>
+          <a:prstGeom prst="rect">
+            <a:avLst/>
+          </a:prstGeom>
+        </p:spPr>
+      </p:pic>
+      <p:pic>
+        <p:nvPicPr>
+          <p:cNvPr id="7" name="그림 6"/>
+          <p:cNvPicPr>
+            <a:picLocks noChangeAspect="1"/>
+          </p:cNvPicPr>
+          <p:nvPr/>
+        </p:nvPicPr>
+        <p:blipFill>
+          <a:blip r:embed="rId3"/>
+          <a:stretch>
+            <a:fillRect/>
+          </a:stretch>
+        </p:blipFill>
+        <p:spPr>
+          <a:xfrm>
+            <a:off x="4240227" y="1063168"/>
+            <a:ext cx="7549029" cy="2582216"/>
+          </a:xfrm>
+          <a:prstGeom prst="rect">
+            <a:avLst/>
+          </a:prstGeom>
+        </p:spPr>
+      </p:pic>
+      <p:cxnSp>
+        <p:nvCxnSpPr>
+          <p:cNvPr id="9" name="직선 화살표 연결선 8"/>
+          <p:cNvCxnSpPr/>
+          <p:nvPr/>
+        </p:nvCxnSpPr>
+        <p:spPr>
+          <a:xfrm>
+            <a:off x="3269182" y="2354276"/>
+            <a:ext cx="582627" cy="0"/>
+          </a:xfrm>
+          <a:prstGeom prst="straightConnector1">
+            <a:avLst/>
+          </a:prstGeom>
+          <a:ln>
+            <a:tailEnd type="triangle"/>
+          </a:ln>
+        </p:spPr>
+        <p:style>
+          <a:lnRef idx="1">
+            <a:schemeClr val="accent1"/>
+          </a:lnRef>
+          <a:fillRef idx="0">
+            <a:schemeClr val="accent1"/>
+          </a:fillRef>
+          <a:effectRef idx="0">
+            <a:schemeClr val="accent1"/>
+          </a:effectRef>
+          <a:fontRef idx="minor">
+            <a:schemeClr val="tx1"/>
+          </a:fontRef>
+        </p:style>
+      </p:cxnSp>
+    </p:spTree>
+    <p:extLst>
+      <p:ext uri="{BB962C8B-B14F-4D97-AF65-F5344CB8AC3E}">
+        <p14:creationId xmlns:p14="http://schemas.microsoft.com/office/powerpoint/2010/main" val="3816702731"/>
+      </p:ext>
+    </p:extLst>
+  </p:cSld>
+  <p:clrMapOvr>
+    <a:masterClrMapping/>
+  </p:clrMapOvr>
+</p:sld>
+</file>
+
+<file path=ppt/slides/slide7.xml><?xml version="1.0" encoding="utf-8"?>
+<p:sld xmlns:a="http://schemas.openxmlformats.org/drawingml/2006/main" xmlns:r="http://schemas.openxmlformats.org/officeDocument/2006/relationships" xmlns:p="http://schemas.openxmlformats.org/presentationml/2006/main">
+  <p:cSld>
+    <p:spTree>
+      <p:nvGrpSpPr>
+        <p:cNvPr id="1" name=""/>
+        <p:cNvGrpSpPr/>
+        <p:nvPr/>
+      </p:nvGrpSpPr>
+      <p:grpSpPr>
+        <a:xfrm>
+          <a:off x="0" y="0"/>
+          <a:ext cx="0" cy="0"/>
+          <a:chOff x="0" y="0"/>
+          <a:chExt cx="0" cy="0"/>
+        </a:xfrm>
+      </p:grpSpPr>
+      <p:pic>
+        <p:nvPicPr>
+          <p:cNvPr id="4" name="그림 3"/>
+          <p:cNvPicPr>
+            <a:picLocks noChangeAspect="1"/>
+          </p:cNvPicPr>
+          <p:nvPr/>
+        </p:nvPicPr>
+        <p:blipFill>
+          <a:blip r:embed="rId2"/>
+          <a:stretch>
+            <a:fillRect/>
+          </a:stretch>
+        </p:blipFill>
+        <p:spPr>
+          <a:xfrm>
+            <a:off x="0" y="0"/>
+            <a:ext cx="4058216" cy="2896004"/>
+          </a:xfrm>
+          <a:prstGeom prst="rect">
+            <a:avLst/>
+          </a:prstGeom>
+        </p:spPr>
+      </p:pic>
+      <p:sp>
+        <p:nvSpPr>
+          <p:cNvPr id="5" name="직사각형 4"/>
+          <p:cNvSpPr/>
+          <p:nvPr/>
+        </p:nvSpPr>
+        <p:spPr>
+          <a:xfrm>
+            <a:off x="76230" y="826939"/>
+            <a:ext cx="663546" cy="218485"/>
+          </a:xfrm>
+          <a:prstGeom prst="rect">
+            <a:avLst/>
+          </a:prstGeom>
+          <a:noFill/>
+          <a:ln w="28575">
+            <a:solidFill>
+              <a:srgbClr val="FF0000"/>
+            </a:solidFill>
+          </a:ln>
+        </p:spPr>
+        <p:style>
+          <a:lnRef idx="2">
+            <a:schemeClr val="accent1">
+              <a:shade val="50000"/>
+            </a:schemeClr>
+          </a:lnRef>
+          <a:fillRef idx="1">
+            <a:schemeClr val="accent1"/>
+          </a:fillRef>
+          <a:effectRef idx="0">
+            <a:schemeClr val="accent1"/>
+          </a:effectRef>
+          <a:fontRef idx="minor">
+            <a:schemeClr val="lt1"/>
+          </a:fontRef>
+        </p:style>
+        <p:txBody>
+          <a:bodyPr rtlCol="0" anchor="ctr"/>
+          <a:lstStyle/>
+          <a:p>
+            <a:pPr algn="ctr"/>
+            <a:endParaRPr lang="ko-KR" altLang="en-US"/>
+          </a:p>
+        </p:txBody>
+      </p:sp>
+      <p:sp>
+        <p:nvSpPr>
+          <p:cNvPr id="6" name="직사각형 5"/>
+          <p:cNvSpPr/>
+          <p:nvPr/>
+        </p:nvSpPr>
+        <p:spPr>
+          <a:xfrm>
+            <a:off x="600863" y="1642986"/>
+            <a:ext cx="729632" cy="218485"/>
+          </a:xfrm>
+          <a:prstGeom prst="rect">
+            <a:avLst/>
+          </a:prstGeom>
+          <a:noFill/>
+          <a:ln w="28575">
+            <a:solidFill>
+              <a:srgbClr val="FF0000"/>
+            </a:solidFill>
+          </a:ln>
+        </p:spPr>
+        <p:style>
+          <a:lnRef idx="2">
+            <a:schemeClr val="accent1">
+              <a:shade val="50000"/>
+            </a:schemeClr>
+          </a:lnRef>
+          <a:fillRef idx="1">
+            <a:schemeClr val="accent1"/>
+          </a:fillRef>
+          <a:effectRef idx="0">
+            <a:schemeClr val="accent1"/>
+          </a:effectRef>
+          <a:fontRef idx="minor">
+            <a:schemeClr val="lt1"/>
+          </a:fontRef>
+        </p:style>
+        <p:txBody>
+          <a:bodyPr rtlCol="0" anchor="ctr"/>
+          <a:lstStyle/>
+          <a:p>
+            <a:pPr algn="ctr"/>
+            <a:endParaRPr lang="ko-KR" altLang="en-US"/>
+          </a:p>
+        </p:txBody>
+      </p:sp>
+      <p:sp>
+        <p:nvSpPr>
+          <p:cNvPr id="7" name="직사각형 6"/>
+          <p:cNvSpPr/>
+          <p:nvPr/>
+        </p:nvSpPr>
+        <p:spPr>
+          <a:xfrm>
+            <a:off x="929744" y="2434757"/>
+            <a:ext cx="1175081" cy="218485"/>
+          </a:xfrm>
+          <a:prstGeom prst="rect">
+            <a:avLst/>
+          </a:prstGeom>
+          <a:noFill/>
+          <a:ln w="28575">
+            <a:solidFill>
+              <a:srgbClr val="FF0000"/>
+            </a:solidFill>
+          </a:ln>
+        </p:spPr>
+        <p:style>
+          <a:lnRef idx="2">
+            <a:schemeClr val="accent1">
+              <a:shade val="50000"/>
+            </a:schemeClr>
+          </a:lnRef>
+          <a:fillRef idx="1">
+            <a:schemeClr val="accent1"/>
+          </a:fillRef>
+          <a:effectRef idx="0">
+            <a:schemeClr val="accent1"/>
+          </a:effectRef>
+          <a:fontRef idx="minor">
+            <a:schemeClr val="lt1"/>
+          </a:fontRef>
+        </p:style>
+        <p:txBody>
+          <a:bodyPr rtlCol="0" anchor="ctr"/>
+          <a:lstStyle/>
+          <a:p>
+            <a:pPr algn="ctr"/>
+            <a:endParaRPr lang="ko-KR" altLang="en-US"/>
+          </a:p>
+        </p:txBody>
+      </p:sp>
+      <p:pic>
+        <p:nvPicPr>
+          <p:cNvPr id="8" name="그림 7"/>
+          <p:cNvPicPr>
+            <a:picLocks noChangeAspect="1"/>
+          </p:cNvPicPr>
+          <p:nvPr/>
+        </p:nvPicPr>
+        <p:blipFill>
+          <a:blip r:embed="rId3"/>
+          <a:stretch>
+            <a:fillRect/>
+          </a:stretch>
+        </p:blipFill>
+        <p:spPr>
+          <a:xfrm>
+            <a:off x="145425" y="3504457"/>
+            <a:ext cx="11755491" cy="1876687"/>
+          </a:xfrm>
+          <a:prstGeom prst="rect">
+            <a:avLst/>
+          </a:prstGeom>
+        </p:spPr>
+      </p:pic>
+      <p:cxnSp>
+        <p:nvCxnSpPr>
+          <p:cNvPr id="10" name="직선 연결선 9"/>
+          <p:cNvCxnSpPr/>
+          <p:nvPr/>
+        </p:nvCxnSpPr>
+        <p:spPr>
+          <a:xfrm>
+            <a:off x="3406747" y="4021742"/>
+            <a:ext cx="1092425" cy="0"/>
+          </a:xfrm>
+          <a:prstGeom prst="line">
+            <a:avLst/>
+          </a:prstGeom>
+          <a:ln w="28575">
+            <a:solidFill>
+              <a:srgbClr val="FF0000"/>
+            </a:solidFill>
+          </a:ln>
+        </p:spPr>
+        <p:style>
+          <a:lnRef idx="1">
+            <a:schemeClr val="accent1"/>
+          </a:lnRef>
+          <a:fillRef idx="0">
+            <a:schemeClr val="accent1"/>
+          </a:fillRef>
+          <a:effectRef idx="0">
+            <a:schemeClr val="accent1"/>
+          </a:effectRef>
+          <a:fontRef idx="minor">
+            <a:schemeClr val="tx1"/>
+          </a:fontRef>
+        </p:style>
+      </p:cxnSp>
+      <p:cxnSp>
+        <p:nvCxnSpPr>
+          <p:cNvPr id="11" name="직선 연결선 10"/>
+          <p:cNvCxnSpPr/>
+          <p:nvPr/>
+        </p:nvCxnSpPr>
+        <p:spPr>
+          <a:xfrm>
+            <a:off x="4594927" y="4013650"/>
+            <a:ext cx="503055" cy="0"/>
+          </a:xfrm>
+          <a:prstGeom prst="line">
+            <a:avLst/>
+          </a:prstGeom>
+          <a:ln w="28575">
+            <a:solidFill>
+              <a:srgbClr val="FF0000"/>
+            </a:solidFill>
+          </a:ln>
+        </p:spPr>
+        <p:style>
+          <a:lnRef idx="1">
+            <a:schemeClr val="accent1"/>
+          </a:lnRef>
+          <a:fillRef idx="0">
+            <a:schemeClr val="accent1"/>
+          </a:fillRef>
+          <a:effectRef idx="0">
+            <a:schemeClr val="accent1"/>
+          </a:effectRef>
+          <a:fontRef idx="minor">
+            <a:schemeClr val="tx1"/>
+          </a:fontRef>
+        </p:style>
+      </p:cxnSp>
+      <p:cxnSp>
+        <p:nvCxnSpPr>
+          <p:cNvPr id="13" name="직선 연결선 12"/>
+          <p:cNvCxnSpPr/>
+          <p:nvPr/>
+        </p:nvCxnSpPr>
+        <p:spPr>
+          <a:xfrm flipV="1">
+            <a:off x="2780962" y="4442800"/>
+            <a:ext cx="391116" cy="6744"/>
+          </a:xfrm>
+          <a:prstGeom prst="line">
+            <a:avLst/>
+          </a:prstGeom>
+          <a:ln w="28575">
+            <a:solidFill>
+              <a:srgbClr val="FF0000"/>
+            </a:solidFill>
+          </a:ln>
+        </p:spPr>
+        <p:style>
+          <a:lnRef idx="1">
+            <a:schemeClr val="accent1"/>
+          </a:lnRef>
+          <a:fillRef idx="0">
+            <a:schemeClr val="accent1"/>
+          </a:fillRef>
+          <a:effectRef idx="0">
+            <a:schemeClr val="accent1"/>
+          </a:effectRef>
+          <a:fontRef idx="minor">
+            <a:schemeClr val="tx1"/>
+          </a:fontRef>
+        </p:style>
+      </p:cxnSp>
+      <p:cxnSp>
+        <p:nvCxnSpPr>
+          <p:cNvPr id="15" name="직선 연결선 14"/>
+          <p:cNvCxnSpPr/>
+          <p:nvPr/>
+        </p:nvCxnSpPr>
+        <p:spPr>
+          <a:xfrm flipV="1">
+            <a:off x="2813330" y="4911972"/>
+            <a:ext cx="391116" cy="6744"/>
+          </a:xfrm>
+          <a:prstGeom prst="line">
+            <a:avLst/>
+          </a:prstGeom>
+          <a:ln w="28575">
+            <a:solidFill>
+              <a:srgbClr val="FF0000"/>
+            </a:solidFill>
+          </a:ln>
+        </p:spPr>
+        <p:style>
+          <a:lnRef idx="1">
+            <a:schemeClr val="accent1"/>
+          </a:lnRef>
+          <a:fillRef idx="0">
+            <a:schemeClr val="accent1"/>
+          </a:fillRef>
+          <a:effectRef idx="0">
+            <a:schemeClr val="accent1"/>
+          </a:effectRef>
+          <a:fontRef idx="minor">
+            <a:schemeClr val="tx1"/>
+          </a:fontRef>
+        </p:style>
+      </p:cxnSp>
+    </p:spTree>
+    <p:extLst>
+      <p:ext uri="{BB962C8B-B14F-4D97-AF65-F5344CB8AC3E}">
+        <p14:creationId xmlns:p14="http://schemas.microsoft.com/office/powerpoint/2010/main" val="2675230318"/>
+      </p:ext>
+    </p:extLst>
+  </p:cSld>
+  <p:clrMapOvr>
+    <a:masterClrMapping/>
+  </p:clrMapOvr>
+</p:sld>
+</file>
+
+<file path=ppt/slides/slide8.xml><?xml version="1.0" encoding="utf-8"?>
+<p:sld xmlns:a="http://schemas.openxmlformats.org/drawingml/2006/main" xmlns:r="http://schemas.openxmlformats.org/officeDocument/2006/relationships" xmlns:p="http://schemas.openxmlformats.org/presentationml/2006/main">
+  <p:cSld>
+    <p:spTree>
+      <p:nvGrpSpPr>
+        <p:cNvPr id="1" name=""/>
+        <p:cNvGrpSpPr/>
+        <p:nvPr/>
+      </p:nvGrpSpPr>
+      <p:grpSpPr>
+        <a:xfrm>
+          <a:off x="0" y="0"/>
+          <a:ext cx="0" cy="0"/>
+          <a:chOff x="0" y="0"/>
+          <a:chExt cx="0" cy="0"/>
+        </a:xfrm>
+      </p:grpSpPr>
+      <p:pic>
+        <p:nvPicPr>
+          <p:cNvPr id="4" name="그림 3"/>
+          <p:cNvPicPr>
+            <a:picLocks noChangeAspect="1"/>
+          </p:cNvPicPr>
+          <p:nvPr/>
+        </p:nvPicPr>
+        <p:blipFill>
+          <a:blip r:embed="rId2"/>
+          <a:stretch>
+            <a:fillRect/>
+          </a:stretch>
+        </p:blipFill>
+        <p:spPr>
+          <a:xfrm>
+            <a:off x="1464659" y="1273139"/>
+            <a:ext cx="8472361" cy="4310737"/>
+          </a:xfrm>
+          <a:prstGeom prst="rect">
+            <a:avLst/>
+          </a:prstGeom>
+          <a:ln w="19050">
+            <a:solidFill>
+              <a:schemeClr val="tx1"/>
+            </a:solidFill>
+          </a:ln>
+        </p:spPr>
+      </p:pic>
+      <p:cxnSp>
+        <p:nvCxnSpPr>
+          <p:cNvPr id="5" name="직선 연결선 4"/>
+          <p:cNvCxnSpPr/>
+          <p:nvPr/>
+        </p:nvCxnSpPr>
+        <p:spPr>
+          <a:xfrm flipV="1">
+            <a:off x="8812227" y="4590966"/>
+            <a:ext cx="814676" cy="5310"/>
+          </a:xfrm>
+          <a:prstGeom prst="line">
+            <a:avLst/>
+          </a:prstGeom>
+          <a:ln w="19050">
+            <a:solidFill>
+              <a:srgbClr val="FF0000"/>
+            </a:solidFill>
+          </a:ln>
+        </p:spPr>
+        <p:style>
+          <a:lnRef idx="1">
+            <a:schemeClr val="accent1"/>
+          </a:lnRef>
+          <a:fillRef idx="0">
+            <a:schemeClr val="accent1"/>
+          </a:fillRef>
+          <a:effectRef idx="0">
+            <a:schemeClr val="accent1"/>
+          </a:effectRef>
+          <a:fontRef idx="minor">
+            <a:schemeClr val="tx1"/>
+          </a:fontRef>
+        </p:style>
+      </p:cxnSp>
+      <p:cxnSp>
+        <p:nvCxnSpPr>
+          <p:cNvPr id="9" name="직선 연결선 8"/>
+          <p:cNvCxnSpPr/>
+          <p:nvPr/>
+        </p:nvCxnSpPr>
+        <p:spPr>
+          <a:xfrm>
+            <a:off x="7169544" y="5130351"/>
+            <a:ext cx="2187444" cy="0"/>
+          </a:xfrm>
+          <a:prstGeom prst="line">
+            <a:avLst/>
+          </a:prstGeom>
+          <a:ln w="19050">
+            <a:solidFill>
+              <a:srgbClr val="FF0000"/>
+            </a:solidFill>
+          </a:ln>
+        </p:spPr>
+        <p:style>
+          <a:lnRef idx="1">
+            <a:schemeClr val="accent1"/>
+          </a:lnRef>
+          <a:fillRef idx="0">
+            <a:schemeClr val="accent1"/>
+          </a:fillRef>
+          <a:effectRef idx="0">
+            <a:schemeClr val="accent1"/>
+          </a:effectRef>
+          <a:fontRef idx="minor">
+            <a:schemeClr val="tx1"/>
+          </a:fontRef>
+        </p:style>
+      </p:cxnSp>
+    </p:spTree>
+    <p:extLst>
+      <p:ext uri="{BB962C8B-B14F-4D97-AF65-F5344CB8AC3E}">
+        <p14:creationId xmlns:p14="http://schemas.microsoft.com/office/powerpoint/2010/main" val="3861468571"/>
+      </p:ext>
+    </p:extLst>
+  </p:cSld>
+  <p:clrMapOvr>
+    <a:masterClrMapping/>
+  </p:clrMapOvr>
+</p:sld>
+</file>
+
+<file path=ppt/slides/slide9.xml><?xml version="1.0" encoding="utf-8"?>
+<p:sld xmlns:a="http://schemas.openxmlformats.org/drawingml/2006/main" xmlns:r="http://schemas.openxmlformats.org/officeDocument/2006/relationships" xmlns:p="http://schemas.openxmlformats.org/presentationml/2006/main">
+  <p:cSld>
+    <p:spTree>
+      <p:nvGrpSpPr>
+        <p:cNvPr id="1" name=""/>
+        <p:cNvGrpSpPr/>
+        <p:nvPr/>
+      </p:nvGrpSpPr>
+      <p:grpSpPr>
+        <a:xfrm>
+          <a:off x="0" y="0"/>
+          <a:ext cx="0" cy="0"/>
+          <a:chOff x="0" y="0"/>
+          <a:chExt cx="0" cy="0"/>
+        </a:xfrm>
+      </p:grpSpPr>
+      <p:sp>
+        <p:nvSpPr>
+          <p:cNvPr id="2" name="제목 1"/>
+          <p:cNvSpPr>
+            <a:spLocks noGrp="1"/>
+          </p:cNvSpPr>
+          <p:nvPr>
+            <p:ph type="title"/>
+          </p:nvPr>
+        </p:nvSpPr>
+        <p:spPr/>
+        <p:txBody>
+          <a:bodyPr/>
+          <a:lstStyle/>
+          <a:p>
+            <a:endParaRPr lang="ko-KR" altLang="en-US"/>
+          </a:p>
+        </p:txBody>
+      </p:sp>
+      <p:sp>
+        <p:nvSpPr>
+          <p:cNvPr id="3" name="내용 개체 틀 2"/>
+          <p:cNvSpPr>
+            <a:spLocks noGrp="1"/>
+          </p:cNvSpPr>
+          <p:nvPr>
+            <p:ph idx="1"/>
+          </p:nvPr>
+        </p:nvSpPr>
+        <p:spPr/>
+        <p:txBody>
+          <a:bodyPr/>
+          <a:lstStyle/>
+          <a:p>
+            <a:endParaRPr lang="ko-KR" altLang="en-US"/>
+          </a:p>
+        </p:txBody>
+      </p:sp>
+    </p:spTree>
+    <p:extLst>
+      <p:ext uri="{BB962C8B-B14F-4D97-AF65-F5344CB8AC3E}">
+        <p14:creationId xmlns:p14="http://schemas.microsoft.com/office/powerpoint/2010/main" val="3220909831"/>
       </p:ext>
     </p:extLst>
   </p:cSld>

--- a/Spring-Springboot/스프링 프레임워크 학습자료.pptx
+++ b/Spring-Springboot/스프링 프레임워크 학습자료.pptx
@@ -4062,6 +4062,30 @@
           </a:prstGeom>
         </p:spPr>
       </p:pic>
+      <p:pic>
+        <p:nvPicPr>
+          <p:cNvPr id="3" name="그림 2"/>
+          <p:cNvPicPr>
+            <a:picLocks noChangeAspect="1"/>
+          </p:cNvPicPr>
+          <p:nvPr/>
+        </p:nvPicPr>
+        <p:blipFill>
+          <a:blip r:embed="rId3"/>
+          <a:stretch>
+            <a:fillRect/>
+          </a:stretch>
+        </p:blipFill>
+        <p:spPr>
+          <a:xfrm>
+            <a:off x="3965096" y="2296603"/>
+            <a:ext cx="6026145" cy="3301477"/>
+          </a:xfrm>
+          <a:prstGeom prst="rect">
+            <a:avLst/>
+          </a:prstGeom>
+        </p:spPr>
+      </p:pic>
     </p:spTree>
     <p:extLst>
       <p:ext uri="{BB962C8B-B14F-4D97-AF65-F5344CB8AC3E}">
@@ -4868,7 +4892,7 @@
           <a:bodyPr/>
           <a:lstStyle/>
           <a:p>
-            <a:endParaRPr lang="ko-KR" altLang="en-US"/>
+            <a:endParaRPr lang="ko-KR" altLang="en-US" dirty="0"/>
           </a:p>
         </p:txBody>
       </p:sp>

--- a/Spring-Springboot/스프링 프레임워크 학습자료.pptx
+++ b/Spring-Springboot/스프링 프레임워크 학습자료.pptx
@@ -14,6 +14,7 @@
     <p:sldId id="262" r:id="rId8"/>
     <p:sldId id="264" r:id="rId9"/>
     <p:sldId id="263" r:id="rId10"/>
+    <p:sldId id="265" r:id="rId11"/>
   </p:sldIdLst>
   <p:sldSz cx="12192000" cy="6858000"/>
   <p:notesSz cx="6858000" cy="9144000"/>
@@ -3060,6 +3061,200 @@
 </p:sld>
 </file>
 
+<file path=ppt/slides/slide10.xml><?xml version="1.0" encoding="utf-8"?>
+<p:sld xmlns:a="http://schemas.openxmlformats.org/drawingml/2006/main" xmlns:r="http://schemas.openxmlformats.org/officeDocument/2006/relationships" xmlns:p="http://schemas.openxmlformats.org/presentationml/2006/main">
+  <p:cSld>
+    <p:spTree>
+      <p:nvGrpSpPr>
+        <p:cNvPr id="1" name=""/>
+        <p:cNvGrpSpPr/>
+        <p:nvPr/>
+      </p:nvGrpSpPr>
+      <p:grpSpPr>
+        <a:xfrm>
+          <a:off x="0" y="0"/>
+          <a:ext cx="0" cy="0"/>
+          <a:chOff x="0" y="0"/>
+          <a:chExt cx="0" cy="0"/>
+        </a:xfrm>
+      </p:grpSpPr>
+      <p:pic>
+        <p:nvPicPr>
+          <p:cNvPr id="6" name="그림 5"/>
+          <p:cNvPicPr>
+            <a:picLocks noChangeAspect="1"/>
+          </p:cNvPicPr>
+          <p:nvPr/>
+        </p:nvPicPr>
+        <p:blipFill>
+          <a:blip r:embed="rId2"/>
+          <a:stretch>
+            <a:fillRect/>
+          </a:stretch>
+        </p:blipFill>
+        <p:spPr>
+          <a:xfrm>
+            <a:off x="153099" y="138863"/>
+            <a:ext cx="3062757" cy="2119428"/>
+          </a:xfrm>
+          <a:prstGeom prst="rect">
+            <a:avLst/>
+          </a:prstGeom>
+        </p:spPr>
+      </p:pic>
+      <p:pic>
+        <p:nvPicPr>
+          <p:cNvPr id="7" name="그림 6"/>
+          <p:cNvPicPr>
+            <a:picLocks noChangeAspect="1"/>
+          </p:cNvPicPr>
+          <p:nvPr/>
+        </p:nvPicPr>
+        <p:blipFill>
+          <a:blip r:embed="rId3"/>
+          <a:stretch>
+            <a:fillRect/>
+          </a:stretch>
+        </p:blipFill>
+        <p:spPr>
+          <a:xfrm>
+            <a:off x="4170218" y="138863"/>
+            <a:ext cx="2601958" cy="2119428"/>
+          </a:xfrm>
+          <a:prstGeom prst="rect">
+            <a:avLst/>
+          </a:prstGeom>
+        </p:spPr>
+      </p:pic>
+      <p:pic>
+        <p:nvPicPr>
+          <p:cNvPr id="8" name="그림 7"/>
+          <p:cNvPicPr>
+            <a:picLocks noChangeAspect="1"/>
+          </p:cNvPicPr>
+          <p:nvPr/>
+        </p:nvPicPr>
+        <p:blipFill>
+          <a:blip r:embed="rId4"/>
+          <a:stretch>
+            <a:fillRect/>
+          </a:stretch>
+        </p:blipFill>
+        <p:spPr>
+          <a:xfrm>
+            <a:off x="625183" y="2724338"/>
+            <a:ext cx="6258798" cy="3515216"/>
+          </a:xfrm>
+          <a:prstGeom prst="rect">
+            <a:avLst/>
+          </a:prstGeom>
+        </p:spPr>
+      </p:pic>
+      <p:sp>
+        <p:nvSpPr>
+          <p:cNvPr id="9" name="직사각형 8"/>
+          <p:cNvSpPr/>
+          <p:nvPr/>
+        </p:nvSpPr>
+        <p:spPr>
+          <a:xfrm>
+            <a:off x="936912" y="5128755"/>
+            <a:ext cx="548385" cy="218485"/>
+          </a:xfrm>
+          <a:prstGeom prst="rect">
+            <a:avLst/>
+          </a:prstGeom>
+          <a:noFill/>
+          <a:ln w="28575">
+            <a:solidFill>
+              <a:srgbClr val="FF0000"/>
+            </a:solidFill>
+          </a:ln>
+        </p:spPr>
+        <p:style>
+          <a:lnRef idx="2">
+            <a:schemeClr val="accent1">
+              <a:shade val="50000"/>
+            </a:schemeClr>
+          </a:lnRef>
+          <a:fillRef idx="1">
+            <a:schemeClr val="accent1"/>
+          </a:fillRef>
+          <a:effectRef idx="0">
+            <a:schemeClr val="accent1"/>
+          </a:effectRef>
+          <a:fontRef idx="minor">
+            <a:schemeClr val="lt1"/>
+          </a:fontRef>
+        </p:style>
+        <p:txBody>
+          <a:bodyPr rtlCol="0" anchor="ctr"/>
+          <a:lstStyle/>
+          <a:p>
+            <a:pPr algn="ctr"/>
+            <a:endParaRPr lang="ko-KR" altLang="en-US"/>
+          </a:p>
+        </p:txBody>
+      </p:sp>
+      <p:sp>
+        <p:nvSpPr>
+          <p:cNvPr id="10" name="직사각형 9"/>
+          <p:cNvSpPr/>
+          <p:nvPr/>
+        </p:nvSpPr>
+        <p:spPr>
+          <a:xfrm>
+            <a:off x="1107671" y="5669090"/>
+            <a:ext cx="1564607" cy="218485"/>
+          </a:xfrm>
+          <a:prstGeom prst="rect">
+            <a:avLst/>
+          </a:prstGeom>
+          <a:noFill/>
+          <a:ln w="28575">
+            <a:solidFill>
+              <a:srgbClr val="FF0000"/>
+            </a:solidFill>
+          </a:ln>
+        </p:spPr>
+        <p:style>
+          <a:lnRef idx="2">
+            <a:schemeClr val="accent1">
+              <a:shade val="50000"/>
+            </a:schemeClr>
+          </a:lnRef>
+          <a:fillRef idx="1">
+            <a:schemeClr val="accent1"/>
+          </a:fillRef>
+          <a:effectRef idx="0">
+            <a:schemeClr val="accent1"/>
+          </a:effectRef>
+          <a:fontRef idx="minor">
+            <a:schemeClr val="lt1"/>
+          </a:fontRef>
+        </p:style>
+        <p:txBody>
+          <a:bodyPr rtlCol="0" anchor="ctr"/>
+          <a:lstStyle/>
+          <a:p>
+            <a:pPr algn="ctr"/>
+            <a:endParaRPr lang="ko-KR" altLang="en-US"/>
+          </a:p>
+        </p:txBody>
+      </p:sp>
+    </p:spTree>
+    <p:extLst>
+      <p:ext uri="{BB962C8B-B14F-4D97-AF65-F5344CB8AC3E}">
+        <p14:creationId xmlns:p14="http://schemas.microsoft.com/office/powerpoint/2010/main" val="3200653588"/>
+      </p:ext>
+    </p:extLst>
+  </p:cSld>
+  <p:clrMapOvr>
+    <a:masterClrMapping/>
+  </p:clrMapOvr>
+</p:sld>
+</file>
+
 <file path=ppt/slides/slide2.xml><?xml version="1.0" encoding="utf-8"?>
 <p:sld xmlns:a="http://schemas.openxmlformats.org/drawingml/2006/main" xmlns:r="http://schemas.openxmlformats.org/officeDocument/2006/relationships" xmlns:p="http://schemas.openxmlformats.org/presentationml/2006/main">
   <p:cSld>
@@ -4858,41 +5053,189 @@
           <a:chExt cx="0" cy="0"/>
         </a:xfrm>
       </p:grpSpPr>
-      <p:sp>
-        <p:nvSpPr>
-          <p:cNvPr id="2" name="제목 1"/>
-          <p:cNvSpPr>
-            <a:spLocks noGrp="1"/>
-          </p:cNvSpPr>
-          <p:nvPr>
-            <p:ph type="title"/>
-          </p:nvPr>
-        </p:nvSpPr>
-        <p:spPr/>
-        <p:txBody>
-          <a:bodyPr/>
-          <a:lstStyle/>
-          <a:p>
-            <a:endParaRPr lang="ko-KR" altLang="en-US"/>
-          </a:p>
-        </p:txBody>
-      </p:sp>
-      <p:sp>
-        <p:nvSpPr>
-          <p:cNvPr id="3" name="내용 개체 틀 2"/>
-          <p:cNvSpPr>
-            <a:spLocks noGrp="1"/>
-          </p:cNvSpPr>
-          <p:nvPr>
-            <p:ph idx="1"/>
-          </p:nvPr>
-        </p:nvSpPr>
-        <p:spPr/>
-        <p:txBody>
-          <a:bodyPr/>
-          <a:lstStyle/>
-          <a:p>
-            <a:endParaRPr lang="ko-KR" altLang="en-US" dirty="0"/>
+      <p:pic>
+        <p:nvPicPr>
+          <p:cNvPr id="4" name="그림 3"/>
+          <p:cNvPicPr>
+            <a:picLocks noChangeAspect="1"/>
+          </p:cNvPicPr>
+          <p:nvPr/>
+        </p:nvPicPr>
+        <p:blipFill>
+          <a:blip r:embed="rId2"/>
+          <a:stretch>
+            <a:fillRect/>
+          </a:stretch>
+        </p:blipFill>
+        <p:spPr>
+          <a:xfrm>
+            <a:off x="217353" y="548824"/>
+            <a:ext cx="6049219" cy="2324424"/>
+          </a:xfrm>
+          <a:prstGeom prst="rect">
+            <a:avLst/>
+          </a:prstGeom>
+        </p:spPr>
+      </p:pic>
+      <p:pic>
+        <p:nvPicPr>
+          <p:cNvPr id="5" name="그림 4"/>
+          <p:cNvPicPr>
+            <a:picLocks noChangeAspect="1"/>
+          </p:cNvPicPr>
+          <p:nvPr/>
+        </p:nvPicPr>
+        <p:blipFill>
+          <a:blip r:embed="rId3"/>
+          <a:stretch>
+            <a:fillRect/>
+          </a:stretch>
+        </p:blipFill>
+        <p:spPr>
+          <a:xfrm>
+            <a:off x="217353" y="3037942"/>
+            <a:ext cx="8068801" cy="3820058"/>
+          </a:xfrm>
+          <a:prstGeom prst="rect">
+            <a:avLst/>
+          </a:prstGeom>
+        </p:spPr>
+      </p:pic>
+      <p:sp>
+        <p:nvSpPr>
+          <p:cNvPr id="6" name="직사각형 5"/>
+          <p:cNvSpPr/>
+          <p:nvPr/>
+        </p:nvSpPr>
+        <p:spPr>
+          <a:xfrm>
+            <a:off x="549275" y="5225738"/>
+            <a:ext cx="603224" cy="218485"/>
+          </a:xfrm>
+          <a:prstGeom prst="rect">
+            <a:avLst/>
+          </a:prstGeom>
+          <a:noFill/>
+          <a:ln w="28575">
+            <a:solidFill>
+              <a:srgbClr val="FF0000"/>
+            </a:solidFill>
+          </a:ln>
+        </p:spPr>
+        <p:style>
+          <a:lnRef idx="2">
+            <a:schemeClr val="accent1">
+              <a:shade val="50000"/>
+            </a:schemeClr>
+          </a:lnRef>
+          <a:fillRef idx="1">
+            <a:schemeClr val="accent1"/>
+          </a:fillRef>
+          <a:effectRef idx="0">
+            <a:schemeClr val="accent1"/>
+          </a:effectRef>
+          <a:fontRef idx="minor">
+            <a:schemeClr val="lt1"/>
+          </a:fontRef>
+        </p:style>
+        <p:txBody>
+          <a:bodyPr rtlCol="0" anchor="ctr"/>
+          <a:lstStyle/>
+          <a:p>
+            <a:pPr algn="ctr"/>
+            <a:endParaRPr lang="ko-KR" altLang="en-US"/>
+          </a:p>
+        </p:txBody>
+      </p:sp>
+      <p:sp>
+        <p:nvSpPr>
+          <p:cNvPr id="7" name="직사각형 6"/>
+          <p:cNvSpPr/>
+          <p:nvPr/>
+        </p:nvSpPr>
+        <p:spPr>
+          <a:xfrm>
+            <a:off x="880357" y="6288617"/>
+            <a:ext cx="883180" cy="198623"/>
+          </a:xfrm>
+          <a:prstGeom prst="rect">
+            <a:avLst/>
+          </a:prstGeom>
+          <a:noFill/>
+          <a:ln w="28575">
+            <a:solidFill>
+              <a:srgbClr val="FF0000"/>
+            </a:solidFill>
+          </a:ln>
+        </p:spPr>
+        <p:style>
+          <a:lnRef idx="2">
+            <a:schemeClr val="accent1">
+              <a:shade val="50000"/>
+            </a:schemeClr>
+          </a:lnRef>
+          <a:fillRef idx="1">
+            <a:schemeClr val="accent1"/>
+          </a:fillRef>
+          <a:effectRef idx="0">
+            <a:schemeClr val="accent1"/>
+          </a:effectRef>
+          <a:fontRef idx="minor">
+            <a:schemeClr val="lt1"/>
+          </a:fontRef>
+        </p:style>
+        <p:txBody>
+          <a:bodyPr rtlCol="0" anchor="ctr"/>
+          <a:lstStyle/>
+          <a:p>
+            <a:pPr algn="ctr"/>
+            <a:endParaRPr lang="ko-KR" altLang="en-US"/>
+          </a:p>
+        </p:txBody>
+      </p:sp>
+      <p:sp>
+        <p:nvSpPr>
+          <p:cNvPr id="8" name="직사각형 7"/>
+          <p:cNvSpPr/>
+          <p:nvPr/>
+        </p:nvSpPr>
+        <p:spPr>
+          <a:xfrm>
+            <a:off x="1095674" y="6579565"/>
+            <a:ext cx="1422370" cy="198623"/>
+          </a:xfrm>
+          <a:prstGeom prst="rect">
+            <a:avLst/>
+          </a:prstGeom>
+          <a:noFill/>
+          <a:ln w="28575">
+            <a:solidFill>
+              <a:srgbClr val="FF0000"/>
+            </a:solidFill>
+          </a:ln>
+        </p:spPr>
+        <p:style>
+          <a:lnRef idx="2">
+            <a:schemeClr val="accent1">
+              <a:shade val="50000"/>
+            </a:schemeClr>
+          </a:lnRef>
+          <a:fillRef idx="1">
+            <a:schemeClr val="accent1"/>
+          </a:fillRef>
+          <a:effectRef idx="0">
+            <a:schemeClr val="accent1"/>
+          </a:effectRef>
+          <a:fontRef idx="minor">
+            <a:schemeClr val="lt1"/>
+          </a:fontRef>
+        </p:style>
+        <p:txBody>
+          <a:bodyPr rtlCol="0" anchor="ctr"/>
+          <a:lstStyle/>
+          <a:p>
+            <a:pPr algn="ctr"/>
+            <a:endParaRPr lang="ko-KR" altLang="en-US"/>
           </a:p>
         </p:txBody>
       </p:sp>

--- a/Spring-Springboot/스프링 프레임워크 학습자료.pptx
+++ b/Spring-Springboot/스프링 프레임워크 학습자료.pptx
@@ -14,7 +14,10 @@
     <p:sldId id="262" r:id="rId8"/>
     <p:sldId id="264" r:id="rId9"/>
     <p:sldId id="263" r:id="rId10"/>
-    <p:sldId id="265" r:id="rId11"/>
+    <p:sldId id="266" r:id="rId11"/>
+    <p:sldId id="265" r:id="rId12"/>
+    <p:sldId id="267" r:id="rId13"/>
+    <p:sldId id="268" r:id="rId14"/>
   </p:sldIdLst>
   <p:sldSz cx="12192000" cy="6858000"/>
   <p:notesSz cx="6858000" cy="9144000"/>
@@ -3080,7 +3083,7 @@
       </p:grpSpPr>
       <p:pic>
         <p:nvPicPr>
-          <p:cNvPr id="6" name="그림 5"/>
+          <p:cNvPr id="4" name="그림 3"/>
           <p:cNvPicPr>
             <a:picLocks noChangeAspect="1"/>
           </p:cNvPicPr>
@@ -3094,6 +3097,244 @@
         </p:blipFill>
         <p:spPr>
           <a:xfrm>
+            <a:off x="0" y="695771"/>
+            <a:ext cx="12192000" cy="5466458"/>
+          </a:xfrm>
+          <a:prstGeom prst="rect">
+            <a:avLst/>
+          </a:prstGeom>
+        </p:spPr>
+      </p:pic>
+      <p:sp>
+        <p:nvSpPr>
+          <p:cNvPr id="5" name="직사각형 4"/>
+          <p:cNvSpPr/>
+          <p:nvPr/>
+        </p:nvSpPr>
+        <p:spPr>
+          <a:xfrm>
+            <a:off x="119495" y="1152507"/>
+            <a:ext cx="548385" cy="218485"/>
+          </a:xfrm>
+          <a:prstGeom prst="rect">
+            <a:avLst/>
+          </a:prstGeom>
+          <a:noFill/>
+          <a:ln w="28575">
+            <a:solidFill>
+              <a:srgbClr val="FF0000"/>
+            </a:solidFill>
+          </a:ln>
+        </p:spPr>
+        <p:style>
+          <a:lnRef idx="2">
+            <a:schemeClr val="accent1">
+              <a:shade val="50000"/>
+            </a:schemeClr>
+          </a:lnRef>
+          <a:fillRef idx="1">
+            <a:schemeClr val="accent1"/>
+          </a:fillRef>
+          <a:effectRef idx="0">
+            <a:schemeClr val="accent1"/>
+          </a:effectRef>
+          <a:fontRef idx="minor">
+            <a:schemeClr val="lt1"/>
+          </a:fontRef>
+        </p:style>
+        <p:txBody>
+          <a:bodyPr rtlCol="0" anchor="ctr"/>
+          <a:lstStyle/>
+          <a:p>
+            <a:pPr algn="ctr"/>
+            <a:endParaRPr lang="ko-KR" altLang="en-US"/>
+          </a:p>
+        </p:txBody>
+      </p:sp>
+      <p:sp>
+        <p:nvSpPr>
+          <p:cNvPr id="6" name="직사각형 5"/>
+          <p:cNvSpPr/>
+          <p:nvPr/>
+        </p:nvSpPr>
+        <p:spPr>
+          <a:xfrm>
+            <a:off x="1151088" y="1166360"/>
+            <a:ext cx="1422370" cy="218485"/>
+          </a:xfrm>
+          <a:prstGeom prst="rect">
+            <a:avLst/>
+          </a:prstGeom>
+          <a:noFill/>
+          <a:ln w="28575">
+            <a:solidFill>
+              <a:srgbClr val="FF0000"/>
+            </a:solidFill>
+          </a:ln>
+        </p:spPr>
+        <p:style>
+          <a:lnRef idx="2">
+            <a:schemeClr val="accent1">
+              <a:shade val="50000"/>
+            </a:schemeClr>
+          </a:lnRef>
+          <a:fillRef idx="1">
+            <a:schemeClr val="accent1"/>
+          </a:fillRef>
+          <a:effectRef idx="0">
+            <a:schemeClr val="accent1"/>
+          </a:effectRef>
+          <a:fontRef idx="minor">
+            <a:schemeClr val="lt1"/>
+          </a:fontRef>
+        </p:style>
+        <p:txBody>
+          <a:bodyPr rtlCol="0" anchor="ctr"/>
+          <a:lstStyle/>
+          <a:p>
+            <a:pPr algn="ctr"/>
+            <a:endParaRPr lang="ko-KR" altLang="en-US"/>
+          </a:p>
+        </p:txBody>
+      </p:sp>
+      <p:sp>
+        <p:nvSpPr>
+          <p:cNvPr id="7" name="직사각형 6"/>
+          <p:cNvSpPr/>
+          <p:nvPr/>
+        </p:nvSpPr>
+        <p:spPr>
+          <a:xfrm>
+            <a:off x="5252021" y="1930293"/>
+            <a:ext cx="1422370" cy="685699"/>
+          </a:xfrm>
+          <a:prstGeom prst="rect">
+            <a:avLst/>
+          </a:prstGeom>
+          <a:noFill/>
+          <a:ln w="28575">
+            <a:solidFill>
+              <a:srgbClr val="FF0000"/>
+            </a:solidFill>
+          </a:ln>
+        </p:spPr>
+        <p:style>
+          <a:lnRef idx="2">
+            <a:schemeClr val="accent1">
+              <a:shade val="50000"/>
+            </a:schemeClr>
+          </a:lnRef>
+          <a:fillRef idx="1">
+            <a:schemeClr val="accent1"/>
+          </a:fillRef>
+          <a:effectRef idx="0">
+            <a:schemeClr val="accent1"/>
+          </a:effectRef>
+          <a:fontRef idx="minor">
+            <a:schemeClr val="lt1"/>
+          </a:fontRef>
+        </p:style>
+        <p:txBody>
+          <a:bodyPr rtlCol="0" anchor="ctr"/>
+          <a:lstStyle/>
+          <a:p>
+            <a:pPr algn="ctr"/>
+            <a:endParaRPr lang="ko-KR" altLang="en-US"/>
+          </a:p>
+        </p:txBody>
+      </p:sp>
+      <p:sp>
+        <p:nvSpPr>
+          <p:cNvPr id="8" name="직사각형 7"/>
+          <p:cNvSpPr/>
+          <p:nvPr/>
+        </p:nvSpPr>
+        <p:spPr>
+          <a:xfrm>
+            <a:off x="5185816" y="5142614"/>
+            <a:ext cx="1721068" cy="218485"/>
+          </a:xfrm>
+          <a:prstGeom prst="rect">
+            <a:avLst/>
+          </a:prstGeom>
+          <a:noFill/>
+          <a:ln w="28575">
+            <a:solidFill>
+              <a:srgbClr val="FF0000"/>
+            </a:solidFill>
+          </a:ln>
+        </p:spPr>
+        <p:style>
+          <a:lnRef idx="2">
+            <a:schemeClr val="accent1">
+              <a:shade val="50000"/>
+            </a:schemeClr>
+          </a:lnRef>
+          <a:fillRef idx="1">
+            <a:schemeClr val="accent1"/>
+          </a:fillRef>
+          <a:effectRef idx="0">
+            <a:schemeClr val="accent1"/>
+          </a:effectRef>
+          <a:fontRef idx="minor">
+            <a:schemeClr val="lt1"/>
+          </a:fontRef>
+        </p:style>
+        <p:txBody>
+          <a:bodyPr rtlCol="0" anchor="ctr"/>
+          <a:lstStyle/>
+          <a:p>
+            <a:pPr algn="ctr"/>
+            <a:endParaRPr lang="ko-KR" altLang="en-US"/>
+          </a:p>
+        </p:txBody>
+      </p:sp>
+    </p:spTree>
+    <p:extLst>
+      <p:ext uri="{BB962C8B-B14F-4D97-AF65-F5344CB8AC3E}">
+        <p14:creationId xmlns:p14="http://schemas.microsoft.com/office/powerpoint/2010/main" val="627248033"/>
+      </p:ext>
+    </p:extLst>
+  </p:cSld>
+  <p:clrMapOvr>
+    <a:masterClrMapping/>
+  </p:clrMapOvr>
+</p:sld>
+</file>
+
+<file path=ppt/slides/slide11.xml><?xml version="1.0" encoding="utf-8"?>
+<p:sld xmlns:a="http://schemas.openxmlformats.org/drawingml/2006/main" xmlns:r="http://schemas.openxmlformats.org/officeDocument/2006/relationships" xmlns:p="http://schemas.openxmlformats.org/presentationml/2006/main">
+  <p:cSld>
+    <p:spTree>
+      <p:nvGrpSpPr>
+        <p:cNvPr id="1" name=""/>
+        <p:cNvGrpSpPr/>
+        <p:nvPr/>
+      </p:nvGrpSpPr>
+      <p:grpSpPr>
+        <a:xfrm>
+          <a:off x="0" y="0"/>
+          <a:ext cx="0" cy="0"/>
+          <a:chOff x="0" y="0"/>
+          <a:chExt cx="0" cy="0"/>
+        </a:xfrm>
+      </p:grpSpPr>
+      <p:pic>
+        <p:nvPicPr>
+          <p:cNvPr id="6" name="그림 5"/>
+          <p:cNvPicPr>
+            <a:picLocks noChangeAspect="1"/>
+          </p:cNvPicPr>
+          <p:nvPr/>
+        </p:nvPicPr>
+        <p:blipFill>
+          <a:blip r:embed="rId2"/>
+          <a:stretch>
+            <a:fillRect/>
+          </a:stretch>
+        </p:blipFill>
+        <p:spPr>
+          <a:xfrm>
             <a:off x="153099" y="138863"/>
             <a:ext cx="3062757" cy="2119428"/>
           </a:xfrm>
@@ -3246,6 +3487,142 @@
     <p:extLst>
       <p:ext uri="{BB962C8B-B14F-4D97-AF65-F5344CB8AC3E}">
         <p14:creationId xmlns:p14="http://schemas.microsoft.com/office/powerpoint/2010/main" val="3200653588"/>
+      </p:ext>
+    </p:extLst>
+  </p:cSld>
+  <p:clrMapOvr>
+    <a:masterClrMapping/>
+  </p:clrMapOvr>
+</p:sld>
+</file>
+
+<file path=ppt/slides/slide12.xml><?xml version="1.0" encoding="utf-8"?>
+<p:sld xmlns:a="http://schemas.openxmlformats.org/drawingml/2006/main" xmlns:r="http://schemas.openxmlformats.org/officeDocument/2006/relationships" xmlns:p="http://schemas.openxmlformats.org/presentationml/2006/main">
+  <p:cSld>
+    <p:spTree>
+      <p:nvGrpSpPr>
+        <p:cNvPr id="1" name=""/>
+        <p:cNvGrpSpPr/>
+        <p:nvPr/>
+      </p:nvGrpSpPr>
+      <p:grpSpPr>
+        <a:xfrm>
+          <a:off x="0" y="0"/>
+          <a:ext cx="0" cy="0"/>
+          <a:chOff x="0" y="0"/>
+          <a:chExt cx="0" cy="0"/>
+        </a:xfrm>
+      </p:grpSpPr>
+      <p:sp>
+        <p:nvSpPr>
+          <p:cNvPr id="2" name="제목 1"/>
+          <p:cNvSpPr>
+            <a:spLocks noGrp="1"/>
+          </p:cNvSpPr>
+          <p:nvPr>
+            <p:ph type="title"/>
+          </p:nvPr>
+        </p:nvSpPr>
+        <p:spPr/>
+        <p:txBody>
+          <a:bodyPr/>
+          <a:lstStyle/>
+          <a:p>
+            <a:endParaRPr lang="ko-KR" altLang="en-US"/>
+          </a:p>
+        </p:txBody>
+      </p:sp>
+      <p:sp>
+        <p:nvSpPr>
+          <p:cNvPr id="3" name="내용 개체 틀 2"/>
+          <p:cNvSpPr>
+            <a:spLocks noGrp="1"/>
+          </p:cNvSpPr>
+          <p:nvPr>
+            <p:ph idx="1"/>
+          </p:nvPr>
+        </p:nvSpPr>
+        <p:spPr/>
+        <p:txBody>
+          <a:bodyPr/>
+          <a:lstStyle/>
+          <a:p>
+            <a:endParaRPr lang="ko-KR" altLang="en-US"/>
+          </a:p>
+        </p:txBody>
+      </p:sp>
+    </p:spTree>
+    <p:extLst>
+      <p:ext uri="{BB962C8B-B14F-4D97-AF65-F5344CB8AC3E}">
+        <p14:creationId xmlns:p14="http://schemas.microsoft.com/office/powerpoint/2010/main" val="656074471"/>
+      </p:ext>
+    </p:extLst>
+  </p:cSld>
+  <p:clrMapOvr>
+    <a:masterClrMapping/>
+  </p:clrMapOvr>
+</p:sld>
+</file>
+
+<file path=ppt/slides/slide13.xml><?xml version="1.0" encoding="utf-8"?>
+<p:sld xmlns:a="http://schemas.openxmlformats.org/drawingml/2006/main" xmlns:r="http://schemas.openxmlformats.org/officeDocument/2006/relationships" xmlns:p="http://schemas.openxmlformats.org/presentationml/2006/main">
+  <p:cSld>
+    <p:spTree>
+      <p:nvGrpSpPr>
+        <p:cNvPr id="1" name=""/>
+        <p:cNvGrpSpPr/>
+        <p:nvPr/>
+      </p:nvGrpSpPr>
+      <p:grpSpPr>
+        <a:xfrm>
+          <a:off x="0" y="0"/>
+          <a:ext cx="0" cy="0"/>
+          <a:chOff x="0" y="0"/>
+          <a:chExt cx="0" cy="0"/>
+        </a:xfrm>
+      </p:grpSpPr>
+      <p:sp>
+        <p:nvSpPr>
+          <p:cNvPr id="2" name="제목 1"/>
+          <p:cNvSpPr>
+            <a:spLocks noGrp="1"/>
+          </p:cNvSpPr>
+          <p:nvPr>
+            <p:ph type="title"/>
+          </p:nvPr>
+        </p:nvSpPr>
+        <p:spPr/>
+        <p:txBody>
+          <a:bodyPr/>
+          <a:lstStyle/>
+          <a:p>
+            <a:endParaRPr lang="ko-KR" altLang="en-US"/>
+          </a:p>
+        </p:txBody>
+      </p:sp>
+      <p:sp>
+        <p:nvSpPr>
+          <p:cNvPr id="3" name="내용 개체 틀 2"/>
+          <p:cNvSpPr>
+            <a:spLocks noGrp="1"/>
+          </p:cNvSpPr>
+          <p:nvPr>
+            <p:ph idx="1"/>
+          </p:nvPr>
+        </p:nvSpPr>
+        <p:spPr/>
+        <p:txBody>
+          <a:bodyPr/>
+          <a:lstStyle/>
+          <a:p>
+            <a:endParaRPr lang="ko-KR" altLang="en-US"/>
+          </a:p>
+        </p:txBody>
+      </p:sp>
+    </p:spTree>
+    <p:extLst>
+      <p:ext uri="{BB962C8B-B14F-4D97-AF65-F5344CB8AC3E}">
+        <p14:creationId xmlns:p14="http://schemas.microsoft.com/office/powerpoint/2010/main" val="850708605"/>
       </p:ext>
     </p:extLst>
   </p:cSld>

--- a/Spring-Springboot/스프링 프레임워크 학습자료.pptx
+++ b/Spring-Springboot/스프링 프레임워크 학습자료.pptx
@@ -255,7 +255,7 @@
           <a:p>
             <a:fld id="{939B0B54-38C2-4878-9BDB-D65EE6D99877}" type="datetimeFigureOut">
               <a:rPr lang="ko-KR" altLang="en-US" smtClean="0"/>
-              <a:t>2020-01-27</a:t>
+              <a:t>2020-01-28</a:t>
             </a:fld>
             <a:endParaRPr lang="ko-KR" altLang="en-US"/>
           </a:p>
@@ -425,7 +425,7 @@
           <a:p>
             <a:fld id="{939B0B54-38C2-4878-9BDB-D65EE6D99877}" type="datetimeFigureOut">
               <a:rPr lang="ko-KR" altLang="en-US" smtClean="0"/>
-              <a:t>2020-01-27</a:t>
+              <a:t>2020-01-28</a:t>
             </a:fld>
             <a:endParaRPr lang="ko-KR" altLang="en-US"/>
           </a:p>
@@ -605,7 +605,7 @@
           <a:p>
             <a:fld id="{939B0B54-38C2-4878-9BDB-D65EE6D99877}" type="datetimeFigureOut">
               <a:rPr lang="ko-KR" altLang="en-US" smtClean="0"/>
-              <a:t>2020-01-27</a:t>
+              <a:t>2020-01-28</a:t>
             </a:fld>
             <a:endParaRPr lang="ko-KR" altLang="en-US"/>
           </a:p>
@@ -775,7 +775,7 @@
           <a:p>
             <a:fld id="{939B0B54-38C2-4878-9BDB-D65EE6D99877}" type="datetimeFigureOut">
               <a:rPr lang="ko-KR" altLang="en-US" smtClean="0"/>
-              <a:t>2020-01-27</a:t>
+              <a:t>2020-01-28</a:t>
             </a:fld>
             <a:endParaRPr lang="ko-KR" altLang="en-US"/>
           </a:p>
@@ -1021,7 +1021,7 @@
           <a:p>
             <a:fld id="{939B0B54-38C2-4878-9BDB-D65EE6D99877}" type="datetimeFigureOut">
               <a:rPr lang="ko-KR" altLang="en-US" smtClean="0"/>
-              <a:t>2020-01-27</a:t>
+              <a:t>2020-01-28</a:t>
             </a:fld>
             <a:endParaRPr lang="ko-KR" altLang="en-US"/>
           </a:p>
@@ -1253,7 +1253,7 @@
           <a:p>
             <a:fld id="{939B0B54-38C2-4878-9BDB-D65EE6D99877}" type="datetimeFigureOut">
               <a:rPr lang="ko-KR" altLang="en-US" smtClean="0"/>
-              <a:t>2020-01-27</a:t>
+              <a:t>2020-01-28</a:t>
             </a:fld>
             <a:endParaRPr lang="ko-KR" altLang="en-US"/>
           </a:p>
@@ -1620,7 +1620,7 @@
           <a:p>
             <a:fld id="{939B0B54-38C2-4878-9BDB-D65EE6D99877}" type="datetimeFigureOut">
               <a:rPr lang="ko-KR" altLang="en-US" smtClean="0"/>
-              <a:t>2020-01-27</a:t>
+              <a:t>2020-01-28</a:t>
             </a:fld>
             <a:endParaRPr lang="ko-KR" altLang="en-US"/>
           </a:p>
@@ -1738,7 +1738,7 @@
           <a:p>
             <a:fld id="{939B0B54-38C2-4878-9BDB-D65EE6D99877}" type="datetimeFigureOut">
               <a:rPr lang="ko-KR" altLang="en-US" smtClean="0"/>
-              <a:t>2020-01-27</a:t>
+              <a:t>2020-01-28</a:t>
             </a:fld>
             <a:endParaRPr lang="ko-KR" altLang="en-US"/>
           </a:p>
@@ -1833,7 +1833,7 @@
           <a:p>
             <a:fld id="{939B0B54-38C2-4878-9BDB-D65EE6D99877}" type="datetimeFigureOut">
               <a:rPr lang="ko-KR" altLang="en-US" smtClean="0"/>
-              <a:t>2020-01-27</a:t>
+              <a:t>2020-01-28</a:t>
             </a:fld>
             <a:endParaRPr lang="ko-KR" altLang="en-US"/>
           </a:p>
@@ -2110,7 +2110,7 @@
           <a:p>
             <a:fld id="{939B0B54-38C2-4878-9BDB-D65EE6D99877}" type="datetimeFigureOut">
               <a:rPr lang="ko-KR" altLang="en-US" smtClean="0"/>
-              <a:t>2020-01-27</a:t>
+              <a:t>2020-01-28</a:t>
             </a:fld>
             <a:endParaRPr lang="ko-KR" altLang="en-US"/>
           </a:p>
@@ -2363,7 +2363,7 @@
           <a:p>
             <a:fld id="{939B0B54-38C2-4878-9BDB-D65EE6D99877}" type="datetimeFigureOut">
               <a:rPr lang="ko-KR" altLang="en-US" smtClean="0"/>
-              <a:t>2020-01-27</a:t>
+              <a:t>2020-01-28</a:t>
             </a:fld>
             <a:endParaRPr lang="ko-KR" altLang="en-US"/>
           </a:p>
@@ -2576,7 +2576,7 @@
           <a:p>
             <a:fld id="{939B0B54-38C2-4878-9BDB-D65EE6D99877}" type="datetimeFigureOut">
               <a:rPr lang="ko-KR" altLang="en-US" smtClean="0"/>
-              <a:t>2020-01-27</a:t>
+              <a:t>2020-01-28</a:t>
             </a:fld>
             <a:endParaRPr lang="ko-KR" altLang="en-US"/>
           </a:p>
@@ -3513,44 +3513,314 @@
           <a:chExt cx="0" cy="0"/>
         </a:xfrm>
       </p:grpSpPr>
-      <p:sp>
-        <p:nvSpPr>
-          <p:cNvPr id="2" name="제목 1"/>
-          <p:cNvSpPr>
-            <a:spLocks noGrp="1"/>
-          </p:cNvSpPr>
-          <p:nvPr>
-            <p:ph type="title"/>
-          </p:nvPr>
-        </p:nvSpPr>
-        <p:spPr/>
-        <p:txBody>
-          <a:bodyPr/>
-          <a:lstStyle/>
-          <a:p>
-            <a:endParaRPr lang="ko-KR" altLang="en-US"/>
-          </a:p>
-        </p:txBody>
-      </p:sp>
-      <p:sp>
-        <p:nvSpPr>
-          <p:cNvPr id="3" name="내용 개체 틀 2"/>
-          <p:cNvSpPr>
-            <a:spLocks noGrp="1"/>
-          </p:cNvSpPr>
-          <p:nvPr>
-            <p:ph idx="1"/>
-          </p:nvPr>
-        </p:nvSpPr>
-        <p:spPr/>
-        <p:txBody>
-          <a:bodyPr/>
-          <a:lstStyle/>
-          <a:p>
-            <a:endParaRPr lang="ko-KR" altLang="en-US"/>
-          </a:p>
-        </p:txBody>
-      </p:sp>
+      <p:pic>
+        <p:nvPicPr>
+          <p:cNvPr id="4" name="그림 3"/>
+          <p:cNvPicPr>
+            <a:picLocks noChangeAspect="1"/>
+          </p:cNvPicPr>
+          <p:nvPr/>
+        </p:nvPicPr>
+        <p:blipFill>
+          <a:blip r:embed="rId2"/>
+          <a:stretch>
+            <a:fillRect/>
+          </a:stretch>
+        </p:blipFill>
+        <p:spPr>
+          <a:xfrm>
+            <a:off x="0" y="0"/>
+            <a:ext cx="3077004" cy="1648055"/>
+          </a:xfrm>
+          <a:prstGeom prst="rect">
+            <a:avLst/>
+          </a:prstGeom>
+        </p:spPr>
+      </p:pic>
+      <p:pic>
+        <p:nvPicPr>
+          <p:cNvPr id="5" name="그림 4"/>
+          <p:cNvPicPr>
+            <a:picLocks noChangeAspect="1"/>
+          </p:cNvPicPr>
+          <p:nvPr/>
+        </p:nvPicPr>
+        <p:blipFill>
+          <a:blip r:embed="rId3"/>
+          <a:stretch>
+            <a:fillRect/>
+          </a:stretch>
+        </p:blipFill>
+        <p:spPr>
+          <a:xfrm>
+            <a:off x="3077004" y="-1"/>
+            <a:ext cx="4176578" cy="1648055"/>
+          </a:xfrm>
+          <a:prstGeom prst="rect">
+            <a:avLst/>
+          </a:prstGeom>
+        </p:spPr>
+      </p:pic>
+      <p:sp>
+        <p:nvSpPr>
+          <p:cNvPr id="6" name="직사각형 5"/>
+          <p:cNvSpPr/>
+          <p:nvPr/>
+        </p:nvSpPr>
+        <p:spPr>
+          <a:xfrm>
+            <a:off x="900751" y="1134515"/>
+            <a:ext cx="1201004" cy="241282"/>
+          </a:xfrm>
+          <a:prstGeom prst="rect">
+            <a:avLst/>
+          </a:prstGeom>
+          <a:noFill/>
+          <a:ln w="28575">
+            <a:solidFill>
+              <a:srgbClr val="FF0000"/>
+            </a:solidFill>
+          </a:ln>
+        </p:spPr>
+        <p:style>
+          <a:lnRef idx="2">
+            <a:schemeClr val="accent1">
+              <a:shade val="50000"/>
+            </a:schemeClr>
+          </a:lnRef>
+          <a:fillRef idx="1">
+            <a:schemeClr val="accent1"/>
+          </a:fillRef>
+          <a:effectRef idx="0">
+            <a:schemeClr val="accent1"/>
+          </a:effectRef>
+          <a:fontRef idx="minor">
+            <a:schemeClr val="lt1"/>
+          </a:fontRef>
+        </p:style>
+        <p:txBody>
+          <a:bodyPr rtlCol="0" anchor="ctr"/>
+          <a:lstStyle/>
+          <a:p>
+            <a:pPr algn="ctr"/>
+            <a:endParaRPr lang="ko-KR" altLang="en-US"/>
+          </a:p>
+        </p:txBody>
+      </p:sp>
+      <p:pic>
+        <p:nvPicPr>
+          <p:cNvPr id="7" name="그림 6"/>
+          <p:cNvPicPr>
+            <a:picLocks noChangeAspect="1"/>
+          </p:cNvPicPr>
+          <p:nvPr/>
+        </p:nvPicPr>
+        <p:blipFill>
+          <a:blip r:embed="rId4"/>
+          <a:stretch>
+            <a:fillRect/>
+          </a:stretch>
+        </p:blipFill>
+        <p:spPr>
+          <a:xfrm>
+            <a:off x="4442408" y="-765415"/>
+            <a:ext cx="2981741" cy="1247949"/>
+          </a:xfrm>
+          <a:prstGeom prst="rect">
+            <a:avLst/>
+          </a:prstGeom>
+        </p:spPr>
+      </p:pic>
+      <p:pic>
+        <p:nvPicPr>
+          <p:cNvPr id="8" name="그림 7"/>
+          <p:cNvPicPr>
+            <a:picLocks noChangeAspect="1"/>
+          </p:cNvPicPr>
+          <p:nvPr/>
+        </p:nvPicPr>
+        <p:blipFill>
+          <a:blip r:embed="rId5"/>
+          <a:stretch>
+            <a:fillRect/>
+          </a:stretch>
+        </p:blipFill>
+        <p:spPr>
+          <a:xfrm>
+            <a:off x="7253582" y="1375796"/>
+            <a:ext cx="5330295" cy="1086002"/>
+          </a:xfrm>
+          <a:prstGeom prst="rect">
+            <a:avLst/>
+          </a:prstGeom>
+        </p:spPr>
+      </p:pic>
+      <p:pic>
+        <p:nvPicPr>
+          <p:cNvPr id="9" name="그림 8"/>
+          <p:cNvPicPr>
+            <a:picLocks noChangeAspect="1"/>
+          </p:cNvPicPr>
+          <p:nvPr/>
+        </p:nvPicPr>
+        <p:blipFill>
+          <a:blip r:embed="rId6"/>
+          <a:stretch>
+            <a:fillRect/>
+          </a:stretch>
+        </p:blipFill>
+        <p:spPr>
+          <a:xfrm>
+            <a:off x="7253582" y="-3"/>
+            <a:ext cx="4989160" cy="1375799"/>
+          </a:xfrm>
+          <a:prstGeom prst="rect">
+            <a:avLst/>
+          </a:prstGeom>
+        </p:spPr>
+      </p:pic>
+      <p:pic>
+        <p:nvPicPr>
+          <p:cNvPr id="10" name="그림 9"/>
+          <p:cNvPicPr>
+            <a:picLocks noChangeAspect="1"/>
+          </p:cNvPicPr>
+          <p:nvPr/>
+        </p:nvPicPr>
+        <p:blipFill>
+          <a:blip r:embed="rId7"/>
+          <a:stretch>
+            <a:fillRect/>
+          </a:stretch>
+        </p:blipFill>
+        <p:spPr>
+          <a:xfrm>
+            <a:off x="0" y="1648054"/>
+            <a:ext cx="4344006" cy="1247949"/>
+          </a:xfrm>
+          <a:prstGeom prst="rect">
+            <a:avLst/>
+          </a:prstGeom>
+        </p:spPr>
+      </p:pic>
+      <p:pic>
+        <p:nvPicPr>
+          <p:cNvPr id="11" name="그림 10"/>
+          <p:cNvPicPr>
+            <a:picLocks noChangeAspect="1"/>
+          </p:cNvPicPr>
+          <p:nvPr/>
+        </p:nvPicPr>
+        <p:blipFill>
+          <a:blip r:embed="rId8"/>
+          <a:stretch>
+            <a:fillRect/>
+          </a:stretch>
+        </p:blipFill>
+        <p:spPr>
+          <a:xfrm>
+            <a:off x="70315" y="3355060"/>
+            <a:ext cx="7916380" cy="2086266"/>
+          </a:xfrm>
+          <a:prstGeom prst="rect">
+            <a:avLst/>
+          </a:prstGeom>
+        </p:spPr>
+      </p:pic>
+      <p:pic>
+        <p:nvPicPr>
+          <p:cNvPr id="12" name="그림 11"/>
+          <p:cNvPicPr>
+            <a:picLocks noChangeAspect="1"/>
+          </p:cNvPicPr>
+          <p:nvPr/>
+        </p:nvPicPr>
+        <p:blipFill>
+          <a:blip r:embed="rId9"/>
+          <a:stretch>
+            <a:fillRect/>
+          </a:stretch>
+        </p:blipFill>
+        <p:spPr>
+          <a:xfrm>
+            <a:off x="8223966" y="3688638"/>
+            <a:ext cx="4338106" cy="1511978"/>
+          </a:xfrm>
+          <a:prstGeom prst="rect">
+            <a:avLst/>
+          </a:prstGeom>
+        </p:spPr>
+      </p:pic>
+      <p:cxnSp>
+        <p:nvCxnSpPr>
+          <p:cNvPr id="14" name="직선 연결선 13"/>
+          <p:cNvCxnSpPr/>
+          <p:nvPr/>
+        </p:nvCxnSpPr>
+        <p:spPr>
+          <a:xfrm>
+            <a:off x="3212218" y="5146024"/>
+            <a:ext cx="508626" cy="0"/>
+          </a:xfrm>
+          <a:prstGeom prst="line">
+            <a:avLst/>
+          </a:prstGeom>
+          <a:ln w="28575">
+            <a:solidFill>
+              <a:srgbClr val="FF0000"/>
+            </a:solidFill>
+          </a:ln>
+        </p:spPr>
+        <p:style>
+          <a:lnRef idx="1">
+            <a:schemeClr val="accent1"/>
+          </a:lnRef>
+          <a:fillRef idx="0">
+            <a:schemeClr val="accent1"/>
+          </a:fillRef>
+          <a:effectRef idx="0">
+            <a:schemeClr val="accent1"/>
+          </a:effectRef>
+          <a:fontRef idx="minor">
+            <a:schemeClr val="tx1"/>
+          </a:fontRef>
+        </p:style>
+      </p:cxnSp>
+      <p:cxnSp>
+        <p:nvCxnSpPr>
+          <p:cNvPr id="15" name="직선 연결선 14"/>
+          <p:cNvCxnSpPr/>
+          <p:nvPr/>
+        </p:nvCxnSpPr>
+        <p:spPr>
+          <a:xfrm>
+            <a:off x="3209357" y="5407608"/>
+            <a:ext cx="819148" cy="0"/>
+          </a:xfrm>
+          <a:prstGeom prst="line">
+            <a:avLst/>
+          </a:prstGeom>
+          <a:ln w="28575">
+            <a:solidFill>
+              <a:srgbClr val="FF0000"/>
+            </a:solidFill>
+          </a:ln>
+        </p:spPr>
+        <p:style>
+          <a:lnRef idx="1">
+            <a:schemeClr val="accent1"/>
+          </a:lnRef>
+          <a:fillRef idx="0">
+            <a:schemeClr val="accent1"/>
+          </a:fillRef>
+          <a:effectRef idx="0">
+            <a:schemeClr val="accent1"/>
+          </a:effectRef>
+          <a:fontRef idx="minor">
+            <a:schemeClr val="tx1"/>
+          </a:fontRef>
+        </p:style>
+      </p:cxnSp>
     </p:spTree>
     <p:extLst>
       <p:ext uri="{BB962C8B-B14F-4D97-AF65-F5344CB8AC3E}">
@@ -3581,40 +3851,118 @@
           <a:chExt cx="0" cy="0"/>
         </a:xfrm>
       </p:grpSpPr>
-      <p:sp>
-        <p:nvSpPr>
-          <p:cNvPr id="2" name="제목 1"/>
-          <p:cNvSpPr>
-            <a:spLocks noGrp="1"/>
-          </p:cNvSpPr>
-          <p:nvPr>
-            <p:ph type="title"/>
-          </p:nvPr>
-        </p:nvSpPr>
-        <p:spPr/>
-        <p:txBody>
-          <a:bodyPr/>
-          <a:lstStyle/>
-          <a:p>
-            <a:endParaRPr lang="ko-KR" altLang="en-US"/>
-          </a:p>
-        </p:txBody>
-      </p:sp>
-      <p:sp>
-        <p:nvSpPr>
-          <p:cNvPr id="3" name="내용 개체 틀 2"/>
-          <p:cNvSpPr>
-            <a:spLocks noGrp="1"/>
-          </p:cNvSpPr>
-          <p:nvPr>
-            <p:ph idx="1"/>
-          </p:nvPr>
-        </p:nvSpPr>
-        <p:spPr/>
-        <p:txBody>
-          <a:bodyPr/>
-          <a:lstStyle/>
-          <a:p>
+      <p:pic>
+        <p:nvPicPr>
+          <p:cNvPr id="4" name="그림 3"/>
+          <p:cNvPicPr>
+            <a:picLocks noChangeAspect="1"/>
+          </p:cNvPicPr>
+          <p:nvPr/>
+        </p:nvPicPr>
+        <p:blipFill>
+          <a:blip r:embed="rId2"/>
+          <a:stretch>
+            <a:fillRect/>
+          </a:stretch>
+        </p:blipFill>
+        <p:spPr>
+          <a:xfrm>
+            <a:off x="0" y="518143"/>
+            <a:ext cx="12192000" cy="3228639"/>
+          </a:xfrm>
+          <a:prstGeom prst="rect">
+            <a:avLst/>
+          </a:prstGeom>
+        </p:spPr>
+      </p:pic>
+      <p:sp>
+        <p:nvSpPr>
+          <p:cNvPr id="7" name="직사각형 6"/>
+          <p:cNvSpPr/>
+          <p:nvPr/>
+        </p:nvSpPr>
+        <p:spPr>
+          <a:xfrm>
+            <a:off x="895789" y="1120867"/>
+            <a:ext cx="992565" cy="241282"/>
+          </a:xfrm>
+          <a:prstGeom prst="rect">
+            <a:avLst/>
+          </a:prstGeom>
+          <a:noFill/>
+          <a:ln w="28575">
+            <a:solidFill>
+              <a:srgbClr val="FF0000"/>
+            </a:solidFill>
+          </a:ln>
+        </p:spPr>
+        <p:style>
+          <a:lnRef idx="2">
+            <a:schemeClr val="accent1">
+              <a:shade val="50000"/>
+            </a:schemeClr>
+          </a:lnRef>
+          <a:fillRef idx="1">
+            <a:schemeClr val="accent1"/>
+          </a:fillRef>
+          <a:effectRef idx="0">
+            <a:schemeClr val="accent1"/>
+          </a:effectRef>
+          <a:fontRef idx="minor">
+            <a:schemeClr val="lt1"/>
+          </a:fontRef>
+        </p:style>
+        <p:txBody>
+          <a:bodyPr rtlCol="0" anchor="ctr"/>
+          <a:lstStyle/>
+          <a:p>
+            <a:pPr algn="ctr"/>
+            <a:endParaRPr lang="ko-KR" altLang="en-US"/>
+          </a:p>
+        </p:txBody>
+      </p:sp>
+      <p:sp>
+        <p:nvSpPr>
+          <p:cNvPr id="8" name="직사각형 7"/>
+          <p:cNvSpPr/>
+          <p:nvPr/>
+        </p:nvSpPr>
+        <p:spPr>
+          <a:xfrm>
+            <a:off x="3251151" y="2806228"/>
+            <a:ext cx="2127651" cy="832972"/>
+          </a:xfrm>
+          <a:prstGeom prst="rect">
+            <a:avLst/>
+          </a:prstGeom>
+          <a:noFill/>
+          <a:ln w="28575">
+            <a:solidFill>
+              <a:srgbClr val="FF0000"/>
+            </a:solidFill>
+          </a:ln>
+        </p:spPr>
+        <p:style>
+          <a:lnRef idx="2">
+            <a:schemeClr val="accent1">
+              <a:shade val="50000"/>
+            </a:schemeClr>
+          </a:lnRef>
+          <a:fillRef idx="1">
+            <a:schemeClr val="accent1"/>
+          </a:fillRef>
+          <a:effectRef idx="0">
+            <a:schemeClr val="accent1"/>
+          </a:effectRef>
+          <a:fontRef idx="minor">
+            <a:schemeClr val="lt1"/>
+          </a:fontRef>
+        </p:style>
+        <p:txBody>
+          <a:bodyPr rtlCol="0" anchor="ctr"/>
+          <a:lstStyle/>
+          <a:p>
+            <a:pPr algn="ctr"/>
             <a:endParaRPr lang="ko-KR" altLang="en-US"/>
           </a:p>
         </p:txBody>

--- a/Spring-Springboot/스프링 프레임워크 학습자료.pptx
+++ b/Spring-Springboot/스프링 프레임워크 학습자료.pptx
@@ -17,7 +17,9 @@
     <p:sldId id="266" r:id="rId11"/>
     <p:sldId id="265" r:id="rId12"/>
     <p:sldId id="267" r:id="rId13"/>
-    <p:sldId id="268" r:id="rId14"/>
+    <p:sldId id="269" r:id="rId14"/>
+    <p:sldId id="270" r:id="rId15"/>
+    <p:sldId id="268" r:id="rId16"/>
   </p:sldIdLst>
   <p:sldSz cx="12192000" cy="6858000"/>
   <p:notesSz cx="6858000" cy="9144000"/>
@@ -255,7 +257,7 @@
           <a:p>
             <a:fld id="{939B0B54-38C2-4878-9BDB-D65EE6D99877}" type="datetimeFigureOut">
               <a:rPr lang="ko-KR" altLang="en-US" smtClean="0"/>
-              <a:t>2020-01-28</a:t>
+              <a:t>2020-01-30</a:t>
             </a:fld>
             <a:endParaRPr lang="ko-KR" altLang="en-US"/>
           </a:p>
@@ -425,7 +427,7 @@
           <a:p>
             <a:fld id="{939B0B54-38C2-4878-9BDB-D65EE6D99877}" type="datetimeFigureOut">
               <a:rPr lang="ko-KR" altLang="en-US" smtClean="0"/>
-              <a:t>2020-01-28</a:t>
+              <a:t>2020-01-30</a:t>
             </a:fld>
             <a:endParaRPr lang="ko-KR" altLang="en-US"/>
           </a:p>
@@ -605,7 +607,7 @@
           <a:p>
             <a:fld id="{939B0B54-38C2-4878-9BDB-D65EE6D99877}" type="datetimeFigureOut">
               <a:rPr lang="ko-KR" altLang="en-US" smtClean="0"/>
-              <a:t>2020-01-28</a:t>
+              <a:t>2020-01-30</a:t>
             </a:fld>
             <a:endParaRPr lang="ko-KR" altLang="en-US"/>
           </a:p>
@@ -775,7 +777,7 @@
           <a:p>
             <a:fld id="{939B0B54-38C2-4878-9BDB-D65EE6D99877}" type="datetimeFigureOut">
               <a:rPr lang="ko-KR" altLang="en-US" smtClean="0"/>
-              <a:t>2020-01-28</a:t>
+              <a:t>2020-01-30</a:t>
             </a:fld>
             <a:endParaRPr lang="ko-KR" altLang="en-US"/>
           </a:p>
@@ -1021,7 +1023,7 @@
           <a:p>
             <a:fld id="{939B0B54-38C2-4878-9BDB-D65EE6D99877}" type="datetimeFigureOut">
               <a:rPr lang="ko-KR" altLang="en-US" smtClean="0"/>
-              <a:t>2020-01-28</a:t>
+              <a:t>2020-01-30</a:t>
             </a:fld>
             <a:endParaRPr lang="ko-KR" altLang="en-US"/>
           </a:p>
@@ -1253,7 +1255,7 @@
           <a:p>
             <a:fld id="{939B0B54-38C2-4878-9BDB-D65EE6D99877}" type="datetimeFigureOut">
               <a:rPr lang="ko-KR" altLang="en-US" smtClean="0"/>
-              <a:t>2020-01-28</a:t>
+              <a:t>2020-01-30</a:t>
             </a:fld>
             <a:endParaRPr lang="ko-KR" altLang="en-US"/>
           </a:p>
@@ -1620,7 +1622,7 @@
           <a:p>
             <a:fld id="{939B0B54-38C2-4878-9BDB-D65EE6D99877}" type="datetimeFigureOut">
               <a:rPr lang="ko-KR" altLang="en-US" smtClean="0"/>
-              <a:t>2020-01-28</a:t>
+              <a:t>2020-01-30</a:t>
             </a:fld>
             <a:endParaRPr lang="ko-KR" altLang="en-US"/>
           </a:p>
@@ -1738,7 +1740,7 @@
           <a:p>
             <a:fld id="{939B0B54-38C2-4878-9BDB-D65EE6D99877}" type="datetimeFigureOut">
               <a:rPr lang="ko-KR" altLang="en-US" smtClean="0"/>
-              <a:t>2020-01-28</a:t>
+              <a:t>2020-01-30</a:t>
             </a:fld>
             <a:endParaRPr lang="ko-KR" altLang="en-US"/>
           </a:p>
@@ -1833,7 +1835,7 @@
           <a:p>
             <a:fld id="{939B0B54-38C2-4878-9BDB-D65EE6D99877}" type="datetimeFigureOut">
               <a:rPr lang="ko-KR" altLang="en-US" smtClean="0"/>
-              <a:t>2020-01-28</a:t>
+              <a:t>2020-01-30</a:t>
             </a:fld>
             <a:endParaRPr lang="ko-KR" altLang="en-US"/>
           </a:p>
@@ -2110,7 +2112,7 @@
           <a:p>
             <a:fld id="{939B0B54-38C2-4878-9BDB-D65EE6D99877}" type="datetimeFigureOut">
               <a:rPr lang="ko-KR" altLang="en-US" smtClean="0"/>
-              <a:t>2020-01-28</a:t>
+              <a:t>2020-01-30</a:t>
             </a:fld>
             <a:endParaRPr lang="ko-KR" altLang="en-US"/>
           </a:p>
@@ -2363,7 +2365,7 @@
           <a:p>
             <a:fld id="{939B0B54-38C2-4878-9BDB-D65EE6D99877}" type="datetimeFigureOut">
               <a:rPr lang="ko-KR" altLang="en-US" smtClean="0"/>
-              <a:t>2020-01-28</a:t>
+              <a:t>2020-01-30</a:t>
             </a:fld>
             <a:endParaRPr lang="ko-KR" altLang="en-US"/>
           </a:p>
@@ -2576,7 +2578,7 @@
           <a:p>
             <a:fld id="{939B0B54-38C2-4878-9BDB-D65EE6D99877}" type="datetimeFigureOut">
               <a:rPr lang="ko-KR" altLang="en-US" smtClean="0"/>
-              <a:t>2020-01-28</a:t>
+              <a:t>2020-01-30</a:t>
             </a:fld>
             <a:endParaRPr lang="ko-KR" altLang="en-US"/>
           </a:p>
@@ -3537,9 +3539,55 @@
           </a:prstGeom>
         </p:spPr>
       </p:pic>
+      <p:sp>
+        <p:nvSpPr>
+          <p:cNvPr id="6" name="직사각형 5"/>
+          <p:cNvSpPr/>
+          <p:nvPr/>
+        </p:nvSpPr>
+        <p:spPr>
+          <a:xfrm>
+            <a:off x="900751" y="1134515"/>
+            <a:ext cx="1201004" cy="241282"/>
+          </a:xfrm>
+          <a:prstGeom prst="rect">
+            <a:avLst/>
+          </a:prstGeom>
+          <a:noFill/>
+          <a:ln w="28575">
+            <a:solidFill>
+              <a:srgbClr val="FF0000"/>
+            </a:solidFill>
+          </a:ln>
+        </p:spPr>
+        <p:style>
+          <a:lnRef idx="2">
+            <a:schemeClr val="accent1">
+              <a:shade val="50000"/>
+            </a:schemeClr>
+          </a:lnRef>
+          <a:fillRef idx="1">
+            <a:schemeClr val="accent1"/>
+          </a:fillRef>
+          <a:effectRef idx="0">
+            <a:schemeClr val="accent1"/>
+          </a:effectRef>
+          <a:fontRef idx="minor">
+            <a:schemeClr val="lt1"/>
+          </a:fontRef>
+        </p:style>
+        <p:txBody>
+          <a:bodyPr rtlCol="0" anchor="ctr"/>
+          <a:lstStyle/>
+          <a:p>
+            <a:pPr algn="ctr"/>
+            <a:endParaRPr lang="ko-KR" altLang="en-US"/>
+          </a:p>
+        </p:txBody>
+      </p:sp>
       <p:pic>
         <p:nvPicPr>
-          <p:cNvPr id="5" name="그림 4"/>
+          <p:cNvPr id="7" name="그림 6"/>
           <p:cNvPicPr>
             <a:picLocks noChangeAspect="1"/>
           </p:cNvPicPr>
@@ -3553,63 +3601,17 @@
         </p:blipFill>
         <p:spPr>
           <a:xfrm>
-            <a:off x="3077004" y="-1"/>
-            <a:ext cx="4176578" cy="1648055"/>
+            <a:off x="4442408" y="-765415"/>
+            <a:ext cx="2981741" cy="1247949"/>
           </a:xfrm>
           <a:prstGeom prst="rect">
             <a:avLst/>
           </a:prstGeom>
         </p:spPr>
       </p:pic>
-      <p:sp>
-        <p:nvSpPr>
-          <p:cNvPr id="6" name="직사각형 5"/>
-          <p:cNvSpPr/>
-          <p:nvPr/>
-        </p:nvSpPr>
-        <p:spPr>
-          <a:xfrm>
-            <a:off x="900751" y="1134515"/>
-            <a:ext cx="1201004" cy="241282"/>
-          </a:xfrm>
-          <a:prstGeom prst="rect">
-            <a:avLst/>
-          </a:prstGeom>
-          <a:noFill/>
-          <a:ln w="28575">
-            <a:solidFill>
-              <a:srgbClr val="FF0000"/>
-            </a:solidFill>
-          </a:ln>
-        </p:spPr>
-        <p:style>
-          <a:lnRef idx="2">
-            <a:schemeClr val="accent1">
-              <a:shade val="50000"/>
-            </a:schemeClr>
-          </a:lnRef>
-          <a:fillRef idx="1">
-            <a:schemeClr val="accent1"/>
-          </a:fillRef>
-          <a:effectRef idx="0">
-            <a:schemeClr val="accent1"/>
-          </a:effectRef>
-          <a:fontRef idx="minor">
-            <a:schemeClr val="lt1"/>
-          </a:fontRef>
-        </p:style>
-        <p:txBody>
-          <a:bodyPr rtlCol="0" anchor="ctr"/>
-          <a:lstStyle/>
-          <a:p>
-            <a:pPr algn="ctr"/>
-            <a:endParaRPr lang="ko-KR" altLang="en-US"/>
-          </a:p>
-        </p:txBody>
-      </p:sp>
       <p:pic>
         <p:nvPicPr>
-          <p:cNvPr id="7" name="그림 6"/>
+          <p:cNvPr id="8" name="그림 7"/>
           <p:cNvPicPr>
             <a:picLocks noChangeAspect="1"/>
           </p:cNvPicPr>
@@ -3623,8 +3625,8 @@
         </p:blipFill>
         <p:spPr>
           <a:xfrm>
-            <a:off x="4442408" y="-765415"/>
-            <a:ext cx="2981741" cy="1247949"/>
+            <a:off x="7253582" y="1375796"/>
+            <a:ext cx="5330295" cy="1086002"/>
           </a:xfrm>
           <a:prstGeom prst="rect">
             <a:avLst/>
@@ -3633,7 +3635,7 @@
       </p:pic>
       <p:pic>
         <p:nvPicPr>
-          <p:cNvPr id="8" name="그림 7"/>
+          <p:cNvPr id="9" name="그림 8"/>
           <p:cNvPicPr>
             <a:picLocks noChangeAspect="1"/>
           </p:cNvPicPr>
@@ -3647,8 +3649,8 @@
         </p:blipFill>
         <p:spPr>
           <a:xfrm>
-            <a:off x="7253582" y="1375796"/>
-            <a:ext cx="5330295" cy="1086002"/>
+            <a:off x="7253582" y="-3"/>
+            <a:ext cx="4989160" cy="1375799"/>
           </a:xfrm>
           <a:prstGeom prst="rect">
             <a:avLst/>
@@ -3657,7 +3659,7 @@
       </p:pic>
       <p:pic>
         <p:nvPicPr>
-          <p:cNvPr id="9" name="그림 8"/>
+          <p:cNvPr id="10" name="그림 9"/>
           <p:cNvPicPr>
             <a:picLocks noChangeAspect="1"/>
           </p:cNvPicPr>
@@ -3671,8 +3673,8 @@
         </p:blipFill>
         <p:spPr>
           <a:xfrm>
-            <a:off x="7253582" y="-3"/>
-            <a:ext cx="4989160" cy="1375799"/>
+            <a:off x="341194" y="6024595"/>
+            <a:ext cx="4344006" cy="1247949"/>
           </a:xfrm>
           <a:prstGeom prst="rect">
             <a:avLst/>
@@ -3681,7 +3683,7 @@
       </p:pic>
       <p:pic>
         <p:nvPicPr>
-          <p:cNvPr id="10" name="그림 9"/>
+          <p:cNvPr id="11" name="그림 10"/>
           <p:cNvPicPr>
             <a:picLocks noChangeAspect="1"/>
           </p:cNvPicPr>
@@ -3695,30 +3697,6 @@
         </p:blipFill>
         <p:spPr>
           <a:xfrm>
-            <a:off x="0" y="1648054"/>
-            <a:ext cx="4344006" cy="1247949"/>
-          </a:xfrm>
-          <a:prstGeom prst="rect">
-            <a:avLst/>
-          </a:prstGeom>
-        </p:spPr>
-      </p:pic>
-      <p:pic>
-        <p:nvPicPr>
-          <p:cNvPr id="11" name="그림 10"/>
-          <p:cNvPicPr>
-            <a:picLocks noChangeAspect="1"/>
-          </p:cNvPicPr>
-          <p:nvPr/>
-        </p:nvPicPr>
-        <p:blipFill>
-          <a:blip r:embed="rId8"/>
-          <a:stretch>
-            <a:fillRect/>
-          </a:stretch>
-        </p:blipFill>
-        <p:spPr>
-          <a:xfrm>
             <a:off x="70315" y="3355060"/>
             <a:ext cx="7916380" cy="2086266"/>
           </a:xfrm>
@@ -3736,7 +3714,7 @@
           <p:nvPr/>
         </p:nvPicPr>
         <p:blipFill>
-          <a:blip r:embed="rId9"/>
+          <a:blip r:embed="rId8"/>
           <a:stretch>
             <a:fillRect/>
           </a:stretch>
@@ -3867,7 +3845,325 @@
         </p:blipFill>
         <p:spPr>
           <a:xfrm>
-            <a:off x="0" y="518143"/>
+            <a:off x="3848669" y="114421"/>
+            <a:ext cx="3646789" cy="6179609"/>
+          </a:xfrm>
+          <a:prstGeom prst="rect">
+            <a:avLst/>
+          </a:prstGeom>
+        </p:spPr>
+      </p:pic>
+      <p:pic>
+        <p:nvPicPr>
+          <p:cNvPr id="6" name="그림 5"/>
+          <p:cNvPicPr>
+            <a:picLocks noChangeAspect="1"/>
+          </p:cNvPicPr>
+          <p:nvPr/>
+        </p:nvPicPr>
+        <p:blipFill>
+          <a:blip r:embed="rId3"/>
+          <a:stretch>
+            <a:fillRect/>
+          </a:stretch>
+        </p:blipFill>
+        <p:spPr>
+          <a:xfrm>
+            <a:off x="7197366" y="2796650"/>
+            <a:ext cx="1535038" cy="1392373"/>
+          </a:xfrm>
+          <a:prstGeom prst="ellipse">
+            <a:avLst/>
+          </a:prstGeom>
+          <a:ln>
+            <a:noFill/>
+          </a:ln>
+          <a:effectLst>
+            <a:softEdge rad="112500"/>
+          </a:effectLst>
+        </p:spPr>
+      </p:pic>
+      <p:sp>
+        <p:nvSpPr>
+          <p:cNvPr id="7" name="TextBox 6"/>
+          <p:cNvSpPr txBox="1"/>
+          <p:nvPr/>
+        </p:nvSpPr>
+        <p:spPr>
+          <a:xfrm>
+            <a:off x="5264739" y="4004357"/>
+            <a:ext cx="814647" cy="369332"/>
+          </a:xfrm>
+          <a:prstGeom prst="rect">
+            <a:avLst/>
+          </a:prstGeom>
+          <a:noFill/>
+        </p:spPr>
+        <p:txBody>
+          <a:bodyPr wrap="none" rtlCol="0">
+            <a:spAutoFit/>
+          </a:bodyPr>
+          <a:lstStyle/>
+          <a:p>
+            <a:r>
+              <a:rPr lang="ko-KR" altLang="en-US" b="1" dirty="0" smtClean="0">
+                <a:latin typeface="나눔스퀘어 ExtraBold" panose="020B0600000101010101" pitchFamily="50" charset="-127"/>
+                <a:ea typeface="나눔스퀘어 ExtraBold" panose="020B0600000101010101" pitchFamily="50" charset="-127"/>
+              </a:rPr>
+              <a:t>장원익</a:t>
+            </a:r>
+            <a:endParaRPr lang="ko-KR" altLang="en-US" b="1" dirty="0">
+              <a:latin typeface="나눔스퀘어 ExtraBold" panose="020B0600000101010101" pitchFamily="50" charset="-127"/>
+              <a:ea typeface="나눔스퀘어 ExtraBold" panose="020B0600000101010101" pitchFamily="50" charset="-127"/>
+            </a:endParaRPr>
+          </a:p>
+        </p:txBody>
+      </p:sp>
+    </p:spTree>
+    <p:extLst>
+      <p:ext uri="{BB962C8B-B14F-4D97-AF65-F5344CB8AC3E}">
+        <p14:creationId xmlns:p14="http://schemas.microsoft.com/office/powerpoint/2010/main" val="2420508048"/>
+      </p:ext>
+    </p:extLst>
+  </p:cSld>
+  <p:clrMapOvr>
+    <a:masterClrMapping/>
+  </p:clrMapOvr>
+</p:sld>
+</file>
+
+<file path=ppt/slides/slide14.xml><?xml version="1.0" encoding="utf-8"?>
+<p:sld xmlns:a="http://schemas.openxmlformats.org/drawingml/2006/main" xmlns:r="http://schemas.openxmlformats.org/officeDocument/2006/relationships" xmlns:p="http://schemas.openxmlformats.org/presentationml/2006/main">
+  <p:cSld>
+    <p:spTree>
+      <p:nvGrpSpPr>
+        <p:cNvPr id="1" name=""/>
+        <p:cNvGrpSpPr/>
+        <p:nvPr/>
+      </p:nvGrpSpPr>
+      <p:grpSpPr>
+        <a:xfrm>
+          <a:off x="0" y="0"/>
+          <a:ext cx="0" cy="0"/>
+          <a:chOff x="0" y="0"/>
+          <a:chExt cx="0" cy="0"/>
+        </a:xfrm>
+      </p:grpSpPr>
+      <p:pic>
+        <p:nvPicPr>
+          <p:cNvPr id="4" name="그림 3"/>
+          <p:cNvPicPr>
+            <a:picLocks noChangeAspect="1"/>
+          </p:cNvPicPr>
+          <p:nvPr/>
+        </p:nvPicPr>
+        <p:blipFill>
+          <a:blip r:embed="rId2"/>
+          <a:stretch>
+            <a:fillRect/>
+          </a:stretch>
+        </p:blipFill>
+        <p:spPr>
+          <a:xfrm>
+            <a:off x="6198975" y="675762"/>
+            <a:ext cx="4341489" cy="1578724"/>
+          </a:xfrm>
+          <a:prstGeom prst="rect">
+            <a:avLst/>
+          </a:prstGeom>
+        </p:spPr>
+      </p:pic>
+      <p:pic>
+        <p:nvPicPr>
+          <p:cNvPr id="6" name="그림 5"/>
+          <p:cNvPicPr>
+            <a:picLocks noChangeAspect="1"/>
+          </p:cNvPicPr>
+          <p:nvPr/>
+        </p:nvPicPr>
+        <p:blipFill>
+          <a:blip r:embed="rId3"/>
+          <a:stretch>
+            <a:fillRect/>
+          </a:stretch>
+        </p:blipFill>
+        <p:spPr>
+          <a:xfrm>
+            <a:off x="390502" y="3583199"/>
+            <a:ext cx="3717474" cy="1388452"/>
+          </a:xfrm>
+          <a:prstGeom prst="rect">
+            <a:avLst/>
+          </a:prstGeom>
+        </p:spPr>
+      </p:pic>
+      <p:pic>
+        <p:nvPicPr>
+          <p:cNvPr id="7" name="그림 6"/>
+          <p:cNvPicPr>
+            <a:picLocks noChangeAspect="1"/>
+          </p:cNvPicPr>
+          <p:nvPr/>
+        </p:nvPicPr>
+        <p:blipFill>
+          <a:blip r:embed="rId4"/>
+          <a:stretch>
+            <a:fillRect/>
+          </a:stretch>
+        </p:blipFill>
+        <p:spPr>
+          <a:xfrm>
+            <a:off x="199513" y="79043"/>
+            <a:ext cx="5296639" cy="2772162"/>
+          </a:xfrm>
+          <a:prstGeom prst="rect">
+            <a:avLst/>
+          </a:prstGeom>
+        </p:spPr>
+      </p:pic>
+      <p:pic>
+        <p:nvPicPr>
+          <p:cNvPr id="8" name="그림 7"/>
+          <p:cNvPicPr>
+            <a:picLocks noChangeAspect="1"/>
+          </p:cNvPicPr>
+          <p:nvPr/>
+        </p:nvPicPr>
+        <p:blipFill>
+          <a:blip r:embed="rId5"/>
+          <a:stretch>
+            <a:fillRect/>
+          </a:stretch>
+        </p:blipFill>
+        <p:spPr>
+          <a:xfrm>
+            <a:off x="6309429" y="3660557"/>
+            <a:ext cx="4120580" cy="1311094"/>
+          </a:xfrm>
+          <a:prstGeom prst="rect">
+            <a:avLst/>
+          </a:prstGeom>
+        </p:spPr>
+      </p:pic>
+      <p:cxnSp>
+        <p:nvCxnSpPr>
+          <p:cNvPr id="10" name="직선 화살표 연결선 9"/>
+          <p:cNvCxnSpPr/>
+          <p:nvPr/>
+        </p:nvCxnSpPr>
+        <p:spPr>
+          <a:xfrm flipH="1">
+            <a:off x="2661313" y="3043451"/>
+            <a:ext cx="1" cy="382137"/>
+          </a:xfrm>
+          <a:prstGeom prst="straightConnector1">
+            <a:avLst/>
+          </a:prstGeom>
+          <a:ln w="28575">
+            <a:solidFill>
+              <a:srgbClr val="FF0000"/>
+            </a:solidFill>
+            <a:tailEnd type="triangle"/>
+          </a:ln>
+        </p:spPr>
+        <p:style>
+          <a:lnRef idx="1">
+            <a:schemeClr val="accent1"/>
+          </a:lnRef>
+          <a:fillRef idx="0">
+            <a:schemeClr val="accent1"/>
+          </a:fillRef>
+          <a:effectRef idx="0">
+            <a:schemeClr val="accent1"/>
+          </a:effectRef>
+          <a:fontRef idx="minor">
+            <a:schemeClr val="tx1"/>
+          </a:fontRef>
+        </p:style>
+      </p:cxnSp>
+      <p:cxnSp>
+        <p:nvCxnSpPr>
+          <p:cNvPr id="12" name="직선 화살표 연결선 11"/>
+          <p:cNvCxnSpPr/>
+          <p:nvPr/>
+        </p:nvCxnSpPr>
+        <p:spPr>
+          <a:xfrm flipH="1">
+            <a:off x="8559433" y="3045725"/>
+            <a:ext cx="1" cy="382137"/>
+          </a:xfrm>
+          <a:prstGeom prst="straightConnector1">
+            <a:avLst/>
+          </a:prstGeom>
+          <a:ln w="28575">
+            <a:solidFill>
+              <a:srgbClr val="FF0000"/>
+            </a:solidFill>
+            <a:tailEnd type="triangle"/>
+          </a:ln>
+        </p:spPr>
+        <p:style>
+          <a:lnRef idx="1">
+            <a:schemeClr val="accent1"/>
+          </a:lnRef>
+          <a:fillRef idx="0">
+            <a:schemeClr val="accent1"/>
+          </a:fillRef>
+          <a:effectRef idx="0">
+            <a:schemeClr val="accent1"/>
+          </a:effectRef>
+          <a:fontRef idx="minor">
+            <a:schemeClr val="tx1"/>
+          </a:fontRef>
+        </p:style>
+      </p:cxnSp>
+    </p:spTree>
+    <p:extLst>
+      <p:ext uri="{BB962C8B-B14F-4D97-AF65-F5344CB8AC3E}">
+        <p14:creationId xmlns:p14="http://schemas.microsoft.com/office/powerpoint/2010/main" val="3791511033"/>
+      </p:ext>
+    </p:extLst>
+  </p:cSld>
+  <p:clrMapOvr>
+    <a:masterClrMapping/>
+  </p:clrMapOvr>
+</p:sld>
+</file>
+
+<file path=ppt/slides/slide15.xml><?xml version="1.0" encoding="utf-8"?>
+<p:sld xmlns:a="http://schemas.openxmlformats.org/drawingml/2006/main" xmlns:r="http://schemas.openxmlformats.org/officeDocument/2006/relationships" xmlns:p="http://schemas.openxmlformats.org/presentationml/2006/main">
+  <p:cSld>
+    <p:spTree>
+      <p:nvGrpSpPr>
+        <p:cNvPr id="1" name=""/>
+        <p:cNvGrpSpPr/>
+        <p:nvPr/>
+      </p:nvGrpSpPr>
+      <p:grpSpPr>
+        <a:xfrm>
+          <a:off x="0" y="0"/>
+          <a:ext cx="0" cy="0"/>
+          <a:chOff x="0" y="0"/>
+          <a:chExt cx="0" cy="0"/>
+        </a:xfrm>
+      </p:grpSpPr>
+      <p:pic>
+        <p:nvPicPr>
+          <p:cNvPr id="4" name="그림 3"/>
+          <p:cNvPicPr>
+            <a:picLocks noChangeAspect="1"/>
+          </p:cNvPicPr>
+          <p:nvPr/>
+        </p:nvPicPr>
+        <p:blipFill>
+          <a:blip r:embed="rId2"/>
+          <a:stretch>
+            <a:fillRect/>
+          </a:stretch>
+        </p:blipFill>
+        <p:spPr>
+          <a:xfrm>
+            <a:off x="310902" y="613677"/>
             <a:ext cx="12192000" cy="3228639"/>
           </a:xfrm>
           <a:prstGeom prst="rect">
@@ -3883,8 +4179,8 @@
         </p:nvSpPr>
         <p:spPr>
           <a:xfrm>
-            <a:off x="895789" y="1120867"/>
-            <a:ext cx="992565" cy="241282"/>
+            <a:off x="8579479" y="6045957"/>
+            <a:ext cx="992565" cy="229385"/>
           </a:xfrm>
           <a:prstGeom prst="rect">
             <a:avLst/>
@@ -3931,6 +4227,122 @@
           <a:xfrm>
             <a:off x="3251151" y="2806228"/>
             <a:ext cx="2127651" cy="832972"/>
+          </a:xfrm>
+          <a:prstGeom prst="rect">
+            <a:avLst/>
+          </a:prstGeom>
+          <a:noFill/>
+          <a:ln w="28575">
+            <a:solidFill>
+              <a:srgbClr val="FF0000"/>
+            </a:solidFill>
+          </a:ln>
+        </p:spPr>
+        <p:style>
+          <a:lnRef idx="2">
+            <a:schemeClr val="accent1">
+              <a:shade val="50000"/>
+            </a:schemeClr>
+          </a:lnRef>
+          <a:fillRef idx="1">
+            <a:schemeClr val="accent1"/>
+          </a:fillRef>
+          <a:effectRef idx="0">
+            <a:schemeClr val="accent1"/>
+          </a:effectRef>
+          <a:fontRef idx="minor">
+            <a:schemeClr val="lt1"/>
+          </a:fontRef>
+        </p:style>
+        <p:txBody>
+          <a:bodyPr rtlCol="0" anchor="ctr"/>
+          <a:lstStyle/>
+          <a:p>
+            <a:pPr algn="ctr"/>
+            <a:endParaRPr lang="ko-KR" altLang="en-US"/>
+          </a:p>
+        </p:txBody>
+      </p:sp>
+      <p:pic>
+        <p:nvPicPr>
+          <p:cNvPr id="2" name="그림 1"/>
+          <p:cNvPicPr>
+            <a:picLocks noChangeAspect="1"/>
+          </p:cNvPicPr>
+          <p:nvPr/>
+        </p:nvPicPr>
+        <p:blipFill>
+          <a:blip r:embed="rId3"/>
+          <a:stretch>
+            <a:fillRect/>
+          </a:stretch>
+        </p:blipFill>
+        <p:spPr>
+          <a:xfrm>
+            <a:off x="462472" y="4241863"/>
+            <a:ext cx="5944430" cy="2495898"/>
+          </a:xfrm>
+          <a:prstGeom prst="rect">
+            <a:avLst/>
+          </a:prstGeom>
+        </p:spPr>
+      </p:pic>
+      <p:sp>
+        <p:nvSpPr>
+          <p:cNvPr id="6" name="직사각형 5"/>
+          <p:cNvSpPr/>
+          <p:nvPr/>
+        </p:nvSpPr>
+        <p:spPr>
+          <a:xfrm>
+            <a:off x="1321144" y="5404514"/>
+            <a:ext cx="1340169" cy="314684"/>
+          </a:xfrm>
+          <a:prstGeom prst="rect">
+            <a:avLst/>
+          </a:prstGeom>
+          <a:noFill/>
+          <a:ln w="28575">
+            <a:solidFill>
+              <a:srgbClr val="FF0000"/>
+            </a:solidFill>
+          </a:ln>
+        </p:spPr>
+        <p:style>
+          <a:lnRef idx="2">
+            <a:schemeClr val="accent1">
+              <a:shade val="50000"/>
+            </a:schemeClr>
+          </a:lnRef>
+          <a:fillRef idx="1">
+            <a:schemeClr val="accent1"/>
+          </a:fillRef>
+          <a:effectRef idx="0">
+            <a:schemeClr val="accent1"/>
+          </a:effectRef>
+          <a:fontRef idx="minor">
+            <a:schemeClr val="lt1"/>
+          </a:fontRef>
+        </p:style>
+        <p:txBody>
+          <a:bodyPr rtlCol="0" anchor="ctr"/>
+          <a:lstStyle/>
+          <a:p>
+            <a:pPr algn="ctr"/>
+            <a:endParaRPr lang="ko-KR" altLang="en-US"/>
+          </a:p>
+        </p:txBody>
+      </p:sp>
+      <p:sp>
+        <p:nvSpPr>
+          <p:cNvPr id="9" name="직사각형 8"/>
+          <p:cNvSpPr/>
+          <p:nvPr/>
+        </p:nvSpPr>
+        <p:spPr>
+          <a:xfrm>
+            <a:off x="3864023" y="5612601"/>
+            <a:ext cx="1977219" cy="979268"/>
           </a:xfrm>
           <a:prstGeom prst="rect">
             <a:avLst/>

--- a/Spring-Springboot/스프링 프레임워크 학습자료.pptx
+++ b/Spring-Springboot/스프링 프레임워크 학습자료.pptx
@@ -20,6 +20,24 @@
     <p:sldId id="269" r:id="rId14"/>
     <p:sldId id="270" r:id="rId15"/>
     <p:sldId id="268" r:id="rId16"/>
+    <p:sldId id="271" r:id="rId17"/>
+    <p:sldId id="272" r:id="rId18"/>
+    <p:sldId id="273" r:id="rId19"/>
+    <p:sldId id="274" r:id="rId20"/>
+    <p:sldId id="275" r:id="rId21"/>
+    <p:sldId id="276" r:id="rId22"/>
+    <p:sldId id="277" r:id="rId23"/>
+    <p:sldId id="278" r:id="rId24"/>
+    <p:sldId id="279" r:id="rId25"/>
+    <p:sldId id="280" r:id="rId26"/>
+    <p:sldId id="281" r:id="rId27"/>
+    <p:sldId id="282" r:id="rId28"/>
+    <p:sldId id="283" r:id="rId29"/>
+    <p:sldId id="284" r:id="rId30"/>
+    <p:sldId id="285" r:id="rId31"/>
+    <p:sldId id="286" r:id="rId32"/>
+    <p:sldId id="287" r:id="rId33"/>
+    <p:sldId id="288" r:id="rId34"/>
   </p:sldIdLst>
   <p:sldSz cx="12192000" cy="6858000"/>
   <p:notesSz cx="6858000" cy="9144000"/>
@@ -257,7 +275,7 @@
           <a:p>
             <a:fld id="{939B0B54-38C2-4878-9BDB-D65EE6D99877}" type="datetimeFigureOut">
               <a:rPr lang="ko-KR" altLang="en-US" smtClean="0"/>
-              <a:t>2020-01-30</a:t>
+              <a:t>2020-02-02</a:t>
             </a:fld>
             <a:endParaRPr lang="ko-KR" altLang="en-US"/>
           </a:p>
@@ -427,7 +445,7 @@
           <a:p>
             <a:fld id="{939B0B54-38C2-4878-9BDB-D65EE6D99877}" type="datetimeFigureOut">
               <a:rPr lang="ko-KR" altLang="en-US" smtClean="0"/>
-              <a:t>2020-01-30</a:t>
+              <a:t>2020-02-02</a:t>
             </a:fld>
             <a:endParaRPr lang="ko-KR" altLang="en-US"/>
           </a:p>
@@ -607,7 +625,7 @@
           <a:p>
             <a:fld id="{939B0B54-38C2-4878-9BDB-D65EE6D99877}" type="datetimeFigureOut">
               <a:rPr lang="ko-KR" altLang="en-US" smtClean="0"/>
-              <a:t>2020-01-30</a:t>
+              <a:t>2020-02-02</a:t>
             </a:fld>
             <a:endParaRPr lang="ko-KR" altLang="en-US"/>
           </a:p>
@@ -777,7 +795,7 @@
           <a:p>
             <a:fld id="{939B0B54-38C2-4878-9BDB-D65EE6D99877}" type="datetimeFigureOut">
               <a:rPr lang="ko-KR" altLang="en-US" smtClean="0"/>
-              <a:t>2020-01-30</a:t>
+              <a:t>2020-02-02</a:t>
             </a:fld>
             <a:endParaRPr lang="ko-KR" altLang="en-US"/>
           </a:p>
@@ -1023,7 +1041,7 @@
           <a:p>
             <a:fld id="{939B0B54-38C2-4878-9BDB-D65EE6D99877}" type="datetimeFigureOut">
               <a:rPr lang="ko-KR" altLang="en-US" smtClean="0"/>
-              <a:t>2020-01-30</a:t>
+              <a:t>2020-02-02</a:t>
             </a:fld>
             <a:endParaRPr lang="ko-KR" altLang="en-US"/>
           </a:p>
@@ -1255,7 +1273,7 @@
           <a:p>
             <a:fld id="{939B0B54-38C2-4878-9BDB-D65EE6D99877}" type="datetimeFigureOut">
               <a:rPr lang="ko-KR" altLang="en-US" smtClean="0"/>
-              <a:t>2020-01-30</a:t>
+              <a:t>2020-02-02</a:t>
             </a:fld>
             <a:endParaRPr lang="ko-KR" altLang="en-US"/>
           </a:p>
@@ -1622,7 +1640,7 @@
           <a:p>
             <a:fld id="{939B0B54-38C2-4878-9BDB-D65EE6D99877}" type="datetimeFigureOut">
               <a:rPr lang="ko-KR" altLang="en-US" smtClean="0"/>
-              <a:t>2020-01-30</a:t>
+              <a:t>2020-02-02</a:t>
             </a:fld>
             <a:endParaRPr lang="ko-KR" altLang="en-US"/>
           </a:p>
@@ -1740,7 +1758,7 @@
           <a:p>
             <a:fld id="{939B0B54-38C2-4878-9BDB-D65EE6D99877}" type="datetimeFigureOut">
               <a:rPr lang="ko-KR" altLang="en-US" smtClean="0"/>
-              <a:t>2020-01-30</a:t>
+              <a:t>2020-02-02</a:t>
             </a:fld>
             <a:endParaRPr lang="ko-KR" altLang="en-US"/>
           </a:p>
@@ -1835,7 +1853,7 @@
           <a:p>
             <a:fld id="{939B0B54-38C2-4878-9BDB-D65EE6D99877}" type="datetimeFigureOut">
               <a:rPr lang="ko-KR" altLang="en-US" smtClean="0"/>
-              <a:t>2020-01-30</a:t>
+              <a:t>2020-02-02</a:t>
             </a:fld>
             <a:endParaRPr lang="ko-KR" altLang="en-US"/>
           </a:p>
@@ -2112,7 +2130,7 @@
           <a:p>
             <a:fld id="{939B0B54-38C2-4878-9BDB-D65EE6D99877}" type="datetimeFigureOut">
               <a:rPr lang="ko-KR" altLang="en-US" smtClean="0"/>
-              <a:t>2020-01-30</a:t>
+              <a:t>2020-02-02</a:t>
             </a:fld>
             <a:endParaRPr lang="ko-KR" altLang="en-US"/>
           </a:p>
@@ -2365,7 +2383,7 @@
           <a:p>
             <a:fld id="{939B0B54-38C2-4878-9BDB-D65EE6D99877}" type="datetimeFigureOut">
               <a:rPr lang="ko-KR" altLang="en-US" smtClean="0"/>
-              <a:t>2020-01-30</a:t>
+              <a:t>2020-02-02</a:t>
             </a:fld>
             <a:endParaRPr lang="ko-KR" altLang="en-US"/>
           </a:p>
@@ -2578,7 +2596,7 @@
           <a:p>
             <a:fld id="{939B0B54-38C2-4878-9BDB-D65EE6D99877}" type="datetimeFigureOut">
               <a:rPr lang="ko-KR" altLang="en-US" smtClean="0"/>
-              <a:t>2020-01-30</a:t>
+              <a:t>2020-02-02</a:t>
             </a:fld>
             <a:endParaRPr lang="ko-KR" altLang="en-US"/>
           </a:p>
@@ -4392,6 +4410,826 @@
 </p:sld>
 </file>
 
+<file path=ppt/slides/slide16.xml><?xml version="1.0" encoding="utf-8"?>
+<p:sld xmlns:a="http://schemas.openxmlformats.org/drawingml/2006/main" xmlns:r="http://schemas.openxmlformats.org/officeDocument/2006/relationships" xmlns:p="http://schemas.openxmlformats.org/presentationml/2006/main">
+  <p:cSld>
+    <p:spTree>
+      <p:nvGrpSpPr>
+        <p:cNvPr id="1" name=""/>
+        <p:cNvGrpSpPr/>
+        <p:nvPr/>
+      </p:nvGrpSpPr>
+      <p:grpSpPr>
+        <a:xfrm>
+          <a:off x="0" y="0"/>
+          <a:ext cx="0" cy="0"/>
+          <a:chOff x="0" y="0"/>
+          <a:chExt cx="0" cy="0"/>
+        </a:xfrm>
+      </p:grpSpPr>
+      <p:pic>
+        <p:nvPicPr>
+          <p:cNvPr id="4" name="그림 3"/>
+          <p:cNvPicPr>
+            <a:picLocks noChangeAspect="1"/>
+          </p:cNvPicPr>
+          <p:nvPr/>
+        </p:nvPicPr>
+        <p:blipFill>
+          <a:blip r:embed="rId2"/>
+          <a:stretch>
+            <a:fillRect/>
+          </a:stretch>
+        </p:blipFill>
+        <p:spPr>
+          <a:xfrm>
+            <a:off x="0" y="0"/>
+            <a:ext cx="2042337" cy="2621507"/>
+          </a:xfrm>
+          <a:prstGeom prst="rect">
+            <a:avLst/>
+          </a:prstGeom>
+        </p:spPr>
+      </p:pic>
+      <p:sp>
+        <p:nvSpPr>
+          <p:cNvPr id="5" name="직사각형 4"/>
+          <p:cNvSpPr/>
+          <p:nvPr/>
+        </p:nvSpPr>
+        <p:spPr>
+          <a:xfrm>
+            <a:off x="902888" y="1389226"/>
+            <a:ext cx="1091822" cy="229385"/>
+          </a:xfrm>
+          <a:prstGeom prst="rect">
+            <a:avLst/>
+          </a:prstGeom>
+          <a:noFill/>
+          <a:ln w="28575">
+            <a:solidFill>
+              <a:srgbClr val="FF0000"/>
+            </a:solidFill>
+          </a:ln>
+        </p:spPr>
+        <p:style>
+          <a:lnRef idx="2">
+            <a:schemeClr val="accent1">
+              <a:shade val="50000"/>
+            </a:schemeClr>
+          </a:lnRef>
+          <a:fillRef idx="1">
+            <a:schemeClr val="accent1"/>
+          </a:fillRef>
+          <a:effectRef idx="0">
+            <a:schemeClr val="accent1"/>
+          </a:effectRef>
+          <a:fontRef idx="minor">
+            <a:schemeClr val="lt1"/>
+          </a:fontRef>
+        </p:style>
+        <p:txBody>
+          <a:bodyPr rtlCol="0" anchor="ctr"/>
+          <a:lstStyle/>
+          <a:p>
+            <a:pPr algn="ctr"/>
+            <a:endParaRPr lang="ko-KR" altLang="en-US"/>
+          </a:p>
+        </p:txBody>
+      </p:sp>
+      <p:pic>
+        <p:nvPicPr>
+          <p:cNvPr id="6" name="그림 5"/>
+          <p:cNvPicPr>
+            <a:picLocks noChangeAspect="1"/>
+          </p:cNvPicPr>
+          <p:nvPr/>
+        </p:nvPicPr>
+        <p:blipFill>
+          <a:blip r:embed="rId3"/>
+          <a:stretch>
+            <a:fillRect/>
+          </a:stretch>
+        </p:blipFill>
+        <p:spPr>
+          <a:xfrm>
+            <a:off x="3788602" y="763538"/>
+            <a:ext cx="3394928" cy="1471851"/>
+          </a:xfrm>
+          <a:prstGeom prst="rect">
+            <a:avLst/>
+          </a:prstGeom>
+        </p:spPr>
+      </p:pic>
+      <p:pic>
+        <p:nvPicPr>
+          <p:cNvPr id="7" name="그림 6"/>
+          <p:cNvPicPr>
+            <a:picLocks noChangeAspect="1"/>
+          </p:cNvPicPr>
+          <p:nvPr/>
+        </p:nvPicPr>
+        <p:blipFill>
+          <a:blip r:embed="rId4"/>
+          <a:stretch>
+            <a:fillRect/>
+          </a:stretch>
+        </p:blipFill>
+        <p:spPr>
+          <a:xfrm>
+            <a:off x="2592571" y="2621507"/>
+            <a:ext cx="7689246" cy="3680779"/>
+          </a:xfrm>
+          <a:prstGeom prst="rect">
+            <a:avLst/>
+          </a:prstGeom>
+        </p:spPr>
+      </p:pic>
+      <p:sp>
+        <p:nvSpPr>
+          <p:cNvPr id="8" name="직사각형 7"/>
+          <p:cNvSpPr/>
+          <p:nvPr/>
+        </p:nvSpPr>
+        <p:spPr>
+          <a:xfrm>
+            <a:off x="3447151" y="5130997"/>
+            <a:ext cx="2340416" cy="229385"/>
+          </a:xfrm>
+          <a:prstGeom prst="rect">
+            <a:avLst/>
+          </a:prstGeom>
+          <a:noFill/>
+          <a:ln w="28575">
+            <a:solidFill>
+              <a:srgbClr val="FF0000"/>
+            </a:solidFill>
+          </a:ln>
+        </p:spPr>
+        <p:style>
+          <a:lnRef idx="2">
+            <a:schemeClr val="accent1">
+              <a:shade val="50000"/>
+            </a:schemeClr>
+          </a:lnRef>
+          <a:fillRef idx="1">
+            <a:schemeClr val="accent1"/>
+          </a:fillRef>
+          <a:effectRef idx="0">
+            <a:schemeClr val="accent1"/>
+          </a:effectRef>
+          <a:fontRef idx="minor">
+            <a:schemeClr val="lt1"/>
+          </a:fontRef>
+        </p:style>
+        <p:txBody>
+          <a:bodyPr rtlCol="0" anchor="ctr"/>
+          <a:lstStyle/>
+          <a:p>
+            <a:pPr algn="ctr"/>
+            <a:endParaRPr lang="ko-KR" altLang="en-US"/>
+          </a:p>
+        </p:txBody>
+      </p:sp>
+      <p:sp>
+        <p:nvSpPr>
+          <p:cNvPr id="9" name="직사각형 8"/>
+          <p:cNvSpPr/>
+          <p:nvPr/>
+        </p:nvSpPr>
+        <p:spPr>
+          <a:xfrm>
+            <a:off x="3169691" y="5815665"/>
+            <a:ext cx="1453214" cy="229385"/>
+          </a:xfrm>
+          <a:prstGeom prst="rect">
+            <a:avLst/>
+          </a:prstGeom>
+          <a:noFill/>
+          <a:ln w="28575">
+            <a:solidFill>
+              <a:srgbClr val="FF0000"/>
+            </a:solidFill>
+          </a:ln>
+        </p:spPr>
+        <p:style>
+          <a:lnRef idx="2">
+            <a:schemeClr val="accent1">
+              <a:shade val="50000"/>
+            </a:schemeClr>
+          </a:lnRef>
+          <a:fillRef idx="1">
+            <a:schemeClr val="accent1"/>
+          </a:fillRef>
+          <a:effectRef idx="0">
+            <a:schemeClr val="accent1"/>
+          </a:effectRef>
+          <a:fontRef idx="minor">
+            <a:schemeClr val="lt1"/>
+          </a:fontRef>
+        </p:style>
+        <p:txBody>
+          <a:bodyPr rtlCol="0" anchor="ctr"/>
+          <a:lstStyle/>
+          <a:p>
+            <a:pPr algn="ctr"/>
+            <a:endParaRPr lang="ko-KR" altLang="en-US"/>
+          </a:p>
+        </p:txBody>
+      </p:sp>
+    </p:spTree>
+    <p:extLst>
+      <p:ext uri="{BB962C8B-B14F-4D97-AF65-F5344CB8AC3E}">
+        <p14:creationId xmlns:p14="http://schemas.microsoft.com/office/powerpoint/2010/main" val="2692544905"/>
+      </p:ext>
+    </p:extLst>
+  </p:cSld>
+  <p:clrMapOvr>
+    <a:masterClrMapping/>
+  </p:clrMapOvr>
+</p:sld>
+</file>
+
+<file path=ppt/slides/slide17.xml><?xml version="1.0" encoding="utf-8"?>
+<p:sld xmlns:a="http://schemas.openxmlformats.org/drawingml/2006/main" xmlns:r="http://schemas.openxmlformats.org/officeDocument/2006/relationships" xmlns:p="http://schemas.openxmlformats.org/presentationml/2006/main">
+  <p:cSld>
+    <p:spTree>
+      <p:nvGrpSpPr>
+        <p:cNvPr id="1" name=""/>
+        <p:cNvGrpSpPr/>
+        <p:nvPr/>
+      </p:nvGrpSpPr>
+      <p:grpSpPr>
+        <a:xfrm>
+          <a:off x="0" y="0"/>
+          <a:ext cx="0" cy="0"/>
+          <a:chOff x="0" y="0"/>
+          <a:chExt cx="0" cy="0"/>
+        </a:xfrm>
+      </p:grpSpPr>
+      <p:pic>
+        <p:nvPicPr>
+          <p:cNvPr id="3" name="그림 2"/>
+          <p:cNvPicPr>
+            <a:picLocks noChangeAspect="1"/>
+          </p:cNvPicPr>
+          <p:nvPr/>
+        </p:nvPicPr>
+        <p:blipFill>
+          <a:blip r:embed="rId2"/>
+          <a:stretch>
+            <a:fillRect/>
+          </a:stretch>
+        </p:blipFill>
+        <p:spPr>
+          <a:xfrm>
+            <a:off x="181121" y="110842"/>
+            <a:ext cx="11720576" cy="3688400"/>
+          </a:xfrm>
+          <a:prstGeom prst="rect">
+            <a:avLst/>
+          </a:prstGeom>
+        </p:spPr>
+      </p:pic>
+      <p:pic>
+        <p:nvPicPr>
+          <p:cNvPr id="4" name="그림 3"/>
+          <p:cNvPicPr>
+            <a:picLocks noChangeAspect="1"/>
+          </p:cNvPicPr>
+          <p:nvPr/>
+        </p:nvPicPr>
+        <p:blipFill>
+          <a:blip r:embed="rId3"/>
+          <a:stretch>
+            <a:fillRect/>
+          </a:stretch>
+        </p:blipFill>
+        <p:spPr>
+          <a:xfrm>
+            <a:off x="413551" y="3799242"/>
+            <a:ext cx="11255715" cy="2857748"/>
+          </a:xfrm>
+          <a:prstGeom prst="rect">
+            <a:avLst/>
+          </a:prstGeom>
+        </p:spPr>
+      </p:pic>
+      <p:sp>
+        <p:nvSpPr>
+          <p:cNvPr id="5" name="직사각형 4"/>
+          <p:cNvSpPr/>
+          <p:nvPr/>
+        </p:nvSpPr>
+        <p:spPr>
+          <a:xfrm>
+            <a:off x="5328922" y="5437940"/>
+            <a:ext cx="1934228" cy="871096"/>
+          </a:xfrm>
+          <a:prstGeom prst="rect">
+            <a:avLst/>
+          </a:prstGeom>
+          <a:noFill/>
+          <a:ln w="28575">
+            <a:solidFill>
+              <a:srgbClr val="FF0000"/>
+            </a:solidFill>
+          </a:ln>
+        </p:spPr>
+        <p:style>
+          <a:lnRef idx="2">
+            <a:schemeClr val="accent1">
+              <a:shade val="50000"/>
+            </a:schemeClr>
+          </a:lnRef>
+          <a:fillRef idx="1">
+            <a:schemeClr val="accent1"/>
+          </a:fillRef>
+          <a:effectRef idx="0">
+            <a:schemeClr val="accent1"/>
+          </a:effectRef>
+          <a:fontRef idx="minor">
+            <a:schemeClr val="lt1"/>
+          </a:fontRef>
+        </p:style>
+        <p:txBody>
+          <a:bodyPr rtlCol="0" anchor="ctr"/>
+          <a:lstStyle/>
+          <a:p>
+            <a:pPr algn="ctr"/>
+            <a:endParaRPr lang="ko-KR" altLang="en-US"/>
+          </a:p>
+        </p:txBody>
+      </p:sp>
+      <p:sp>
+        <p:nvSpPr>
+          <p:cNvPr id="6" name="직사각형 5"/>
+          <p:cNvSpPr/>
+          <p:nvPr/>
+        </p:nvSpPr>
+        <p:spPr>
+          <a:xfrm>
+            <a:off x="5503462" y="2369461"/>
+            <a:ext cx="1453214" cy="871096"/>
+          </a:xfrm>
+          <a:prstGeom prst="rect">
+            <a:avLst/>
+          </a:prstGeom>
+          <a:noFill/>
+          <a:ln w="28575">
+            <a:solidFill>
+              <a:srgbClr val="FF0000"/>
+            </a:solidFill>
+          </a:ln>
+        </p:spPr>
+        <p:style>
+          <a:lnRef idx="2">
+            <a:schemeClr val="accent1">
+              <a:shade val="50000"/>
+            </a:schemeClr>
+          </a:lnRef>
+          <a:fillRef idx="1">
+            <a:schemeClr val="accent1"/>
+          </a:fillRef>
+          <a:effectRef idx="0">
+            <a:schemeClr val="accent1"/>
+          </a:effectRef>
+          <a:fontRef idx="minor">
+            <a:schemeClr val="lt1"/>
+          </a:fontRef>
+        </p:style>
+        <p:txBody>
+          <a:bodyPr rtlCol="0" anchor="ctr"/>
+          <a:lstStyle/>
+          <a:p>
+            <a:pPr algn="ctr"/>
+            <a:endParaRPr lang="ko-KR" altLang="en-US"/>
+          </a:p>
+        </p:txBody>
+      </p:sp>
+      <p:sp>
+        <p:nvSpPr>
+          <p:cNvPr id="7" name="직사각형 6"/>
+          <p:cNvSpPr/>
+          <p:nvPr/>
+        </p:nvSpPr>
+        <p:spPr>
+          <a:xfrm>
+            <a:off x="1865747" y="1426556"/>
+            <a:ext cx="2127651" cy="277558"/>
+          </a:xfrm>
+          <a:prstGeom prst="rect">
+            <a:avLst/>
+          </a:prstGeom>
+          <a:noFill/>
+          <a:ln w="28575">
+            <a:solidFill>
+              <a:srgbClr val="FF0000"/>
+            </a:solidFill>
+          </a:ln>
+        </p:spPr>
+        <p:style>
+          <a:lnRef idx="2">
+            <a:schemeClr val="accent1">
+              <a:shade val="50000"/>
+            </a:schemeClr>
+          </a:lnRef>
+          <a:fillRef idx="1">
+            <a:schemeClr val="accent1"/>
+          </a:fillRef>
+          <a:effectRef idx="0">
+            <a:schemeClr val="accent1"/>
+          </a:effectRef>
+          <a:fontRef idx="minor">
+            <a:schemeClr val="lt1"/>
+          </a:fontRef>
+        </p:style>
+        <p:txBody>
+          <a:bodyPr rtlCol="0" anchor="ctr"/>
+          <a:lstStyle/>
+          <a:p>
+            <a:pPr algn="ctr"/>
+            <a:endParaRPr lang="ko-KR" altLang="en-US"/>
+          </a:p>
+        </p:txBody>
+      </p:sp>
+      <p:sp>
+        <p:nvSpPr>
+          <p:cNvPr id="8" name="직사각형 7"/>
+          <p:cNvSpPr/>
+          <p:nvPr/>
+        </p:nvSpPr>
+        <p:spPr>
+          <a:xfrm>
+            <a:off x="598080" y="1428830"/>
+            <a:ext cx="1201004" cy="277558"/>
+          </a:xfrm>
+          <a:prstGeom prst="rect">
+            <a:avLst/>
+          </a:prstGeom>
+          <a:noFill/>
+          <a:ln w="28575">
+            <a:solidFill>
+              <a:srgbClr val="FF0000"/>
+            </a:solidFill>
+          </a:ln>
+        </p:spPr>
+        <p:style>
+          <a:lnRef idx="2">
+            <a:schemeClr val="accent1">
+              <a:shade val="50000"/>
+            </a:schemeClr>
+          </a:lnRef>
+          <a:fillRef idx="1">
+            <a:schemeClr val="accent1"/>
+          </a:fillRef>
+          <a:effectRef idx="0">
+            <a:schemeClr val="accent1"/>
+          </a:effectRef>
+          <a:fontRef idx="minor">
+            <a:schemeClr val="lt1"/>
+          </a:fontRef>
+        </p:style>
+        <p:txBody>
+          <a:bodyPr rtlCol="0" anchor="ctr"/>
+          <a:lstStyle/>
+          <a:p>
+            <a:pPr algn="ctr"/>
+            <a:endParaRPr lang="ko-KR" altLang="en-US"/>
+          </a:p>
+        </p:txBody>
+      </p:sp>
+    </p:spTree>
+    <p:extLst>
+      <p:ext uri="{BB962C8B-B14F-4D97-AF65-F5344CB8AC3E}">
+        <p14:creationId xmlns:p14="http://schemas.microsoft.com/office/powerpoint/2010/main" val="3181514304"/>
+      </p:ext>
+    </p:extLst>
+  </p:cSld>
+  <p:clrMapOvr>
+    <a:masterClrMapping/>
+  </p:clrMapOvr>
+</p:sld>
+</file>
+
+<file path=ppt/slides/slide18.xml><?xml version="1.0" encoding="utf-8"?>
+<p:sld xmlns:a="http://schemas.openxmlformats.org/drawingml/2006/main" xmlns:r="http://schemas.openxmlformats.org/officeDocument/2006/relationships" xmlns:p="http://schemas.openxmlformats.org/presentationml/2006/main">
+  <p:cSld>
+    <p:spTree>
+      <p:nvGrpSpPr>
+        <p:cNvPr id="1" name=""/>
+        <p:cNvGrpSpPr/>
+        <p:nvPr/>
+      </p:nvGrpSpPr>
+      <p:grpSpPr>
+        <a:xfrm>
+          <a:off x="0" y="0"/>
+          <a:ext cx="0" cy="0"/>
+          <a:chOff x="0" y="0"/>
+          <a:chExt cx="0" cy="0"/>
+        </a:xfrm>
+      </p:grpSpPr>
+      <p:pic>
+        <p:nvPicPr>
+          <p:cNvPr id="2" name="그림 1"/>
+          <p:cNvPicPr>
+            <a:picLocks noChangeAspect="1"/>
+          </p:cNvPicPr>
+          <p:nvPr/>
+        </p:nvPicPr>
+        <p:blipFill>
+          <a:blip r:embed="rId2"/>
+          <a:stretch>
+            <a:fillRect/>
+          </a:stretch>
+        </p:blipFill>
+        <p:spPr>
+          <a:xfrm>
+            <a:off x="-366266" y="-276366"/>
+            <a:ext cx="4671465" cy="1463167"/>
+          </a:xfrm>
+          <a:prstGeom prst="rect">
+            <a:avLst/>
+          </a:prstGeom>
+        </p:spPr>
+      </p:pic>
+      <p:sp>
+        <p:nvSpPr>
+          <p:cNvPr id="3" name="직사각형 2"/>
+          <p:cNvSpPr/>
+          <p:nvPr/>
+        </p:nvSpPr>
+        <p:spPr>
+          <a:xfrm>
+            <a:off x="466590" y="857323"/>
+            <a:ext cx="1321104" cy="277558"/>
+          </a:xfrm>
+          <a:prstGeom prst="rect">
+            <a:avLst/>
+          </a:prstGeom>
+          <a:noFill/>
+          <a:ln w="28575">
+            <a:solidFill>
+              <a:srgbClr val="FF0000"/>
+            </a:solidFill>
+          </a:ln>
+        </p:spPr>
+        <p:style>
+          <a:lnRef idx="2">
+            <a:schemeClr val="accent1">
+              <a:shade val="50000"/>
+            </a:schemeClr>
+          </a:lnRef>
+          <a:fillRef idx="1">
+            <a:schemeClr val="accent1"/>
+          </a:fillRef>
+          <a:effectRef idx="0">
+            <a:schemeClr val="accent1"/>
+          </a:effectRef>
+          <a:fontRef idx="minor">
+            <a:schemeClr val="lt1"/>
+          </a:fontRef>
+        </p:style>
+        <p:txBody>
+          <a:bodyPr rtlCol="0" anchor="ctr"/>
+          <a:lstStyle/>
+          <a:p>
+            <a:pPr algn="ctr"/>
+            <a:endParaRPr lang="ko-KR" altLang="en-US"/>
+          </a:p>
+        </p:txBody>
+      </p:sp>
+      <p:pic>
+        <p:nvPicPr>
+          <p:cNvPr id="4" name="그림 3"/>
+          <p:cNvPicPr>
+            <a:picLocks noChangeAspect="1"/>
+          </p:cNvPicPr>
+          <p:nvPr/>
+        </p:nvPicPr>
+        <p:blipFill>
+          <a:blip r:embed="rId3"/>
+          <a:stretch>
+            <a:fillRect/>
+          </a:stretch>
+        </p:blipFill>
+        <p:spPr>
+          <a:xfrm>
+            <a:off x="7401682" y="239966"/>
+            <a:ext cx="4503810" cy="1318374"/>
+          </a:xfrm>
+          <a:prstGeom prst="rect">
+            <a:avLst/>
+          </a:prstGeom>
+        </p:spPr>
+      </p:pic>
+      <p:pic>
+        <p:nvPicPr>
+          <p:cNvPr id="5" name="그림 4"/>
+          <p:cNvPicPr>
+            <a:picLocks noChangeAspect="1"/>
+          </p:cNvPicPr>
+          <p:nvPr/>
+        </p:nvPicPr>
+        <p:blipFill>
+          <a:blip r:embed="rId4"/>
+          <a:stretch>
+            <a:fillRect/>
+          </a:stretch>
+        </p:blipFill>
+        <p:spPr>
+          <a:xfrm>
+            <a:off x="4776460" y="176630"/>
+            <a:ext cx="3296735" cy="958251"/>
+          </a:xfrm>
+          <a:prstGeom prst="rect">
+            <a:avLst/>
+          </a:prstGeom>
+        </p:spPr>
+      </p:pic>
+      <p:pic>
+        <p:nvPicPr>
+          <p:cNvPr id="7" name="그림 6"/>
+          <p:cNvPicPr>
+            <a:picLocks noChangeAspect="1"/>
+          </p:cNvPicPr>
+          <p:nvPr/>
+        </p:nvPicPr>
+        <p:blipFill>
+          <a:blip r:embed="rId5"/>
+          <a:stretch>
+            <a:fillRect/>
+          </a:stretch>
+        </p:blipFill>
+        <p:spPr>
+          <a:xfrm>
+            <a:off x="-2682473" y="1134881"/>
+            <a:ext cx="5364945" cy="2994920"/>
+          </a:xfrm>
+          <a:prstGeom prst="rect">
+            <a:avLst/>
+          </a:prstGeom>
+        </p:spPr>
+      </p:pic>
+      <p:sp>
+        <p:nvSpPr>
+          <p:cNvPr id="8" name="직사각형 7"/>
+          <p:cNvSpPr/>
+          <p:nvPr/>
+        </p:nvSpPr>
+        <p:spPr>
+          <a:xfrm>
+            <a:off x="390394" y="3087363"/>
+            <a:ext cx="1321104" cy="208533"/>
+          </a:xfrm>
+          <a:prstGeom prst="rect">
+            <a:avLst/>
+          </a:prstGeom>
+          <a:noFill/>
+          <a:ln w="28575">
+            <a:solidFill>
+              <a:srgbClr val="FF0000"/>
+            </a:solidFill>
+          </a:ln>
+        </p:spPr>
+        <p:style>
+          <a:lnRef idx="2">
+            <a:schemeClr val="accent1">
+              <a:shade val="50000"/>
+            </a:schemeClr>
+          </a:lnRef>
+          <a:fillRef idx="1">
+            <a:schemeClr val="accent1"/>
+          </a:fillRef>
+          <a:effectRef idx="0">
+            <a:schemeClr val="accent1"/>
+          </a:effectRef>
+          <a:fontRef idx="minor">
+            <a:schemeClr val="lt1"/>
+          </a:fontRef>
+        </p:style>
+        <p:txBody>
+          <a:bodyPr rtlCol="0" anchor="ctr"/>
+          <a:lstStyle/>
+          <a:p>
+            <a:pPr algn="ctr"/>
+            <a:endParaRPr lang="ko-KR" altLang="en-US"/>
+          </a:p>
+        </p:txBody>
+      </p:sp>
+      <p:pic>
+        <p:nvPicPr>
+          <p:cNvPr id="10" name="그림 9"/>
+          <p:cNvPicPr>
+            <a:picLocks noChangeAspect="1"/>
+          </p:cNvPicPr>
+          <p:nvPr/>
+        </p:nvPicPr>
+        <p:blipFill>
+          <a:blip r:embed="rId6"/>
+          <a:stretch>
+            <a:fillRect/>
+          </a:stretch>
+        </p:blipFill>
+        <p:spPr>
+          <a:xfrm>
+            <a:off x="6203947" y="1775593"/>
+            <a:ext cx="5098222" cy="4099915"/>
+          </a:xfrm>
+          <a:prstGeom prst="rect">
+            <a:avLst/>
+          </a:prstGeom>
+        </p:spPr>
+      </p:pic>
+      <p:sp>
+        <p:nvSpPr>
+          <p:cNvPr id="11" name="직사각형 10"/>
+          <p:cNvSpPr/>
+          <p:nvPr/>
+        </p:nvSpPr>
+        <p:spPr>
+          <a:xfrm>
+            <a:off x="8064292" y="4841056"/>
+            <a:ext cx="1453214" cy="406373"/>
+          </a:xfrm>
+          <a:prstGeom prst="rect">
+            <a:avLst/>
+          </a:prstGeom>
+          <a:noFill/>
+          <a:ln w="28575">
+            <a:solidFill>
+              <a:srgbClr val="FF0000"/>
+            </a:solidFill>
+          </a:ln>
+        </p:spPr>
+        <p:style>
+          <a:lnRef idx="2">
+            <a:schemeClr val="accent1">
+              <a:shade val="50000"/>
+            </a:schemeClr>
+          </a:lnRef>
+          <a:fillRef idx="1">
+            <a:schemeClr val="accent1"/>
+          </a:fillRef>
+          <a:effectRef idx="0">
+            <a:schemeClr val="accent1"/>
+          </a:effectRef>
+          <a:fontRef idx="minor">
+            <a:schemeClr val="lt1"/>
+          </a:fontRef>
+        </p:style>
+        <p:txBody>
+          <a:bodyPr rtlCol="0" anchor="ctr"/>
+          <a:lstStyle/>
+          <a:p>
+            <a:pPr algn="ctr"/>
+            <a:endParaRPr lang="ko-KR" altLang="en-US"/>
+          </a:p>
+        </p:txBody>
+      </p:sp>
+    </p:spTree>
+    <p:extLst>
+      <p:ext uri="{BB962C8B-B14F-4D97-AF65-F5344CB8AC3E}">
+        <p14:creationId xmlns:p14="http://schemas.microsoft.com/office/powerpoint/2010/main" val="1675681846"/>
+      </p:ext>
+    </p:extLst>
+  </p:cSld>
+  <p:clrMapOvr>
+    <a:masterClrMapping/>
+  </p:clrMapOvr>
+</p:sld>
+</file>
+
+<file path=ppt/slides/slide19.xml><?xml version="1.0" encoding="utf-8"?>
+<p:sld xmlns:a="http://schemas.openxmlformats.org/drawingml/2006/main" xmlns:r="http://schemas.openxmlformats.org/officeDocument/2006/relationships" xmlns:p="http://schemas.openxmlformats.org/presentationml/2006/main">
+  <p:cSld>
+    <p:spTree>
+      <p:nvGrpSpPr>
+        <p:cNvPr id="1" name=""/>
+        <p:cNvGrpSpPr/>
+        <p:nvPr/>
+      </p:nvGrpSpPr>
+      <p:grpSpPr>
+        <a:xfrm>
+          <a:off x="0" y="0"/>
+          <a:ext cx="0" cy="0"/>
+          <a:chOff x="0" y="0"/>
+          <a:chExt cx="0" cy="0"/>
+        </a:xfrm>
+      </p:grpSpPr>
+    </p:spTree>
+    <p:extLst>
+      <p:ext uri="{BB962C8B-B14F-4D97-AF65-F5344CB8AC3E}">
+        <p14:creationId xmlns:p14="http://schemas.microsoft.com/office/powerpoint/2010/main" val="747539102"/>
+      </p:ext>
+    </p:extLst>
+  </p:cSld>
+  <p:clrMapOvr>
+    <a:masterClrMapping/>
+  </p:clrMapOvr>
+</p:sld>
+</file>
+
 <file path=ppt/slides/slide2.xml><?xml version="1.0" encoding="utf-8"?>
 <p:sld xmlns:a="http://schemas.openxmlformats.org/drawingml/2006/main" xmlns:r="http://schemas.openxmlformats.org/officeDocument/2006/relationships" xmlns:p="http://schemas.openxmlformats.org/presentationml/2006/main">
   <p:cSld>
@@ -4960,6 +5798,306 @@
     <p:extLst>
       <p:ext uri="{BB962C8B-B14F-4D97-AF65-F5344CB8AC3E}">
         <p14:creationId xmlns:p14="http://schemas.microsoft.com/office/powerpoint/2010/main" val="629942173"/>
+      </p:ext>
+    </p:extLst>
+  </p:cSld>
+  <p:clrMapOvr>
+    <a:masterClrMapping/>
+  </p:clrMapOvr>
+</p:sld>
+</file>
+
+<file path=ppt/slides/slide20.xml><?xml version="1.0" encoding="utf-8"?>
+<p:sld xmlns:a="http://schemas.openxmlformats.org/drawingml/2006/main" xmlns:r="http://schemas.openxmlformats.org/officeDocument/2006/relationships" xmlns:p="http://schemas.openxmlformats.org/presentationml/2006/main">
+  <p:cSld>
+    <p:spTree>
+      <p:nvGrpSpPr>
+        <p:cNvPr id="1" name=""/>
+        <p:cNvGrpSpPr/>
+        <p:nvPr/>
+      </p:nvGrpSpPr>
+      <p:grpSpPr>
+        <a:xfrm>
+          <a:off x="0" y="0"/>
+          <a:ext cx="0" cy="0"/>
+          <a:chOff x="0" y="0"/>
+          <a:chExt cx="0" cy="0"/>
+        </a:xfrm>
+      </p:grpSpPr>
+    </p:spTree>
+    <p:extLst>
+      <p:ext uri="{BB962C8B-B14F-4D97-AF65-F5344CB8AC3E}">
+        <p14:creationId xmlns:p14="http://schemas.microsoft.com/office/powerpoint/2010/main" val="1036822510"/>
+      </p:ext>
+    </p:extLst>
+  </p:cSld>
+  <p:clrMapOvr>
+    <a:masterClrMapping/>
+  </p:clrMapOvr>
+</p:sld>
+</file>
+
+<file path=ppt/slides/slide21.xml><?xml version="1.0" encoding="utf-8"?>
+<p:sld xmlns:a="http://schemas.openxmlformats.org/drawingml/2006/main" xmlns:r="http://schemas.openxmlformats.org/officeDocument/2006/relationships" xmlns:p="http://schemas.openxmlformats.org/presentationml/2006/main">
+  <p:cSld>
+    <p:spTree>
+      <p:nvGrpSpPr>
+        <p:cNvPr id="1" name=""/>
+        <p:cNvGrpSpPr/>
+        <p:nvPr/>
+      </p:nvGrpSpPr>
+      <p:grpSpPr>
+        <a:xfrm>
+          <a:off x="0" y="0"/>
+          <a:ext cx="0" cy="0"/>
+          <a:chOff x="0" y="0"/>
+          <a:chExt cx="0" cy="0"/>
+        </a:xfrm>
+      </p:grpSpPr>
+    </p:spTree>
+    <p:extLst>
+      <p:ext uri="{BB962C8B-B14F-4D97-AF65-F5344CB8AC3E}">
+        <p14:creationId xmlns:p14="http://schemas.microsoft.com/office/powerpoint/2010/main" val="2458848230"/>
+      </p:ext>
+    </p:extLst>
+  </p:cSld>
+  <p:clrMapOvr>
+    <a:masterClrMapping/>
+  </p:clrMapOvr>
+</p:sld>
+</file>
+
+<file path=ppt/slides/slide22.xml><?xml version="1.0" encoding="utf-8"?>
+<p:sld xmlns:a="http://schemas.openxmlformats.org/drawingml/2006/main" xmlns:r="http://schemas.openxmlformats.org/officeDocument/2006/relationships" xmlns:p="http://schemas.openxmlformats.org/presentationml/2006/main">
+  <p:cSld>
+    <p:spTree>
+      <p:nvGrpSpPr>
+        <p:cNvPr id="1" name=""/>
+        <p:cNvGrpSpPr/>
+        <p:nvPr/>
+      </p:nvGrpSpPr>
+      <p:grpSpPr>
+        <a:xfrm>
+          <a:off x="0" y="0"/>
+          <a:ext cx="0" cy="0"/>
+          <a:chOff x="0" y="0"/>
+          <a:chExt cx="0" cy="0"/>
+        </a:xfrm>
+      </p:grpSpPr>
+    </p:spTree>
+    <p:extLst>
+      <p:ext uri="{BB962C8B-B14F-4D97-AF65-F5344CB8AC3E}">
+        <p14:creationId xmlns:p14="http://schemas.microsoft.com/office/powerpoint/2010/main" val="1477311349"/>
+      </p:ext>
+    </p:extLst>
+  </p:cSld>
+  <p:clrMapOvr>
+    <a:masterClrMapping/>
+  </p:clrMapOvr>
+</p:sld>
+</file>
+
+<file path=ppt/slides/slide23.xml><?xml version="1.0" encoding="utf-8"?>
+<p:sld xmlns:a="http://schemas.openxmlformats.org/drawingml/2006/main" xmlns:r="http://schemas.openxmlformats.org/officeDocument/2006/relationships" xmlns:p="http://schemas.openxmlformats.org/presentationml/2006/main">
+  <p:cSld>
+    <p:spTree>
+      <p:nvGrpSpPr>
+        <p:cNvPr id="1" name=""/>
+        <p:cNvGrpSpPr/>
+        <p:nvPr/>
+      </p:nvGrpSpPr>
+      <p:grpSpPr>
+        <a:xfrm>
+          <a:off x="0" y="0"/>
+          <a:ext cx="0" cy="0"/>
+          <a:chOff x="0" y="0"/>
+          <a:chExt cx="0" cy="0"/>
+        </a:xfrm>
+      </p:grpSpPr>
+    </p:spTree>
+    <p:extLst>
+      <p:ext uri="{BB962C8B-B14F-4D97-AF65-F5344CB8AC3E}">
+        <p14:creationId xmlns:p14="http://schemas.microsoft.com/office/powerpoint/2010/main" val="1915778309"/>
+      </p:ext>
+    </p:extLst>
+  </p:cSld>
+  <p:clrMapOvr>
+    <a:masterClrMapping/>
+  </p:clrMapOvr>
+</p:sld>
+</file>
+
+<file path=ppt/slides/slide24.xml><?xml version="1.0" encoding="utf-8"?>
+<p:sld xmlns:a="http://schemas.openxmlformats.org/drawingml/2006/main" xmlns:r="http://schemas.openxmlformats.org/officeDocument/2006/relationships" xmlns:p="http://schemas.openxmlformats.org/presentationml/2006/main">
+  <p:cSld>
+    <p:spTree>
+      <p:nvGrpSpPr>
+        <p:cNvPr id="1" name=""/>
+        <p:cNvGrpSpPr/>
+        <p:nvPr/>
+      </p:nvGrpSpPr>
+      <p:grpSpPr>
+        <a:xfrm>
+          <a:off x="0" y="0"/>
+          <a:ext cx="0" cy="0"/>
+          <a:chOff x="0" y="0"/>
+          <a:chExt cx="0" cy="0"/>
+        </a:xfrm>
+      </p:grpSpPr>
+    </p:spTree>
+    <p:extLst>
+      <p:ext uri="{BB962C8B-B14F-4D97-AF65-F5344CB8AC3E}">
+        <p14:creationId xmlns:p14="http://schemas.microsoft.com/office/powerpoint/2010/main" val="2809827418"/>
+      </p:ext>
+    </p:extLst>
+  </p:cSld>
+  <p:clrMapOvr>
+    <a:masterClrMapping/>
+  </p:clrMapOvr>
+</p:sld>
+</file>
+
+<file path=ppt/slides/slide25.xml><?xml version="1.0" encoding="utf-8"?>
+<p:sld xmlns:a="http://schemas.openxmlformats.org/drawingml/2006/main" xmlns:r="http://schemas.openxmlformats.org/officeDocument/2006/relationships" xmlns:p="http://schemas.openxmlformats.org/presentationml/2006/main">
+  <p:cSld>
+    <p:spTree>
+      <p:nvGrpSpPr>
+        <p:cNvPr id="1" name=""/>
+        <p:cNvGrpSpPr/>
+        <p:nvPr/>
+      </p:nvGrpSpPr>
+      <p:grpSpPr>
+        <a:xfrm>
+          <a:off x="0" y="0"/>
+          <a:ext cx="0" cy="0"/>
+          <a:chOff x="0" y="0"/>
+          <a:chExt cx="0" cy="0"/>
+        </a:xfrm>
+      </p:grpSpPr>
+    </p:spTree>
+    <p:extLst>
+      <p:ext uri="{BB962C8B-B14F-4D97-AF65-F5344CB8AC3E}">
+        <p14:creationId xmlns:p14="http://schemas.microsoft.com/office/powerpoint/2010/main" val="1392655612"/>
+      </p:ext>
+    </p:extLst>
+  </p:cSld>
+  <p:clrMapOvr>
+    <a:masterClrMapping/>
+  </p:clrMapOvr>
+</p:sld>
+</file>
+
+<file path=ppt/slides/slide26.xml><?xml version="1.0" encoding="utf-8"?>
+<p:sld xmlns:a="http://schemas.openxmlformats.org/drawingml/2006/main" xmlns:r="http://schemas.openxmlformats.org/officeDocument/2006/relationships" xmlns:p="http://schemas.openxmlformats.org/presentationml/2006/main">
+  <p:cSld>
+    <p:spTree>
+      <p:nvGrpSpPr>
+        <p:cNvPr id="1" name=""/>
+        <p:cNvGrpSpPr/>
+        <p:nvPr/>
+      </p:nvGrpSpPr>
+      <p:grpSpPr>
+        <a:xfrm>
+          <a:off x="0" y="0"/>
+          <a:ext cx="0" cy="0"/>
+          <a:chOff x="0" y="0"/>
+          <a:chExt cx="0" cy="0"/>
+        </a:xfrm>
+      </p:grpSpPr>
+    </p:spTree>
+    <p:extLst>
+      <p:ext uri="{BB962C8B-B14F-4D97-AF65-F5344CB8AC3E}">
+        <p14:creationId xmlns:p14="http://schemas.microsoft.com/office/powerpoint/2010/main" val="2715123566"/>
+      </p:ext>
+    </p:extLst>
+  </p:cSld>
+  <p:clrMapOvr>
+    <a:masterClrMapping/>
+  </p:clrMapOvr>
+</p:sld>
+</file>
+
+<file path=ppt/slides/slide27.xml><?xml version="1.0" encoding="utf-8"?>
+<p:sld xmlns:a="http://schemas.openxmlformats.org/drawingml/2006/main" xmlns:r="http://schemas.openxmlformats.org/officeDocument/2006/relationships" xmlns:p="http://schemas.openxmlformats.org/presentationml/2006/main">
+  <p:cSld>
+    <p:spTree>
+      <p:nvGrpSpPr>
+        <p:cNvPr id="1" name=""/>
+        <p:cNvGrpSpPr/>
+        <p:nvPr/>
+      </p:nvGrpSpPr>
+      <p:grpSpPr>
+        <a:xfrm>
+          <a:off x="0" y="0"/>
+          <a:ext cx="0" cy="0"/>
+          <a:chOff x="0" y="0"/>
+          <a:chExt cx="0" cy="0"/>
+        </a:xfrm>
+      </p:grpSpPr>
+    </p:spTree>
+    <p:extLst>
+      <p:ext uri="{BB962C8B-B14F-4D97-AF65-F5344CB8AC3E}">
+        <p14:creationId xmlns:p14="http://schemas.microsoft.com/office/powerpoint/2010/main" val="2854733306"/>
+      </p:ext>
+    </p:extLst>
+  </p:cSld>
+  <p:clrMapOvr>
+    <a:masterClrMapping/>
+  </p:clrMapOvr>
+</p:sld>
+</file>
+
+<file path=ppt/slides/slide28.xml><?xml version="1.0" encoding="utf-8"?>
+<p:sld xmlns:a="http://schemas.openxmlformats.org/drawingml/2006/main" xmlns:r="http://schemas.openxmlformats.org/officeDocument/2006/relationships" xmlns:p="http://schemas.openxmlformats.org/presentationml/2006/main">
+  <p:cSld>
+    <p:spTree>
+      <p:nvGrpSpPr>
+        <p:cNvPr id="1" name=""/>
+        <p:cNvGrpSpPr/>
+        <p:nvPr/>
+      </p:nvGrpSpPr>
+      <p:grpSpPr>
+        <a:xfrm>
+          <a:off x="0" y="0"/>
+          <a:ext cx="0" cy="0"/>
+          <a:chOff x="0" y="0"/>
+          <a:chExt cx="0" cy="0"/>
+        </a:xfrm>
+      </p:grpSpPr>
+    </p:spTree>
+    <p:extLst>
+      <p:ext uri="{BB962C8B-B14F-4D97-AF65-F5344CB8AC3E}">
+        <p14:creationId xmlns:p14="http://schemas.microsoft.com/office/powerpoint/2010/main" val="2944722425"/>
+      </p:ext>
+    </p:extLst>
+  </p:cSld>
+  <p:clrMapOvr>
+    <a:masterClrMapping/>
+  </p:clrMapOvr>
+</p:sld>
+</file>
+
+<file path=ppt/slides/slide29.xml><?xml version="1.0" encoding="utf-8"?>
+<p:sld xmlns:a="http://schemas.openxmlformats.org/drawingml/2006/main" xmlns:r="http://schemas.openxmlformats.org/officeDocument/2006/relationships" xmlns:p="http://schemas.openxmlformats.org/presentationml/2006/main">
+  <p:cSld>
+    <p:spTree>
+      <p:nvGrpSpPr>
+        <p:cNvPr id="1" name=""/>
+        <p:cNvGrpSpPr/>
+        <p:nvPr/>
+      </p:nvGrpSpPr>
+      <p:grpSpPr>
+        <a:xfrm>
+          <a:off x="0" y="0"/>
+          <a:ext cx="0" cy="0"/>
+          <a:chOff x="0" y="0"/>
+          <a:chExt cx="0" cy="0"/>
+        </a:xfrm>
+      </p:grpSpPr>
+    </p:spTree>
+    <p:extLst>
+      <p:ext uri="{BB962C8B-B14F-4D97-AF65-F5344CB8AC3E}">
+        <p14:creationId xmlns:p14="http://schemas.microsoft.com/office/powerpoint/2010/main" val="3696473251"/>
       </p:ext>
     </p:extLst>
   </p:cSld>
@@ -5344,6 +6482,126 @@
     <p:extLst>
       <p:ext uri="{BB962C8B-B14F-4D97-AF65-F5344CB8AC3E}">
         <p14:creationId xmlns:p14="http://schemas.microsoft.com/office/powerpoint/2010/main" val="3858551094"/>
+      </p:ext>
+    </p:extLst>
+  </p:cSld>
+  <p:clrMapOvr>
+    <a:masterClrMapping/>
+  </p:clrMapOvr>
+</p:sld>
+</file>
+
+<file path=ppt/slides/slide30.xml><?xml version="1.0" encoding="utf-8"?>
+<p:sld xmlns:a="http://schemas.openxmlformats.org/drawingml/2006/main" xmlns:r="http://schemas.openxmlformats.org/officeDocument/2006/relationships" xmlns:p="http://schemas.openxmlformats.org/presentationml/2006/main">
+  <p:cSld>
+    <p:spTree>
+      <p:nvGrpSpPr>
+        <p:cNvPr id="1" name=""/>
+        <p:cNvGrpSpPr/>
+        <p:nvPr/>
+      </p:nvGrpSpPr>
+      <p:grpSpPr>
+        <a:xfrm>
+          <a:off x="0" y="0"/>
+          <a:ext cx="0" cy="0"/>
+          <a:chOff x="0" y="0"/>
+          <a:chExt cx="0" cy="0"/>
+        </a:xfrm>
+      </p:grpSpPr>
+    </p:spTree>
+    <p:extLst>
+      <p:ext uri="{BB962C8B-B14F-4D97-AF65-F5344CB8AC3E}">
+        <p14:creationId xmlns:p14="http://schemas.microsoft.com/office/powerpoint/2010/main" val="569498021"/>
+      </p:ext>
+    </p:extLst>
+  </p:cSld>
+  <p:clrMapOvr>
+    <a:masterClrMapping/>
+  </p:clrMapOvr>
+</p:sld>
+</file>
+
+<file path=ppt/slides/slide31.xml><?xml version="1.0" encoding="utf-8"?>
+<p:sld xmlns:a="http://schemas.openxmlformats.org/drawingml/2006/main" xmlns:r="http://schemas.openxmlformats.org/officeDocument/2006/relationships" xmlns:p="http://schemas.openxmlformats.org/presentationml/2006/main">
+  <p:cSld>
+    <p:spTree>
+      <p:nvGrpSpPr>
+        <p:cNvPr id="1" name=""/>
+        <p:cNvGrpSpPr/>
+        <p:nvPr/>
+      </p:nvGrpSpPr>
+      <p:grpSpPr>
+        <a:xfrm>
+          <a:off x="0" y="0"/>
+          <a:ext cx="0" cy="0"/>
+          <a:chOff x="0" y="0"/>
+          <a:chExt cx="0" cy="0"/>
+        </a:xfrm>
+      </p:grpSpPr>
+    </p:spTree>
+    <p:extLst>
+      <p:ext uri="{BB962C8B-B14F-4D97-AF65-F5344CB8AC3E}">
+        <p14:creationId xmlns:p14="http://schemas.microsoft.com/office/powerpoint/2010/main" val="3801801843"/>
+      </p:ext>
+    </p:extLst>
+  </p:cSld>
+  <p:clrMapOvr>
+    <a:masterClrMapping/>
+  </p:clrMapOvr>
+</p:sld>
+</file>
+
+<file path=ppt/slides/slide32.xml><?xml version="1.0" encoding="utf-8"?>
+<p:sld xmlns:a="http://schemas.openxmlformats.org/drawingml/2006/main" xmlns:r="http://schemas.openxmlformats.org/officeDocument/2006/relationships" xmlns:p="http://schemas.openxmlformats.org/presentationml/2006/main">
+  <p:cSld>
+    <p:spTree>
+      <p:nvGrpSpPr>
+        <p:cNvPr id="1" name=""/>
+        <p:cNvGrpSpPr/>
+        <p:nvPr/>
+      </p:nvGrpSpPr>
+      <p:grpSpPr>
+        <a:xfrm>
+          <a:off x="0" y="0"/>
+          <a:ext cx="0" cy="0"/>
+          <a:chOff x="0" y="0"/>
+          <a:chExt cx="0" cy="0"/>
+        </a:xfrm>
+      </p:grpSpPr>
+    </p:spTree>
+    <p:extLst>
+      <p:ext uri="{BB962C8B-B14F-4D97-AF65-F5344CB8AC3E}">
+        <p14:creationId xmlns:p14="http://schemas.microsoft.com/office/powerpoint/2010/main" val="2539330772"/>
+      </p:ext>
+    </p:extLst>
+  </p:cSld>
+  <p:clrMapOvr>
+    <a:masterClrMapping/>
+  </p:clrMapOvr>
+</p:sld>
+</file>
+
+<file path=ppt/slides/slide33.xml><?xml version="1.0" encoding="utf-8"?>
+<p:sld xmlns:a="http://schemas.openxmlformats.org/drawingml/2006/main" xmlns:r="http://schemas.openxmlformats.org/officeDocument/2006/relationships" xmlns:p="http://schemas.openxmlformats.org/presentationml/2006/main">
+  <p:cSld>
+    <p:spTree>
+      <p:nvGrpSpPr>
+        <p:cNvPr id="1" name=""/>
+        <p:cNvGrpSpPr/>
+        <p:nvPr/>
+      </p:nvGrpSpPr>
+      <p:grpSpPr>
+        <a:xfrm>
+          <a:off x="0" y="0"/>
+          <a:ext cx="0" cy="0"/>
+          <a:chOff x="0" y="0"/>
+          <a:chExt cx="0" cy="0"/>
+        </a:xfrm>
+      </p:grpSpPr>
+    </p:spTree>
+    <p:extLst>
+      <p:ext uri="{BB962C8B-B14F-4D97-AF65-F5344CB8AC3E}">
+        <p14:creationId xmlns:p14="http://schemas.microsoft.com/office/powerpoint/2010/main" val="3940954608"/>
       </p:ext>
     </p:extLst>
   </p:cSld>

--- a/Spring-Springboot/스프링 프레임워크 학습자료.pptx
+++ b/Spring-Springboot/스프링 프레임워크 학습자료.pptx
@@ -5217,6 +5217,76 @@
           <a:chExt cx="0" cy="0"/>
         </a:xfrm>
       </p:grpSpPr>
+      <p:pic>
+        <p:nvPicPr>
+          <p:cNvPr id="2" name="그림 1"/>
+          <p:cNvPicPr>
+            <a:picLocks noChangeAspect="1"/>
+          </p:cNvPicPr>
+          <p:nvPr/>
+        </p:nvPicPr>
+        <p:blipFill>
+          <a:blip r:embed="rId2"/>
+          <a:stretch>
+            <a:fillRect/>
+          </a:stretch>
+        </p:blipFill>
+        <p:spPr>
+          <a:xfrm>
+            <a:off x="568195" y="1383827"/>
+            <a:ext cx="10341236" cy="3604572"/>
+          </a:xfrm>
+          <a:prstGeom prst="rect">
+            <a:avLst/>
+          </a:prstGeom>
+        </p:spPr>
+      </p:pic>
+      <p:sp>
+        <p:nvSpPr>
+          <p:cNvPr id="3" name="직사각형 2"/>
+          <p:cNvSpPr/>
+          <p:nvPr/>
+        </p:nvSpPr>
+        <p:spPr>
+          <a:xfrm>
+            <a:off x="2806832" y="2673022"/>
+            <a:ext cx="2831904" cy="208533"/>
+          </a:xfrm>
+          <a:prstGeom prst="rect">
+            <a:avLst/>
+          </a:prstGeom>
+          <a:noFill/>
+          <a:ln w="28575">
+            <a:solidFill>
+              <a:srgbClr val="FF0000"/>
+            </a:solidFill>
+          </a:ln>
+        </p:spPr>
+        <p:style>
+          <a:lnRef idx="2">
+            <a:schemeClr val="accent1">
+              <a:shade val="50000"/>
+            </a:schemeClr>
+          </a:lnRef>
+          <a:fillRef idx="1">
+            <a:schemeClr val="accent1"/>
+          </a:fillRef>
+          <a:effectRef idx="0">
+            <a:schemeClr val="accent1"/>
+          </a:effectRef>
+          <a:fontRef idx="minor">
+            <a:schemeClr val="lt1"/>
+          </a:fontRef>
+        </p:style>
+        <p:txBody>
+          <a:bodyPr rtlCol="0" anchor="ctr"/>
+          <a:lstStyle/>
+          <a:p>
+            <a:pPr algn="ctr"/>
+            <a:endParaRPr lang="ko-KR" altLang="en-US"/>
+          </a:p>
+        </p:txBody>
+      </p:sp>
     </p:spTree>
     <p:extLst>
       <p:ext uri="{BB962C8B-B14F-4D97-AF65-F5344CB8AC3E}">

--- a/Spring-Springboot/스프링 프레임워크 학습자료.pptx
+++ b/Spring-Springboot/스프링 프레임워크 학습자료.pptx
@@ -275,7 +275,7 @@
           <a:p>
             <a:fld id="{939B0B54-38C2-4878-9BDB-D65EE6D99877}" type="datetimeFigureOut">
               <a:rPr lang="ko-KR" altLang="en-US" smtClean="0"/>
-              <a:t>2020-02-02</a:t>
+              <a:t>2020-02-16</a:t>
             </a:fld>
             <a:endParaRPr lang="ko-KR" altLang="en-US"/>
           </a:p>
@@ -445,7 +445,7 @@
           <a:p>
             <a:fld id="{939B0B54-38C2-4878-9BDB-D65EE6D99877}" type="datetimeFigureOut">
               <a:rPr lang="ko-KR" altLang="en-US" smtClean="0"/>
-              <a:t>2020-02-02</a:t>
+              <a:t>2020-02-16</a:t>
             </a:fld>
             <a:endParaRPr lang="ko-KR" altLang="en-US"/>
           </a:p>
@@ -625,7 +625,7 @@
           <a:p>
             <a:fld id="{939B0B54-38C2-4878-9BDB-D65EE6D99877}" type="datetimeFigureOut">
               <a:rPr lang="ko-KR" altLang="en-US" smtClean="0"/>
-              <a:t>2020-02-02</a:t>
+              <a:t>2020-02-16</a:t>
             </a:fld>
             <a:endParaRPr lang="ko-KR" altLang="en-US"/>
           </a:p>
@@ -795,7 +795,7 @@
           <a:p>
             <a:fld id="{939B0B54-38C2-4878-9BDB-D65EE6D99877}" type="datetimeFigureOut">
               <a:rPr lang="ko-KR" altLang="en-US" smtClean="0"/>
-              <a:t>2020-02-02</a:t>
+              <a:t>2020-02-16</a:t>
             </a:fld>
             <a:endParaRPr lang="ko-KR" altLang="en-US"/>
           </a:p>
@@ -1041,7 +1041,7 @@
           <a:p>
             <a:fld id="{939B0B54-38C2-4878-9BDB-D65EE6D99877}" type="datetimeFigureOut">
               <a:rPr lang="ko-KR" altLang="en-US" smtClean="0"/>
-              <a:t>2020-02-02</a:t>
+              <a:t>2020-02-16</a:t>
             </a:fld>
             <a:endParaRPr lang="ko-KR" altLang="en-US"/>
           </a:p>
@@ -1273,7 +1273,7 @@
           <a:p>
             <a:fld id="{939B0B54-38C2-4878-9BDB-D65EE6D99877}" type="datetimeFigureOut">
               <a:rPr lang="ko-KR" altLang="en-US" smtClean="0"/>
-              <a:t>2020-02-02</a:t>
+              <a:t>2020-02-16</a:t>
             </a:fld>
             <a:endParaRPr lang="ko-KR" altLang="en-US"/>
           </a:p>
@@ -1640,7 +1640,7 @@
           <a:p>
             <a:fld id="{939B0B54-38C2-4878-9BDB-D65EE6D99877}" type="datetimeFigureOut">
               <a:rPr lang="ko-KR" altLang="en-US" smtClean="0"/>
-              <a:t>2020-02-02</a:t>
+              <a:t>2020-02-16</a:t>
             </a:fld>
             <a:endParaRPr lang="ko-KR" altLang="en-US"/>
           </a:p>
@@ -1758,7 +1758,7 @@
           <a:p>
             <a:fld id="{939B0B54-38C2-4878-9BDB-D65EE6D99877}" type="datetimeFigureOut">
               <a:rPr lang="ko-KR" altLang="en-US" smtClean="0"/>
-              <a:t>2020-02-02</a:t>
+              <a:t>2020-02-16</a:t>
             </a:fld>
             <a:endParaRPr lang="ko-KR" altLang="en-US"/>
           </a:p>
@@ -1853,7 +1853,7 @@
           <a:p>
             <a:fld id="{939B0B54-38C2-4878-9BDB-D65EE6D99877}" type="datetimeFigureOut">
               <a:rPr lang="ko-KR" altLang="en-US" smtClean="0"/>
-              <a:t>2020-02-02</a:t>
+              <a:t>2020-02-16</a:t>
             </a:fld>
             <a:endParaRPr lang="ko-KR" altLang="en-US"/>
           </a:p>
@@ -2130,7 +2130,7 @@
           <a:p>
             <a:fld id="{939B0B54-38C2-4878-9BDB-D65EE6D99877}" type="datetimeFigureOut">
               <a:rPr lang="ko-KR" altLang="en-US" smtClean="0"/>
-              <a:t>2020-02-02</a:t>
+              <a:t>2020-02-16</a:t>
             </a:fld>
             <a:endParaRPr lang="ko-KR" altLang="en-US"/>
           </a:p>
@@ -2383,7 +2383,7 @@
           <a:p>
             <a:fld id="{939B0B54-38C2-4878-9BDB-D65EE6D99877}" type="datetimeFigureOut">
               <a:rPr lang="ko-KR" altLang="en-US" smtClean="0"/>
-              <a:t>2020-02-02</a:t>
+              <a:t>2020-02-16</a:t>
             </a:fld>
             <a:endParaRPr lang="ko-KR" altLang="en-US"/>
           </a:p>
@@ -2596,7 +2596,7 @@
           <a:p>
             <a:fld id="{939B0B54-38C2-4878-9BDB-D65EE6D99877}" type="datetimeFigureOut">
               <a:rPr lang="ko-KR" altLang="en-US" smtClean="0"/>
-              <a:t>2020-02-02</a:t>
+              <a:t>2020-02-16</a:t>
             </a:fld>
             <a:endParaRPr lang="ko-KR" altLang="en-US"/>
           </a:p>
@@ -5233,7 +5233,7 @@
         </p:blipFill>
         <p:spPr>
           <a:xfrm>
-            <a:off x="568195" y="1383827"/>
+            <a:off x="82673" y="-218396"/>
             <a:ext cx="10341236" cy="3604572"/>
           </a:xfrm>
           <a:prstGeom prst="rect">
@@ -5249,7 +5249,7 @@
         </p:nvSpPr>
         <p:spPr>
           <a:xfrm>
-            <a:off x="2806832" y="2673022"/>
+            <a:off x="2321310" y="1070799"/>
             <a:ext cx="2831904" cy="208533"/>
           </a:xfrm>
           <a:prstGeom prst="rect">
@@ -5287,6 +5287,54 @@
           </a:p>
         </p:txBody>
       </p:sp>
+      <p:pic>
+        <p:nvPicPr>
+          <p:cNvPr id="4" name="그림 3"/>
+          <p:cNvPicPr>
+            <a:picLocks noChangeAspect="1"/>
+          </p:cNvPicPr>
+          <p:nvPr/>
+        </p:nvPicPr>
+        <p:blipFill>
+          <a:blip r:embed="rId3"/>
+          <a:stretch>
+            <a:fillRect/>
+          </a:stretch>
+        </p:blipFill>
+        <p:spPr>
+          <a:xfrm>
+            <a:off x="858495" y="4007549"/>
+            <a:ext cx="4486901" cy="2257740"/>
+          </a:xfrm>
+          <a:prstGeom prst="rect">
+            <a:avLst/>
+          </a:prstGeom>
+        </p:spPr>
+      </p:pic>
+      <p:pic>
+        <p:nvPicPr>
+          <p:cNvPr id="5" name="그림 4"/>
+          <p:cNvPicPr>
+            <a:picLocks noChangeAspect="1"/>
+          </p:cNvPicPr>
+          <p:nvPr/>
+        </p:nvPicPr>
+        <p:blipFill>
+          <a:blip r:embed="rId4"/>
+          <a:stretch>
+            <a:fillRect/>
+          </a:stretch>
+        </p:blipFill>
+        <p:spPr>
+          <a:xfrm>
+            <a:off x="5965078" y="4007549"/>
+            <a:ext cx="4814024" cy="2257740"/>
+          </a:xfrm>
+          <a:prstGeom prst="rect">
+            <a:avLst/>
+          </a:prstGeom>
+        </p:spPr>
+      </p:pic>
     </p:spTree>
     <p:extLst>
       <p:ext uri="{BB962C8B-B14F-4D97-AF65-F5344CB8AC3E}">
@@ -5894,6 +5942,275 @@
           <a:chExt cx="0" cy="0"/>
         </a:xfrm>
       </p:grpSpPr>
+      <p:pic>
+        <p:nvPicPr>
+          <p:cNvPr id="2" name="그림 1"/>
+          <p:cNvPicPr>
+            <a:picLocks noChangeAspect="1"/>
+          </p:cNvPicPr>
+          <p:nvPr/>
+        </p:nvPicPr>
+        <p:blipFill>
+          <a:blip r:embed="rId2"/>
+          <a:stretch>
+            <a:fillRect/>
+          </a:stretch>
+        </p:blipFill>
+        <p:spPr>
+          <a:xfrm>
+            <a:off x="-139619" y="0"/>
+            <a:ext cx="2857899" cy="2486372"/>
+          </a:xfrm>
+          <a:prstGeom prst="rect">
+            <a:avLst/>
+          </a:prstGeom>
+        </p:spPr>
+      </p:pic>
+      <p:sp>
+        <p:nvSpPr>
+          <p:cNvPr id="3" name="직사각형 2"/>
+          <p:cNvSpPr/>
+          <p:nvPr/>
+        </p:nvSpPr>
+        <p:spPr>
+          <a:xfrm>
+            <a:off x="1131321" y="1724209"/>
+            <a:ext cx="544190" cy="201813"/>
+          </a:xfrm>
+          <a:prstGeom prst="rect">
+            <a:avLst/>
+          </a:prstGeom>
+          <a:noFill/>
+          <a:ln w="28575">
+            <a:solidFill>
+              <a:srgbClr val="FF0000"/>
+            </a:solidFill>
+          </a:ln>
+        </p:spPr>
+        <p:style>
+          <a:lnRef idx="2">
+            <a:schemeClr val="accent1">
+              <a:shade val="50000"/>
+            </a:schemeClr>
+          </a:lnRef>
+          <a:fillRef idx="1">
+            <a:schemeClr val="accent1"/>
+          </a:fillRef>
+          <a:effectRef idx="0">
+            <a:schemeClr val="accent1"/>
+          </a:effectRef>
+          <a:fontRef idx="minor">
+            <a:schemeClr val="lt1"/>
+          </a:fontRef>
+        </p:style>
+        <p:txBody>
+          <a:bodyPr rtlCol="0" anchor="ctr"/>
+          <a:lstStyle/>
+          <a:p>
+            <a:pPr algn="ctr"/>
+            <a:endParaRPr lang="ko-KR" altLang="en-US"/>
+          </a:p>
+        </p:txBody>
+      </p:sp>
+      <p:sp>
+        <p:nvSpPr>
+          <p:cNvPr id="4" name="직사각형 3"/>
+          <p:cNvSpPr/>
+          <p:nvPr/>
+        </p:nvSpPr>
+        <p:spPr>
+          <a:xfrm>
+            <a:off x="1133788" y="1981805"/>
+            <a:ext cx="876424" cy="201813"/>
+          </a:xfrm>
+          <a:prstGeom prst="rect">
+            <a:avLst/>
+          </a:prstGeom>
+          <a:noFill/>
+          <a:ln w="28575">
+            <a:solidFill>
+              <a:srgbClr val="FF0000"/>
+            </a:solidFill>
+          </a:ln>
+        </p:spPr>
+        <p:style>
+          <a:lnRef idx="2">
+            <a:schemeClr val="accent1">
+              <a:shade val="50000"/>
+            </a:schemeClr>
+          </a:lnRef>
+          <a:fillRef idx="1">
+            <a:schemeClr val="accent1"/>
+          </a:fillRef>
+          <a:effectRef idx="0">
+            <a:schemeClr val="accent1"/>
+          </a:effectRef>
+          <a:fontRef idx="minor">
+            <a:schemeClr val="lt1"/>
+          </a:fontRef>
+        </p:style>
+        <p:txBody>
+          <a:bodyPr rtlCol="0" anchor="ctr"/>
+          <a:lstStyle/>
+          <a:p>
+            <a:pPr algn="ctr"/>
+            <a:endParaRPr lang="ko-KR" altLang="en-US"/>
+          </a:p>
+        </p:txBody>
+      </p:sp>
+      <p:sp>
+        <p:nvSpPr>
+          <p:cNvPr id="6" name="직사각형 5"/>
+          <p:cNvSpPr/>
+          <p:nvPr/>
+        </p:nvSpPr>
+        <p:spPr>
+          <a:xfrm>
+            <a:off x="1129973" y="2240749"/>
+            <a:ext cx="544190" cy="201813"/>
+          </a:xfrm>
+          <a:prstGeom prst="rect">
+            <a:avLst/>
+          </a:prstGeom>
+          <a:noFill/>
+          <a:ln w="28575">
+            <a:solidFill>
+              <a:srgbClr val="FF0000"/>
+            </a:solidFill>
+          </a:ln>
+        </p:spPr>
+        <p:style>
+          <a:lnRef idx="2">
+            <a:schemeClr val="accent1">
+              <a:shade val="50000"/>
+            </a:schemeClr>
+          </a:lnRef>
+          <a:fillRef idx="1">
+            <a:schemeClr val="accent1"/>
+          </a:fillRef>
+          <a:effectRef idx="0">
+            <a:schemeClr val="accent1"/>
+          </a:effectRef>
+          <a:fontRef idx="minor">
+            <a:schemeClr val="lt1"/>
+          </a:fontRef>
+        </p:style>
+        <p:txBody>
+          <a:bodyPr rtlCol="0" anchor="ctr"/>
+          <a:lstStyle/>
+          <a:p>
+            <a:pPr algn="ctr"/>
+            <a:endParaRPr lang="ko-KR" altLang="en-US"/>
+          </a:p>
+        </p:txBody>
+      </p:sp>
+      <p:pic>
+        <p:nvPicPr>
+          <p:cNvPr id="7" name="그림 6"/>
+          <p:cNvPicPr>
+            <a:picLocks noChangeAspect="1"/>
+          </p:cNvPicPr>
+          <p:nvPr/>
+        </p:nvPicPr>
+        <p:blipFill>
+          <a:blip r:embed="rId3"/>
+          <a:stretch>
+            <a:fillRect/>
+          </a:stretch>
+        </p:blipFill>
+        <p:spPr>
+          <a:xfrm>
+            <a:off x="3987872" y="0"/>
+            <a:ext cx="4027429" cy="3238799"/>
+          </a:xfrm>
+          <a:prstGeom prst="rect">
+            <a:avLst/>
+          </a:prstGeom>
+        </p:spPr>
+      </p:pic>
+      <p:pic>
+        <p:nvPicPr>
+          <p:cNvPr id="8" name="그림 7"/>
+          <p:cNvPicPr>
+            <a:picLocks noChangeAspect="1"/>
+          </p:cNvPicPr>
+          <p:nvPr/>
+        </p:nvPicPr>
+        <p:blipFill>
+          <a:blip r:embed="rId4"/>
+          <a:stretch>
+            <a:fillRect/>
+          </a:stretch>
+        </p:blipFill>
+        <p:spPr>
+          <a:xfrm>
+            <a:off x="702477" y="3907827"/>
+            <a:ext cx="1943371" cy="1238423"/>
+          </a:xfrm>
+          <a:prstGeom prst="rect">
+            <a:avLst/>
+          </a:prstGeom>
+        </p:spPr>
+      </p:pic>
+      <p:pic>
+        <p:nvPicPr>
+          <p:cNvPr id="9" name="그림 8"/>
+          <p:cNvPicPr>
+            <a:picLocks noChangeAspect="1"/>
+          </p:cNvPicPr>
+          <p:nvPr/>
+        </p:nvPicPr>
+        <p:blipFill>
+          <a:blip r:embed="rId5"/>
+          <a:stretch>
+            <a:fillRect/>
+          </a:stretch>
+        </p:blipFill>
+        <p:spPr>
+          <a:xfrm>
+            <a:off x="3266701" y="3907827"/>
+            <a:ext cx="4153480" cy="657317"/>
+          </a:xfrm>
+          <a:prstGeom prst="rect">
+            <a:avLst/>
+          </a:prstGeom>
+        </p:spPr>
+      </p:pic>
+      <p:cxnSp>
+        <p:nvCxnSpPr>
+          <p:cNvPr id="10" name="직선 연결선 9"/>
+          <p:cNvCxnSpPr/>
+          <p:nvPr/>
+        </p:nvCxnSpPr>
+        <p:spPr>
+          <a:xfrm>
+            <a:off x="4136473" y="4223536"/>
+            <a:ext cx="3110716" cy="0"/>
+          </a:xfrm>
+          <a:prstGeom prst="line">
+            <a:avLst/>
+          </a:prstGeom>
+          <a:ln w="28575">
+            <a:solidFill>
+              <a:srgbClr val="FF0000"/>
+            </a:solidFill>
+          </a:ln>
+        </p:spPr>
+        <p:style>
+          <a:lnRef idx="1">
+            <a:schemeClr val="accent1"/>
+          </a:lnRef>
+          <a:fillRef idx="0">
+            <a:schemeClr val="accent1"/>
+          </a:fillRef>
+          <a:effectRef idx="0">
+            <a:schemeClr val="accent1"/>
+          </a:effectRef>
+          <a:fontRef idx="minor">
+            <a:schemeClr val="tx1"/>
+          </a:fontRef>
+        </p:style>
+      </p:cxnSp>
     </p:spTree>
     <p:extLst>
       <p:ext uri="{BB962C8B-B14F-4D97-AF65-F5344CB8AC3E}">
@@ -5924,6 +6241,264 @@
           <a:chExt cx="0" cy="0"/>
         </a:xfrm>
       </p:grpSpPr>
+      <p:pic>
+        <p:nvPicPr>
+          <p:cNvPr id="2" name="그림 1"/>
+          <p:cNvPicPr>
+            <a:picLocks noChangeAspect="1"/>
+          </p:cNvPicPr>
+          <p:nvPr/>
+        </p:nvPicPr>
+        <p:blipFill>
+          <a:blip r:embed="rId2"/>
+          <a:stretch>
+            <a:fillRect/>
+          </a:stretch>
+        </p:blipFill>
+        <p:spPr>
+          <a:xfrm>
+            <a:off x="0" y="0"/>
+            <a:ext cx="4101398" cy="2245046"/>
+          </a:xfrm>
+          <a:prstGeom prst="rect">
+            <a:avLst/>
+          </a:prstGeom>
+        </p:spPr>
+      </p:pic>
+      <p:pic>
+        <p:nvPicPr>
+          <p:cNvPr id="3" name="그림 2"/>
+          <p:cNvPicPr>
+            <a:picLocks noChangeAspect="1"/>
+          </p:cNvPicPr>
+          <p:nvPr/>
+        </p:nvPicPr>
+        <p:blipFill>
+          <a:blip r:embed="rId3"/>
+          <a:stretch>
+            <a:fillRect/>
+          </a:stretch>
+        </p:blipFill>
+        <p:spPr>
+          <a:xfrm>
+            <a:off x="4505999" y="1880026"/>
+            <a:ext cx="4601217" cy="1857634"/>
+          </a:xfrm>
+          <a:prstGeom prst="rect">
+            <a:avLst/>
+          </a:prstGeom>
+        </p:spPr>
+      </p:pic>
+      <p:pic>
+        <p:nvPicPr>
+          <p:cNvPr id="4" name="그림 3"/>
+          <p:cNvPicPr>
+            <a:picLocks noChangeAspect="1"/>
+          </p:cNvPicPr>
+          <p:nvPr/>
+        </p:nvPicPr>
+        <p:blipFill>
+          <a:blip r:embed="rId4"/>
+          <a:stretch>
+            <a:fillRect/>
+          </a:stretch>
+        </p:blipFill>
+        <p:spPr>
+          <a:xfrm>
+            <a:off x="4505999" y="0"/>
+            <a:ext cx="5420481" cy="1667108"/>
+          </a:xfrm>
+          <a:prstGeom prst="rect">
+            <a:avLst/>
+          </a:prstGeom>
+        </p:spPr>
+      </p:pic>
+      <p:sp>
+        <p:nvSpPr>
+          <p:cNvPr id="5" name="직사각형 4"/>
+          <p:cNvSpPr/>
+          <p:nvPr/>
+        </p:nvSpPr>
+        <p:spPr>
+          <a:xfrm>
+            <a:off x="709271" y="653821"/>
+            <a:ext cx="658470" cy="166787"/>
+          </a:xfrm>
+          <a:prstGeom prst="rect">
+            <a:avLst/>
+          </a:prstGeom>
+          <a:noFill/>
+          <a:ln w="28575">
+            <a:solidFill>
+              <a:srgbClr val="FF0000"/>
+            </a:solidFill>
+          </a:ln>
+        </p:spPr>
+        <p:style>
+          <a:lnRef idx="2">
+            <a:schemeClr val="accent1">
+              <a:shade val="50000"/>
+            </a:schemeClr>
+          </a:lnRef>
+          <a:fillRef idx="1">
+            <a:schemeClr val="accent1"/>
+          </a:fillRef>
+          <a:effectRef idx="0">
+            <a:schemeClr val="accent1"/>
+          </a:effectRef>
+          <a:fontRef idx="minor">
+            <a:schemeClr val="lt1"/>
+          </a:fontRef>
+        </p:style>
+        <p:txBody>
+          <a:bodyPr rtlCol="0" anchor="ctr"/>
+          <a:lstStyle/>
+          <a:p>
+            <a:pPr algn="ctr"/>
+            <a:endParaRPr lang="ko-KR" altLang="en-US"/>
+          </a:p>
+        </p:txBody>
+      </p:sp>
+      <p:sp>
+        <p:nvSpPr>
+          <p:cNvPr id="6" name="직사각형 5"/>
+          <p:cNvSpPr/>
+          <p:nvPr/>
+        </p:nvSpPr>
+        <p:spPr>
+          <a:xfrm>
+            <a:off x="5519013" y="15429"/>
+            <a:ext cx="408858" cy="183466"/>
+          </a:xfrm>
+          <a:prstGeom prst="rect">
+            <a:avLst/>
+          </a:prstGeom>
+          <a:noFill/>
+          <a:ln w="28575">
+            <a:solidFill>
+              <a:srgbClr val="FF0000"/>
+            </a:solidFill>
+          </a:ln>
+        </p:spPr>
+        <p:style>
+          <a:lnRef idx="2">
+            <a:schemeClr val="accent1">
+              <a:shade val="50000"/>
+            </a:schemeClr>
+          </a:lnRef>
+          <a:fillRef idx="1">
+            <a:schemeClr val="accent1"/>
+          </a:fillRef>
+          <a:effectRef idx="0">
+            <a:schemeClr val="accent1"/>
+          </a:effectRef>
+          <a:fontRef idx="minor">
+            <a:schemeClr val="lt1"/>
+          </a:fontRef>
+        </p:style>
+        <p:txBody>
+          <a:bodyPr rtlCol="0" anchor="ctr"/>
+          <a:lstStyle/>
+          <a:p>
+            <a:pPr algn="ctr"/>
+            <a:endParaRPr lang="ko-KR" altLang="en-US"/>
+          </a:p>
+        </p:txBody>
+      </p:sp>
+      <p:sp>
+        <p:nvSpPr>
+          <p:cNvPr id="7" name="직사각형 6"/>
+          <p:cNvSpPr/>
+          <p:nvPr/>
+        </p:nvSpPr>
+        <p:spPr>
+          <a:xfrm>
+            <a:off x="5459293" y="1788293"/>
+            <a:ext cx="408858" cy="183466"/>
+          </a:xfrm>
+          <a:prstGeom prst="rect">
+            <a:avLst/>
+          </a:prstGeom>
+          <a:noFill/>
+          <a:ln w="28575">
+            <a:solidFill>
+              <a:srgbClr val="FF0000"/>
+            </a:solidFill>
+          </a:ln>
+        </p:spPr>
+        <p:style>
+          <a:lnRef idx="2">
+            <a:schemeClr val="accent1">
+              <a:shade val="50000"/>
+            </a:schemeClr>
+          </a:lnRef>
+          <a:fillRef idx="1">
+            <a:schemeClr val="accent1"/>
+          </a:fillRef>
+          <a:effectRef idx="0">
+            <a:schemeClr val="accent1"/>
+          </a:effectRef>
+          <a:fontRef idx="minor">
+            <a:schemeClr val="lt1"/>
+          </a:fontRef>
+        </p:style>
+        <p:txBody>
+          <a:bodyPr rtlCol="0" anchor="ctr"/>
+          <a:lstStyle/>
+          <a:p>
+            <a:pPr algn="ctr"/>
+            <a:endParaRPr lang="ko-KR" altLang="en-US"/>
+          </a:p>
+        </p:txBody>
+      </p:sp>
+      <p:pic>
+        <p:nvPicPr>
+          <p:cNvPr id="8" name="그림 7"/>
+          <p:cNvPicPr>
+            <a:picLocks noChangeAspect="1"/>
+          </p:cNvPicPr>
+          <p:nvPr/>
+        </p:nvPicPr>
+        <p:blipFill>
+          <a:blip r:embed="rId5"/>
+          <a:stretch>
+            <a:fillRect/>
+          </a:stretch>
+        </p:blipFill>
+        <p:spPr>
+          <a:xfrm>
+            <a:off x="811810" y="2931942"/>
+            <a:ext cx="2829320" cy="590632"/>
+          </a:xfrm>
+          <a:prstGeom prst="rect">
+            <a:avLst/>
+          </a:prstGeom>
+        </p:spPr>
+      </p:pic>
+      <p:pic>
+        <p:nvPicPr>
+          <p:cNvPr id="9" name="그림 8"/>
+          <p:cNvPicPr>
+            <a:picLocks noChangeAspect="1"/>
+          </p:cNvPicPr>
+          <p:nvPr/>
+        </p:nvPicPr>
+        <p:blipFill>
+          <a:blip r:embed="rId6"/>
+          <a:stretch>
+            <a:fillRect/>
+          </a:stretch>
+        </p:blipFill>
+        <p:spPr>
+          <a:xfrm>
+            <a:off x="811810" y="2507520"/>
+            <a:ext cx="10374173" cy="457264"/>
+          </a:xfrm>
+          <a:prstGeom prst="rect">
+            <a:avLst/>
+          </a:prstGeom>
+        </p:spPr>
+      </p:pic>
     </p:spTree>
     <p:extLst>
       <p:ext uri="{BB962C8B-B14F-4D97-AF65-F5344CB8AC3E}">

--- a/Spring-Springboot/스프링 프레임워크 학습자료.pptx
+++ b/Spring-Springboot/스프링 프레임워크 학습자료.pptx
@@ -275,7 +275,7 @@
           <a:p>
             <a:fld id="{939B0B54-38C2-4878-9BDB-D65EE6D99877}" type="datetimeFigureOut">
               <a:rPr lang="ko-KR" altLang="en-US" smtClean="0"/>
-              <a:t>2020-02-16</a:t>
+              <a:t>2020-02-17</a:t>
             </a:fld>
             <a:endParaRPr lang="ko-KR" altLang="en-US"/>
           </a:p>
@@ -445,7 +445,7 @@
           <a:p>
             <a:fld id="{939B0B54-38C2-4878-9BDB-D65EE6D99877}" type="datetimeFigureOut">
               <a:rPr lang="ko-KR" altLang="en-US" smtClean="0"/>
-              <a:t>2020-02-16</a:t>
+              <a:t>2020-02-17</a:t>
             </a:fld>
             <a:endParaRPr lang="ko-KR" altLang="en-US"/>
           </a:p>
@@ -625,7 +625,7 @@
           <a:p>
             <a:fld id="{939B0B54-38C2-4878-9BDB-D65EE6D99877}" type="datetimeFigureOut">
               <a:rPr lang="ko-KR" altLang="en-US" smtClean="0"/>
-              <a:t>2020-02-16</a:t>
+              <a:t>2020-02-17</a:t>
             </a:fld>
             <a:endParaRPr lang="ko-KR" altLang="en-US"/>
           </a:p>
@@ -795,7 +795,7 @@
           <a:p>
             <a:fld id="{939B0B54-38C2-4878-9BDB-D65EE6D99877}" type="datetimeFigureOut">
               <a:rPr lang="ko-KR" altLang="en-US" smtClean="0"/>
-              <a:t>2020-02-16</a:t>
+              <a:t>2020-02-17</a:t>
             </a:fld>
             <a:endParaRPr lang="ko-KR" altLang="en-US"/>
           </a:p>
@@ -1041,7 +1041,7 @@
           <a:p>
             <a:fld id="{939B0B54-38C2-4878-9BDB-D65EE6D99877}" type="datetimeFigureOut">
               <a:rPr lang="ko-KR" altLang="en-US" smtClean="0"/>
-              <a:t>2020-02-16</a:t>
+              <a:t>2020-02-17</a:t>
             </a:fld>
             <a:endParaRPr lang="ko-KR" altLang="en-US"/>
           </a:p>
@@ -1273,7 +1273,7 @@
           <a:p>
             <a:fld id="{939B0B54-38C2-4878-9BDB-D65EE6D99877}" type="datetimeFigureOut">
               <a:rPr lang="ko-KR" altLang="en-US" smtClean="0"/>
-              <a:t>2020-02-16</a:t>
+              <a:t>2020-02-17</a:t>
             </a:fld>
             <a:endParaRPr lang="ko-KR" altLang="en-US"/>
           </a:p>
@@ -1640,7 +1640,7 @@
           <a:p>
             <a:fld id="{939B0B54-38C2-4878-9BDB-D65EE6D99877}" type="datetimeFigureOut">
               <a:rPr lang="ko-KR" altLang="en-US" smtClean="0"/>
-              <a:t>2020-02-16</a:t>
+              <a:t>2020-02-17</a:t>
             </a:fld>
             <a:endParaRPr lang="ko-KR" altLang="en-US"/>
           </a:p>
@@ -1758,7 +1758,7 @@
           <a:p>
             <a:fld id="{939B0B54-38C2-4878-9BDB-D65EE6D99877}" type="datetimeFigureOut">
               <a:rPr lang="ko-KR" altLang="en-US" smtClean="0"/>
-              <a:t>2020-02-16</a:t>
+              <a:t>2020-02-17</a:t>
             </a:fld>
             <a:endParaRPr lang="ko-KR" altLang="en-US"/>
           </a:p>
@@ -1853,7 +1853,7 @@
           <a:p>
             <a:fld id="{939B0B54-38C2-4878-9BDB-D65EE6D99877}" type="datetimeFigureOut">
               <a:rPr lang="ko-KR" altLang="en-US" smtClean="0"/>
-              <a:t>2020-02-16</a:t>
+              <a:t>2020-02-17</a:t>
             </a:fld>
             <a:endParaRPr lang="ko-KR" altLang="en-US"/>
           </a:p>
@@ -2130,7 +2130,7 @@
           <a:p>
             <a:fld id="{939B0B54-38C2-4878-9BDB-D65EE6D99877}" type="datetimeFigureOut">
               <a:rPr lang="ko-KR" altLang="en-US" smtClean="0"/>
-              <a:t>2020-02-16</a:t>
+              <a:t>2020-02-17</a:t>
             </a:fld>
             <a:endParaRPr lang="ko-KR" altLang="en-US"/>
           </a:p>
@@ -2383,7 +2383,7 @@
           <a:p>
             <a:fld id="{939B0B54-38C2-4878-9BDB-D65EE6D99877}" type="datetimeFigureOut">
               <a:rPr lang="ko-KR" altLang="en-US" smtClean="0"/>
-              <a:t>2020-02-16</a:t>
+              <a:t>2020-02-17</a:t>
             </a:fld>
             <a:endParaRPr lang="ko-KR" altLang="en-US"/>
           </a:p>
@@ -2596,7 +2596,7 @@
           <a:p>
             <a:fld id="{939B0B54-38C2-4878-9BDB-D65EE6D99877}" type="datetimeFigureOut">
               <a:rPr lang="ko-KR" altLang="en-US" smtClean="0"/>
-              <a:t>2020-02-16</a:t>
+              <a:t>2020-02-17</a:t>
             </a:fld>
             <a:endParaRPr lang="ko-KR" altLang="en-US"/>
           </a:p>
@@ -5974,7 +5974,7 @@
         </p:nvSpPr>
         <p:spPr>
           <a:xfrm>
-            <a:off x="1131321" y="1724209"/>
+            <a:off x="1131321" y="3714841"/>
             <a:ext cx="544190" cy="201813"/>
           </a:xfrm>
           <a:prstGeom prst="rect">
@@ -6120,7 +6120,7 @@
         </p:blipFill>
         <p:spPr>
           <a:xfrm>
-            <a:off x="3987872" y="0"/>
+            <a:off x="2718280" y="-123364"/>
             <a:ext cx="4027429" cy="3238799"/>
           </a:xfrm>
           <a:prstGeom prst="rect">
@@ -6144,7 +6144,7 @@
         </p:blipFill>
         <p:spPr>
           <a:xfrm>
-            <a:off x="702477" y="3907827"/>
+            <a:off x="158287" y="2542155"/>
             <a:ext cx="1943371" cy="1238423"/>
           </a:xfrm>
           <a:prstGeom prst="rect">
@@ -6168,7 +6168,7 @@
         </p:blipFill>
         <p:spPr>
           <a:xfrm>
-            <a:off x="3266701" y="3907827"/>
+            <a:off x="-285702" y="914220"/>
             <a:ext cx="4153480" cy="657317"/>
           </a:xfrm>
           <a:prstGeom prst="rect">
@@ -6184,7 +6184,7 @@
         </p:nvCxnSpPr>
         <p:spPr>
           <a:xfrm>
-            <a:off x="4136473" y="4223536"/>
+            <a:off x="-179495" y="1091919"/>
             <a:ext cx="3110716" cy="0"/>
           </a:xfrm>
           <a:prstGeom prst="line">
@@ -6211,6 +6211,309 @@
           </a:fontRef>
         </p:style>
       </p:cxnSp>
+      <p:pic>
+        <p:nvPicPr>
+          <p:cNvPr id="5" name="그림 4"/>
+          <p:cNvPicPr>
+            <a:picLocks noChangeAspect="1"/>
+          </p:cNvPicPr>
+          <p:nvPr/>
+        </p:nvPicPr>
+        <p:blipFill>
+          <a:blip r:embed="rId6"/>
+          <a:stretch>
+            <a:fillRect/>
+          </a:stretch>
+        </p:blipFill>
+        <p:spPr>
+          <a:xfrm>
+            <a:off x="322777" y="583181"/>
+            <a:ext cx="5296639" cy="1086002"/>
+          </a:xfrm>
+          <a:prstGeom prst="rect">
+            <a:avLst/>
+          </a:prstGeom>
+        </p:spPr>
+      </p:pic>
+      <p:cxnSp>
+        <p:nvCxnSpPr>
+          <p:cNvPr id="11" name="직선 연결선 10"/>
+          <p:cNvCxnSpPr/>
+          <p:nvPr/>
+        </p:nvCxnSpPr>
+        <p:spPr>
+          <a:xfrm>
+            <a:off x="-27095" y="1244319"/>
+            <a:ext cx="3110716" cy="0"/>
+          </a:xfrm>
+          <a:prstGeom prst="line">
+            <a:avLst/>
+          </a:prstGeom>
+          <a:ln w="28575">
+            <a:solidFill>
+              <a:srgbClr val="FF0000"/>
+            </a:solidFill>
+          </a:ln>
+        </p:spPr>
+        <p:style>
+          <a:lnRef idx="1">
+            <a:schemeClr val="accent1"/>
+          </a:lnRef>
+          <a:fillRef idx="0">
+            <a:schemeClr val="accent1"/>
+          </a:fillRef>
+          <a:effectRef idx="0">
+            <a:schemeClr val="accent1"/>
+          </a:effectRef>
+          <a:fontRef idx="minor">
+            <a:schemeClr val="tx1"/>
+          </a:fontRef>
+        </p:style>
+      </p:cxnSp>
+      <p:sp>
+        <p:nvSpPr>
+          <p:cNvPr id="12" name="직사각형 11"/>
+          <p:cNvSpPr/>
+          <p:nvPr/>
+        </p:nvSpPr>
+        <p:spPr>
+          <a:xfrm>
+            <a:off x="473038" y="562049"/>
+            <a:ext cx="3025652" cy="221994"/>
+          </a:xfrm>
+          <a:prstGeom prst="rect">
+            <a:avLst/>
+          </a:prstGeom>
+          <a:noFill/>
+          <a:ln w="28575">
+            <a:solidFill>
+              <a:srgbClr val="FF0000"/>
+            </a:solidFill>
+          </a:ln>
+        </p:spPr>
+        <p:style>
+          <a:lnRef idx="2">
+            <a:schemeClr val="accent1">
+              <a:shade val="50000"/>
+            </a:schemeClr>
+          </a:lnRef>
+          <a:fillRef idx="1">
+            <a:schemeClr val="accent1"/>
+          </a:fillRef>
+          <a:effectRef idx="0">
+            <a:schemeClr val="accent1"/>
+          </a:effectRef>
+          <a:fontRef idx="minor">
+            <a:schemeClr val="lt1"/>
+          </a:fontRef>
+        </p:style>
+        <p:txBody>
+          <a:bodyPr rtlCol="0" anchor="ctr"/>
+          <a:lstStyle/>
+          <a:p>
+            <a:pPr algn="ctr"/>
+            <a:endParaRPr lang="ko-KR" altLang="en-US"/>
+          </a:p>
+        </p:txBody>
+      </p:sp>
+      <p:pic>
+        <p:nvPicPr>
+          <p:cNvPr id="13" name="그림 12"/>
+          <p:cNvPicPr>
+            <a:picLocks noChangeAspect="1"/>
+          </p:cNvPicPr>
+          <p:nvPr/>
+        </p:nvPicPr>
+        <p:blipFill>
+          <a:blip r:embed="rId7"/>
+          <a:stretch>
+            <a:fillRect/>
+          </a:stretch>
+        </p:blipFill>
+        <p:spPr>
+          <a:xfrm>
+            <a:off x="6151164" y="4204059"/>
+            <a:ext cx="2591162" cy="1247949"/>
+          </a:xfrm>
+          <a:prstGeom prst="rect">
+            <a:avLst/>
+          </a:prstGeom>
+        </p:spPr>
+      </p:pic>
+      <p:pic>
+        <p:nvPicPr>
+          <p:cNvPr id="14" name="그림 13"/>
+          <p:cNvPicPr>
+            <a:picLocks noChangeAspect="1"/>
+          </p:cNvPicPr>
+          <p:nvPr/>
+        </p:nvPicPr>
+        <p:blipFill>
+          <a:blip r:embed="rId8"/>
+          <a:stretch>
+            <a:fillRect/>
+          </a:stretch>
+        </p:blipFill>
+        <p:spPr>
+          <a:xfrm>
+            <a:off x="82827" y="4199296"/>
+            <a:ext cx="6001588" cy="2505425"/>
+          </a:xfrm>
+          <a:prstGeom prst="rect">
+            <a:avLst/>
+          </a:prstGeom>
+        </p:spPr>
+      </p:pic>
+      <p:pic>
+        <p:nvPicPr>
+          <p:cNvPr id="15" name="그림 14"/>
+          <p:cNvPicPr>
+            <a:picLocks noChangeAspect="1"/>
+          </p:cNvPicPr>
+          <p:nvPr/>
+        </p:nvPicPr>
+        <p:blipFill>
+          <a:blip r:embed="rId9"/>
+          <a:stretch>
+            <a:fillRect/>
+          </a:stretch>
+        </p:blipFill>
+        <p:spPr>
+          <a:xfrm>
+            <a:off x="7041703" y="5818772"/>
+            <a:ext cx="1000265" cy="885949"/>
+          </a:xfrm>
+          <a:prstGeom prst="rect">
+            <a:avLst/>
+          </a:prstGeom>
+        </p:spPr>
+      </p:pic>
+      <p:sp>
+        <p:nvSpPr>
+          <p:cNvPr id="16" name="TextBox 15"/>
+          <p:cNvSpPr txBox="1"/>
+          <p:nvPr/>
+        </p:nvSpPr>
+        <p:spPr>
+          <a:xfrm>
+            <a:off x="6132492" y="6077080"/>
+            <a:ext cx="861133" cy="369332"/>
+          </a:xfrm>
+          <a:prstGeom prst="rect">
+            <a:avLst/>
+          </a:prstGeom>
+          <a:noFill/>
+        </p:spPr>
+        <p:txBody>
+          <a:bodyPr wrap="none" rtlCol="0">
+            <a:spAutoFit/>
+          </a:bodyPr>
+          <a:lstStyle/>
+          <a:p>
+            <a:r>
+              <a:rPr lang="ko-KR" altLang="en-US" dirty="0" smtClean="0"/>
+              <a:t>결과 </a:t>
+            </a:r>
+            <a:r>
+              <a:rPr lang="en-US" altLang="ko-KR" dirty="0" smtClean="0"/>
+              <a:t>: </a:t>
+            </a:r>
+            <a:endParaRPr lang="ko-KR" altLang="en-US" dirty="0"/>
+          </a:p>
+        </p:txBody>
+      </p:sp>
+      <p:sp>
+        <p:nvSpPr>
+          <p:cNvPr id="18" name="직사각형 17"/>
+          <p:cNvSpPr/>
+          <p:nvPr/>
+        </p:nvSpPr>
+        <p:spPr>
+          <a:xfrm>
+            <a:off x="4153861" y="5008213"/>
+            <a:ext cx="1552638" cy="201813"/>
+          </a:xfrm>
+          <a:prstGeom prst="rect">
+            <a:avLst/>
+          </a:prstGeom>
+          <a:noFill/>
+          <a:ln w="28575">
+            <a:solidFill>
+              <a:srgbClr val="FF0000"/>
+            </a:solidFill>
+          </a:ln>
+        </p:spPr>
+        <p:style>
+          <a:lnRef idx="2">
+            <a:schemeClr val="accent1">
+              <a:shade val="50000"/>
+            </a:schemeClr>
+          </a:lnRef>
+          <a:fillRef idx="1">
+            <a:schemeClr val="accent1"/>
+          </a:fillRef>
+          <a:effectRef idx="0">
+            <a:schemeClr val="accent1"/>
+          </a:effectRef>
+          <a:fontRef idx="minor">
+            <a:schemeClr val="lt1"/>
+          </a:fontRef>
+        </p:style>
+        <p:txBody>
+          <a:bodyPr rtlCol="0" anchor="ctr"/>
+          <a:lstStyle/>
+          <a:p>
+            <a:pPr algn="ctr"/>
+            <a:endParaRPr lang="ko-KR" altLang="en-US"/>
+          </a:p>
+        </p:txBody>
+      </p:sp>
+      <p:sp>
+        <p:nvSpPr>
+          <p:cNvPr id="19" name="직사각형 18"/>
+          <p:cNvSpPr/>
+          <p:nvPr/>
+        </p:nvSpPr>
+        <p:spPr>
+          <a:xfrm>
+            <a:off x="6858529" y="4927026"/>
+            <a:ext cx="1707902" cy="183466"/>
+          </a:xfrm>
+          <a:prstGeom prst="rect">
+            <a:avLst/>
+          </a:prstGeom>
+          <a:noFill/>
+          <a:ln w="28575">
+            <a:solidFill>
+              <a:srgbClr val="FF0000"/>
+            </a:solidFill>
+          </a:ln>
+        </p:spPr>
+        <p:style>
+          <a:lnRef idx="2">
+            <a:schemeClr val="accent1">
+              <a:shade val="50000"/>
+            </a:schemeClr>
+          </a:lnRef>
+          <a:fillRef idx="1">
+            <a:schemeClr val="accent1"/>
+          </a:fillRef>
+          <a:effectRef idx="0">
+            <a:schemeClr val="accent1"/>
+          </a:effectRef>
+          <a:fontRef idx="minor">
+            <a:schemeClr val="lt1"/>
+          </a:fontRef>
+        </p:style>
+        <p:txBody>
+          <a:bodyPr rtlCol="0" anchor="ctr"/>
+          <a:lstStyle/>
+          <a:p>
+            <a:pPr algn="ctr"/>
+            <a:endParaRPr lang="ko-KR" altLang="en-US"/>
+          </a:p>
+        </p:txBody>
+      </p:sp>
     </p:spTree>
     <p:extLst>
       <p:ext uri="{BB962C8B-B14F-4D97-AF65-F5344CB8AC3E}">
@@ -6493,6 +6796,54 @@
           <a:xfrm>
             <a:off x="811810" y="2507520"/>
             <a:ext cx="10374173" cy="457264"/>
+          </a:xfrm>
+          <a:prstGeom prst="rect">
+            <a:avLst/>
+          </a:prstGeom>
+        </p:spPr>
+      </p:pic>
+      <p:pic>
+        <p:nvPicPr>
+          <p:cNvPr id="10" name="그림 9"/>
+          <p:cNvPicPr>
+            <a:picLocks noChangeAspect="1"/>
+          </p:cNvPicPr>
+          <p:nvPr/>
+        </p:nvPicPr>
+        <p:blipFill>
+          <a:blip r:embed="rId7"/>
+          <a:stretch>
+            <a:fillRect/>
+          </a:stretch>
+        </p:blipFill>
+        <p:spPr>
+          <a:xfrm>
+            <a:off x="285909" y="4246075"/>
+            <a:ext cx="4353533" cy="1390844"/>
+          </a:xfrm>
+          <a:prstGeom prst="rect">
+            <a:avLst/>
+          </a:prstGeom>
+        </p:spPr>
+      </p:pic>
+      <p:pic>
+        <p:nvPicPr>
+          <p:cNvPr id="11" name="그림 10"/>
+          <p:cNvPicPr>
+            <a:picLocks noChangeAspect="1"/>
+          </p:cNvPicPr>
+          <p:nvPr/>
+        </p:nvPicPr>
+        <p:blipFill>
+          <a:blip r:embed="rId8"/>
+          <a:stretch>
+            <a:fillRect/>
+          </a:stretch>
+        </p:blipFill>
+        <p:spPr>
+          <a:xfrm>
+            <a:off x="4822395" y="4365154"/>
+            <a:ext cx="6363588" cy="1152686"/>
           </a:xfrm>
           <a:prstGeom prst="rect">
             <a:avLst/>
@@ -7802,7 +8153,7 @@
         </p:nvCxnSpPr>
         <p:spPr>
           <a:xfrm>
-            <a:off x="3406747" y="4021742"/>
+            <a:off x="4211125" y="3220633"/>
             <a:ext cx="1092425" cy="0"/>
           </a:xfrm>
           <a:prstGeom prst="line">
@@ -7909,6 +8260,65 @@
           <a:xfrm flipV="1">
             <a:off x="2813330" y="4911972"/>
             <a:ext cx="391116" cy="6744"/>
+          </a:xfrm>
+          <a:prstGeom prst="line">
+            <a:avLst/>
+          </a:prstGeom>
+          <a:ln w="28575">
+            <a:solidFill>
+              <a:srgbClr val="FF0000"/>
+            </a:solidFill>
+          </a:ln>
+        </p:spPr>
+        <p:style>
+          <a:lnRef idx="1">
+            <a:schemeClr val="accent1"/>
+          </a:lnRef>
+          <a:fillRef idx="0">
+            <a:schemeClr val="accent1"/>
+          </a:fillRef>
+          <a:effectRef idx="0">
+            <a:schemeClr val="accent1"/>
+          </a:effectRef>
+          <a:fontRef idx="minor">
+            <a:schemeClr val="tx1"/>
+          </a:fontRef>
+        </p:style>
+      </p:cxnSp>
+      <p:pic>
+        <p:nvPicPr>
+          <p:cNvPr id="2" name="그림 1"/>
+          <p:cNvPicPr>
+            <a:picLocks noChangeAspect="1"/>
+          </p:cNvPicPr>
+          <p:nvPr/>
+        </p:nvPicPr>
+        <p:blipFill>
+          <a:blip r:embed="rId4"/>
+          <a:stretch>
+            <a:fillRect/>
+          </a:stretch>
+        </p:blipFill>
+        <p:spPr>
+          <a:xfrm>
+            <a:off x="4987960" y="152421"/>
+            <a:ext cx="5925377" cy="2743583"/>
+          </a:xfrm>
+          <a:prstGeom prst="rect">
+            <a:avLst/>
+          </a:prstGeom>
+        </p:spPr>
+      </p:pic>
+      <p:cxnSp>
+        <p:nvCxnSpPr>
+          <p:cNvPr id="12" name="직선 연결선 11"/>
+          <p:cNvCxnSpPr/>
+          <p:nvPr/>
+        </p:nvCxnSpPr>
+        <p:spPr>
+          <a:xfrm>
+            <a:off x="8247703" y="1045424"/>
+            <a:ext cx="1092425" cy="0"/>
           </a:xfrm>
           <a:prstGeom prst="line">
             <a:avLst/>
